--- a/en/docs/Role_of_product_owners.pptx
+++ b/en/docs/Role_of_product_owners.pptx
@@ -2679,7 +2679,7 @@
           <a:p>
             <a:fld id="{FB51DCDA-08E1-40B7-B9EB-15F057C75ABD}" type="datetimeFigureOut">
               <a:rPr kumimoji="1" lang="ja-JP" altLang="en-US" smtClean="0"/>
-              <a:t>2020/11/30</a:t>
+              <a:t>2020/12/18</a:t>
             </a:fld>
             <a:endParaRPr kumimoji="1" lang="ja-JP" altLang="en-US"/>
           </a:p>
@@ -20730,7 +20730,7 @@
                 <a:latin typeface="メイリオ" panose="020B0604030504040204" pitchFamily="50" charset="-128"/>
                 <a:ea typeface="メイリオ" panose="020B0604030504040204" pitchFamily="50" charset="-128"/>
               </a:rPr>
-              <a:t>The focus of a project is finishing (within set conditions), so the </a:t>
+              <a:t>The focus of a project is finishing (within the specified conditions), so the </a:t>
             </a:r>
             <a:r>
               <a:rPr lang="en-US" altLang="ja-JP" sz="2800" dirty="0">

--- a/en/docs/Role_of_product_owners.pptx
+++ b/en/docs/Role_of_product_owners.pptx
@@ -965,14 +965,16 @@
         <a:p>
           <a:r>
             <a:rPr kumimoji="1" lang="en-US" altLang="en-US" sz="2400" dirty="0">
-              <a:latin typeface="メイリオ" panose="020B0604030504040204" pitchFamily="50" charset="-128"/>
+              <a:latin typeface="Segoe UI" panose="020B0502040204020203" pitchFamily="34" charset="0"/>
               <a:ea typeface="メイリオ" panose="020B0604030504040204" pitchFamily="50" charset="-128"/>
+              <a:cs typeface="Segoe UI" panose="020B0502040204020203" pitchFamily="34" charset="0"/>
             </a:rPr>
             <a:t>Adaptation</a:t>
           </a:r>
           <a:endParaRPr kumimoji="1" lang="ja-JP" altLang="en-US" sz="2400" dirty="0">
-            <a:latin typeface="メイリオ" panose="020B0604030504040204" pitchFamily="50" charset="-128"/>
+            <a:latin typeface="Segoe UI" panose="020B0502040204020203" pitchFamily="34" charset="0"/>
             <a:ea typeface="メイリオ" panose="020B0604030504040204" pitchFamily="50" charset="-128"/>
+            <a:cs typeface="Segoe UI" panose="020B0502040204020203" pitchFamily="34" charset="0"/>
           </a:endParaRPr>
         </a:p>
       </dgm:t>
@@ -1008,14 +1010,16 @@
         <a:p>
           <a:r>
             <a:rPr kumimoji="1" lang="en-US" altLang="en-US" sz="2400" dirty="0">
-              <a:latin typeface="メイリオ" panose="020B0604030504040204" pitchFamily="50" charset="-128"/>
+              <a:latin typeface="Segoe UI" panose="020B0502040204020203" pitchFamily="34" charset="0"/>
               <a:ea typeface="メイリオ" panose="020B0604030504040204" pitchFamily="50" charset="-128"/>
+              <a:cs typeface="Segoe UI" panose="020B0502040204020203" pitchFamily="34" charset="0"/>
             </a:rPr>
             <a:t>Inspection</a:t>
           </a:r>
           <a:endParaRPr kumimoji="1" lang="ja-JP" altLang="en-US" sz="2400" dirty="0">
-            <a:latin typeface="メイリオ" panose="020B0604030504040204" pitchFamily="50" charset="-128"/>
+            <a:latin typeface="Segoe UI" panose="020B0502040204020203" pitchFamily="34" charset="0"/>
             <a:ea typeface="メイリオ" panose="020B0604030504040204" pitchFamily="50" charset="-128"/>
+            <a:cs typeface="Segoe UI" panose="020B0502040204020203" pitchFamily="34" charset="0"/>
           </a:endParaRPr>
         </a:p>
       </dgm:t>
@@ -1168,14 +1172,16 @@
           </a:pPr>
           <a:r>
             <a:rPr kumimoji="1" lang="en-US" altLang="en-US" sz="2400" kern="1200" dirty="0">
-              <a:latin typeface="メイリオ" panose="020B0604030504040204" pitchFamily="50" charset="-128"/>
+              <a:latin typeface="Segoe UI" panose="020B0502040204020203" pitchFamily="34" charset="0"/>
               <a:ea typeface="メイリオ" panose="020B0604030504040204" pitchFamily="50" charset="-128"/>
+              <a:cs typeface="Segoe UI" panose="020B0502040204020203" pitchFamily="34" charset="0"/>
             </a:rPr>
             <a:t>Adaptation</a:t>
           </a:r>
           <a:endParaRPr kumimoji="1" lang="ja-JP" altLang="en-US" sz="2400" kern="1200" dirty="0">
-            <a:latin typeface="メイリオ" panose="020B0604030504040204" pitchFamily="50" charset="-128"/>
+            <a:latin typeface="Segoe UI" panose="020B0502040204020203" pitchFamily="34" charset="0"/>
             <a:ea typeface="メイリオ" panose="020B0604030504040204" pitchFamily="50" charset="-128"/>
+            <a:cs typeface="Segoe UI" panose="020B0502040204020203" pitchFamily="34" charset="0"/>
           </a:endParaRPr>
         </a:p>
       </dsp:txBody>
@@ -1290,14 +1296,16 @@
           </a:pPr>
           <a:r>
             <a:rPr kumimoji="1" lang="en-US" altLang="en-US" sz="2400" kern="1200" dirty="0">
-              <a:latin typeface="メイリオ" panose="020B0604030504040204" pitchFamily="50" charset="-128"/>
+              <a:latin typeface="Segoe UI" panose="020B0502040204020203" pitchFamily="34" charset="0"/>
               <a:ea typeface="メイリオ" panose="020B0604030504040204" pitchFamily="50" charset="-128"/>
+              <a:cs typeface="Segoe UI" panose="020B0502040204020203" pitchFamily="34" charset="0"/>
             </a:rPr>
             <a:t>Inspection</a:t>
           </a:r>
           <a:endParaRPr kumimoji="1" lang="ja-JP" altLang="en-US" sz="2400" kern="1200" dirty="0">
-            <a:latin typeface="メイリオ" panose="020B0604030504040204" pitchFamily="50" charset="-128"/>
+            <a:latin typeface="Segoe UI" panose="020B0502040204020203" pitchFamily="34" charset="0"/>
             <a:ea typeface="メイリオ" panose="020B0604030504040204" pitchFamily="50" charset="-128"/>
+            <a:cs typeface="Segoe UI" panose="020B0502040204020203" pitchFamily="34" charset="0"/>
           </a:endParaRPr>
         </a:p>
       </dsp:txBody>
@@ -2679,7 +2687,7 @@
           <a:p>
             <a:fld id="{FB51DCDA-08E1-40B7-B9EB-15F057C75ABD}" type="datetimeFigureOut">
               <a:rPr kumimoji="1" lang="ja-JP" altLang="en-US" smtClean="0"/>
-              <a:t>2020/12/18</a:t>
+              <a:t>2020/12/19</a:t>
             </a:fld>
             <a:endParaRPr kumimoji="1" lang="ja-JP" altLang="en-US"/>
           </a:p>
@@ -7258,16 +7266,16 @@
           <a:p>
             <a:r>
               <a:rPr lang="en-US" altLang="ja-JP" sz="2400" b="1" dirty="0">
-                <a:latin typeface="Meiryo UI" panose="020B0604030504040204" pitchFamily="50" charset="-128"/>
+                <a:latin typeface="Segoe UI" panose="020B0502040204020203" pitchFamily="34" charset="0"/>
                 <a:ea typeface="Meiryo UI" panose="020B0604030504040204" pitchFamily="50" charset="-128"/>
-                <a:cs typeface="Meiryo UI" panose="020B0604030504040204" pitchFamily="50" charset="-128"/>
+                <a:cs typeface="Segoe UI" panose="020B0502040204020203" pitchFamily="34" charset="0"/>
               </a:rPr>
               <a:t>Role of product owners in Scrum development</a:t>
             </a:r>
             <a:endParaRPr kumimoji="1" lang="ja-JP" altLang="en-US" sz="2400" b="1" dirty="0">
-              <a:latin typeface="Meiryo UI" panose="020B0604030504040204" pitchFamily="50" charset="-128"/>
+              <a:latin typeface="Segoe UI" panose="020B0502040204020203" pitchFamily="34" charset="0"/>
               <a:ea typeface="Meiryo UI" panose="020B0604030504040204" pitchFamily="50" charset="-128"/>
-              <a:cs typeface="Meiryo UI" panose="020B0604030504040204" pitchFamily="50" charset="-128"/>
+              <a:cs typeface="Segoe UI" panose="020B0502040204020203" pitchFamily="34" charset="0"/>
             </a:endParaRPr>
           </a:p>
         </p:txBody>
@@ -7401,8 +7409,9 @@
                     <a:lumOff val="25000"/>
                   </a:srgbClr>
                 </a:solidFill>
-                <a:latin typeface="Meiryo UI" panose="020B0604030504040204" pitchFamily="50" charset="-128"/>
+                <a:latin typeface="Segoe UI" panose="020B0502040204020203" pitchFamily="34" charset="0"/>
                 <a:ea typeface="Meiryo UI" panose="020B0604030504040204" pitchFamily="50" charset="-128"/>
+                <a:cs typeface="Segoe UI" panose="020B0502040204020203" pitchFamily="34" charset="0"/>
               </a:rPr>
               <a:t>Version 1.1 </a:t>
             </a:r>
@@ -7421,8 +7430,9 @@
                     <a:lumOff val="25000"/>
                   </a:srgbClr>
                 </a:solidFill>
-                <a:latin typeface="Meiryo UI" panose="020B0604030504040204" pitchFamily="50" charset="-128"/>
+                <a:latin typeface="Segoe UI" panose="020B0502040204020203" pitchFamily="34" charset="0"/>
                 <a:ea typeface="Meiryo UI" panose="020B0604030504040204" pitchFamily="50" charset="-128"/>
+                <a:cs typeface="Segoe UI" panose="020B0502040204020203" pitchFamily="34" charset="0"/>
               </a:rPr>
               <a:t>February 14, 2018 </a:t>
             </a:r>
@@ -7582,8 +7592,9 @@
                 <a:solidFill>
                   <a:srgbClr val="000000"/>
                 </a:solidFill>
-                <a:latin typeface="Meiryo UI"/>
+                <a:latin typeface="Segoe UI" panose="020B0502040204020203" pitchFamily="34" charset="0"/>
                 <a:ea typeface="Meiryo UI"/>
+                <a:cs typeface="Segoe UI" panose="020B0502040204020203" pitchFamily="34" charset="0"/>
               </a:rPr>
               <a:t>This document is provided under the international Creative Commons Attribution + Share Alike 4.0 license.</a:t>
             </a:r>
@@ -7593,8 +7604,9 @@
               <a:solidFill>
                 <a:srgbClr val="000000"/>
               </a:solidFill>
-              <a:latin typeface="Meiryo UI"/>
+              <a:latin typeface="Segoe UI" panose="020B0502040204020203" pitchFamily="34" charset="0"/>
               <a:ea typeface="Meiryo UI"/>
+              <a:cs typeface="Segoe UI" panose="020B0502040204020203" pitchFamily="34" charset="0"/>
             </a:endParaRPr>
           </a:p>
         </p:txBody>
@@ -7720,8 +7732,9 @@
                 <a:solidFill>
                   <a:srgbClr val="000000"/>
                 </a:solidFill>
-                <a:latin typeface="Meiryo UI"/>
+                <a:latin typeface="Segoe UI" panose="020B0502040204020203" pitchFamily="34" charset="0"/>
                 <a:ea typeface="Meiryo UI"/>
+                <a:cs typeface="Segoe UI" panose="020B0502040204020203" pitchFamily="34" charset="0"/>
               </a:rPr>
               <a:t>　</a:t>
             </a:r>
@@ -7730,8 +7743,9 @@
                 <a:solidFill>
                   <a:srgbClr val="000000"/>
                 </a:solidFill>
-                <a:latin typeface="Meiryo UI"/>
+                <a:latin typeface="Segoe UI" panose="020B0502040204020203" pitchFamily="34" charset="0"/>
                 <a:ea typeface="Meiryo UI"/>
+                <a:cs typeface="Segoe UI" panose="020B0502040204020203" pitchFamily="34" charset="0"/>
               </a:rPr>
               <a:t>Introduction to Scrum ©2018 TIS INC. Creative Commons License (International Attribution + Share Alike 4.0)</a:t>
             </a:r>
@@ -7739,8 +7753,9 @@
               <a:solidFill>
                 <a:srgbClr val="000000"/>
               </a:solidFill>
-              <a:latin typeface="Meiryo UI"/>
+              <a:latin typeface="Segoe UI" panose="020B0502040204020203" pitchFamily="34" charset="0"/>
               <a:ea typeface="Meiryo UI"/>
+              <a:cs typeface="Segoe UI" panose="020B0502040204020203" pitchFamily="34" charset="0"/>
             </a:endParaRPr>
           </a:p>
         </p:txBody>
@@ -7791,10 +7806,16 @@
           <a:lstStyle/>
           <a:p>
             <a:r>
-              <a:rPr lang="en-US" altLang="ja-JP" dirty="0"/>
+              <a:rPr lang="en-US" altLang="ja-JP" dirty="0">
+                <a:latin typeface="Segoe UI" panose="020B0502040204020203" pitchFamily="34" charset="0"/>
+                <a:cs typeface="Segoe UI" panose="020B0502040204020203" pitchFamily="34" charset="0"/>
+              </a:rPr>
               <a:t>Target market (general areas)</a:t>
             </a:r>
-            <a:endParaRPr kumimoji="1" lang="ja-JP" altLang="en-US" dirty="0"/>
+            <a:endParaRPr kumimoji="1" lang="ja-JP" altLang="en-US" dirty="0">
+              <a:latin typeface="Segoe UI" panose="020B0502040204020203" pitchFamily="34" charset="0"/>
+              <a:cs typeface="Segoe UI" panose="020B0502040204020203" pitchFamily="34" charset="0"/>
+            </a:endParaRPr>
           </a:p>
         </p:txBody>
       </p:sp>
@@ -7822,7 +7843,10 @@
               <a:buNone/>
             </a:pPr>
             <a:r>
-              <a:rPr lang="en-US" altLang="ja-JP" dirty="0"/>
+              <a:rPr lang="en-US" altLang="ja-JP" dirty="0">
+                <a:latin typeface="Segoe UI" panose="020B0502040204020203" pitchFamily="34" charset="0"/>
+                <a:cs typeface="Segoe UI" panose="020B0502040204020203" pitchFamily="34" charset="0"/>
+              </a:rPr>
               <a:t>“All individuals and organizations who purchase a product or service, or who </a:t>
             </a:r>
             <a:r>
@@ -7830,22 +7854,36 @@
                 <a:solidFill>
                   <a:srgbClr val="FF0000"/>
                 </a:solidFill>
+                <a:latin typeface="Segoe UI" panose="020B0502040204020203" pitchFamily="34" charset="0"/>
+                <a:cs typeface="Segoe UI" panose="020B0502040204020203" pitchFamily="34" charset="0"/>
               </a:rPr>
               <a:t>may do so</a:t>
             </a:r>
             <a:r>
-              <a:rPr lang="en-US" altLang="ja-JP" dirty="0"/>
+              <a:rPr lang="en-US" altLang="ja-JP" dirty="0">
+                <a:latin typeface="Segoe UI" panose="020B0502040204020203" pitchFamily="34" charset="0"/>
+                <a:cs typeface="Segoe UI" panose="020B0502040204020203" pitchFamily="34" charset="0"/>
+              </a:rPr>
               <a:t>.” (from </a:t>
             </a:r>
             <a:r>
-              <a:rPr lang="en-US" altLang="ja-JP" dirty="0" err="1"/>
+              <a:rPr lang="en-US" altLang="ja-JP" dirty="0" err="1">
+                <a:latin typeface="Segoe UI" panose="020B0502040204020203" pitchFamily="34" charset="0"/>
+                <a:cs typeface="Segoe UI" panose="020B0502040204020203" pitchFamily="34" charset="0"/>
+              </a:rPr>
               <a:t>Kotobank</a:t>
             </a:r>
             <a:r>
-              <a:rPr lang="en-US" altLang="ja-JP" dirty="0"/>
+              <a:rPr lang="en-US" altLang="ja-JP" dirty="0">
+                <a:latin typeface="Segoe UI" panose="020B0502040204020203" pitchFamily="34" charset="0"/>
+                <a:cs typeface="Segoe UI" panose="020B0502040204020203" pitchFamily="34" charset="0"/>
+              </a:rPr>
               <a:t>)</a:t>
             </a:r>
-            <a:endParaRPr kumimoji="1" lang="ja-JP" altLang="en-US" dirty="0"/>
+            <a:endParaRPr kumimoji="1" lang="ja-JP" altLang="en-US" dirty="0">
+              <a:latin typeface="Segoe UI" panose="020B0502040204020203" pitchFamily="34" charset="0"/>
+              <a:cs typeface="Segoe UI" panose="020B0502040204020203" pitchFamily="34" charset="0"/>
+            </a:endParaRPr>
           </a:p>
         </p:txBody>
       </p:sp>
@@ -7869,6 +7907,8 @@
                 <a:solidFill>
                   <a:srgbClr val="000000"/>
                 </a:solidFill>
+                <a:latin typeface="Segoe UI" panose="020B0502040204020203" pitchFamily="34" charset="0"/>
+                <a:cs typeface="Segoe UI" panose="020B0502040204020203" pitchFamily="34" charset="0"/>
               </a:rPr>
               <a:pPr/>
               <a:t>10</a:t>
@@ -7877,6 +7917,8 @@
               <a:solidFill>
                 <a:srgbClr val="000000"/>
               </a:solidFill>
+              <a:latin typeface="Segoe UI" panose="020B0502040204020203" pitchFamily="34" charset="0"/>
+              <a:cs typeface="Segoe UI" panose="020B0502040204020203" pitchFamily="34" charset="0"/>
             </a:endParaRPr>
           </a:p>
         </p:txBody>
@@ -7946,6 +7988,8 @@
                 <a:solidFill>
                   <a:schemeClr val="tx1"/>
                 </a:solidFill>
+                <a:latin typeface="Segoe UI" panose="020B0502040204020203" pitchFamily="34" charset="0"/>
+                <a:cs typeface="Segoe UI" panose="020B0502040204020203" pitchFamily="34" charset="0"/>
               </a:endParaRPr>
             </a:p>
           </p:txBody>
@@ -8035,14 +8079,16 @@
               <a:pPr algn="ctr"/>
               <a:r>
                 <a:rPr lang="en-US" altLang="ja-JP" sz="1600" dirty="0">
-                  <a:latin typeface="メイリオ" panose="020B0604030504040204" pitchFamily="50" charset="-128"/>
+                  <a:latin typeface="Segoe UI" panose="020B0502040204020203" pitchFamily="34" charset="0"/>
                   <a:ea typeface="メイリオ" panose="020B0604030504040204" pitchFamily="50" charset="-128"/>
+                  <a:cs typeface="Segoe UI" panose="020B0502040204020203" pitchFamily="34" charset="0"/>
                 </a:rPr>
                 <a:t>Customers/users</a:t>
               </a:r>
               <a:endParaRPr kumimoji="1" lang="ja-JP" altLang="en-US" sz="1600" dirty="0">
-                <a:latin typeface="メイリオ" panose="020B0604030504040204" pitchFamily="50" charset="-128"/>
+                <a:latin typeface="Segoe UI" panose="020B0502040204020203" pitchFamily="34" charset="0"/>
                 <a:ea typeface="メイリオ" panose="020B0604030504040204" pitchFamily="50" charset="-128"/>
+                <a:cs typeface="Segoe UI" panose="020B0502040204020203" pitchFamily="34" charset="0"/>
               </a:endParaRPr>
             </a:p>
           </p:txBody>
@@ -8072,14 +8118,16 @@
               <a:pPr algn="ctr"/>
               <a:r>
                 <a:rPr lang="en-US" altLang="ja-JP" b="1" dirty="0">
-                  <a:latin typeface="メイリオ" panose="020B0604030504040204" pitchFamily="50" charset="-128"/>
+                  <a:latin typeface="Segoe UI" panose="020B0502040204020203" pitchFamily="34" charset="0"/>
                   <a:ea typeface="メイリオ" panose="020B0604030504040204" pitchFamily="50" charset="-128"/>
+                  <a:cs typeface="Segoe UI" panose="020B0502040204020203" pitchFamily="34" charset="0"/>
                 </a:rPr>
                 <a:t>Product owner</a:t>
               </a:r>
               <a:endParaRPr kumimoji="1" lang="ja-JP" altLang="en-US" b="1" dirty="0">
-                <a:latin typeface="メイリオ" panose="020B0604030504040204" pitchFamily="50" charset="-128"/>
+                <a:latin typeface="Segoe UI" panose="020B0502040204020203" pitchFamily="34" charset="0"/>
                 <a:ea typeface="メイリオ" panose="020B0604030504040204" pitchFamily="50" charset="-128"/>
+                <a:cs typeface="Segoe UI" panose="020B0502040204020203" pitchFamily="34" charset="0"/>
               </a:endParaRPr>
             </a:p>
           </p:txBody>
@@ -8160,7 +8208,10 @@
           <a:lstStyle/>
           <a:p>
             <a:pPr algn="ctr"/>
-            <a:endParaRPr kumimoji="1" lang="ja-JP" altLang="en-US"/>
+            <a:endParaRPr kumimoji="1" lang="ja-JP" altLang="en-US">
+              <a:latin typeface="Segoe UI" panose="020B0502040204020203" pitchFamily="34" charset="0"/>
+              <a:cs typeface="Segoe UI" panose="020B0502040204020203" pitchFamily="34" charset="0"/>
+            </a:endParaRPr>
           </a:p>
         </p:txBody>
       </p:sp>
@@ -8185,10 +8236,16 @@
           <a:lstStyle/>
           <a:p>
             <a:r>
-              <a:rPr lang="en-US" altLang="ja-JP" dirty="0"/>
+              <a:rPr lang="en-US" altLang="ja-JP" dirty="0">
+                <a:latin typeface="Segoe UI" panose="020B0502040204020203" pitchFamily="34" charset="0"/>
+                <a:cs typeface="Segoe UI" panose="020B0502040204020203" pitchFamily="34" charset="0"/>
+              </a:rPr>
               <a:t>Target market (from product owner’s perspective)</a:t>
             </a:r>
-            <a:endParaRPr kumimoji="1" lang="ja-JP" altLang="en-US" dirty="0"/>
+            <a:endParaRPr kumimoji="1" lang="ja-JP" altLang="en-US" dirty="0">
+              <a:latin typeface="Segoe UI" panose="020B0502040204020203" pitchFamily="34" charset="0"/>
+              <a:cs typeface="Segoe UI" panose="020B0502040204020203" pitchFamily="34" charset="0"/>
+            </a:endParaRPr>
           </a:p>
         </p:txBody>
       </p:sp>
@@ -8211,10 +8268,16 @@
               <a:buNone/>
             </a:pPr>
             <a:r>
-              <a:rPr lang="en-US" altLang="ja-JP" dirty="0"/>
+              <a:rPr lang="en-US" altLang="ja-JP" dirty="0">
+                <a:latin typeface="Segoe UI" panose="020B0502040204020203" pitchFamily="34" charset="0"/>
+                <a:cs typeface="Segoe UI" panose="020B0502040204020203" pitchFamily="34" charset="0"/>
+              </a:rPr>
               <a:t>All parties other than the product owner (regardless of whether they will purchase it) </a:t>
             </a:r>
-            <a:endParaRPr kumimoji="1" lang="ja-JP" altLang="en-US" dirty="0"/>
+            <a:endParaRPr kumimoji="1" lang="ja-JP" altLang="en-US" dirty="0">
+              <a:latin typeface="Segoe UI" panose="020B0502040204020203" pitchFamily="34" charset="0"/>
+              <a:cs typeface="Segoe UI" panose="020B0502040204020203" pitchFamily="34" charset="0"/>
+            </a:endParaRPr>
           </a:p>
         </p:txBody>
       </p:sp>
@@ -8238,6 +8301,8 @@
                 <a:solidFill>
                   <a:srgbClr val="000000"/>
                 </a:solidFill>
+                <a:latin typeface="Segoe UI" panose="020B0502040204020203" pitchFamily="34" charset="0"/>
+                <a:cs typeface="Segoe UI" panose="020B0502040204020203" pitchFamily="34" charset="0"/>
               </a:rPr>
               <a:pPr/>
               <a:t>11</a:t>
@@ -8246,6 +8311,8 @@
               <a:solidFill>
                 <a:srgbClr val="000000"/>
               </a:solidFill>
+              <a:latin typeface="Segoe UI" panose="020B0502040204020203" pitchFamily="34" charset="0"/>
+              <a:cs typeface="Segoe UI" panose="020B0502040204020203" pitchFamily="34" charset="0"/>
             </a:endParaRPr>
           </a:p>
         </p:txBody>
@@ -8319,14 +8386,16 @@
               <a:pPr algn="ctr"/>
               <a:r>
                 <a:rPr lang="en-US" altLang="ja-JP" b="1" dirty="0">
-                  <a:latin typeface="メイリオ" panose="020B0604030504040204" pitchFamily="50" charset="-128"/>
+                  <a:latin typeface="Segoe UI" panose="020B0502040204020203" pitchFamily="34" charset="0"/>
                   <a:ea typeface="メイリオ" panose="020B0604030504040204" pitchFamily="50" charset="-128"/>
+                  <a:cs typeface="Segoe UI" panose="020B0502040204020203" pitchFamily="34" charset="0"/>
                 </a:rPr>
                 <a:t>Product owner</a:t>
               </a:r>
               <a:endParaRPr kumimoji="1" lang="ja-JP" altLang="en-US" b="1" dirty="0">
-                <a:latin typeface="メイリオ" panose="020B0604030504040204" pitchFamily="50" charset="-128"/>
+                <a:latin typeface="Segoe UI" panose="020B0502040204020203" pitchFamily="34" charset="0"/>
                 <a:ea typeface="メイリオ" panose="020B0604030504040204" pitchFamily="50" charset="-128"/>
+                <a:cs typeface="Segoe UI" panose="020B0502040204020203" pitchFamily="34" charset="0"/>
               </a:endParaRPr>
             </a:p>
           </p:txBody>
@@ -8381,7 +8450,10 @@
           <a:lstStyle/>
           <a:p>
             <a:pPr algn="ctr"/>
-            <a:endParaRPr kumimoji="1" lang="ja-JP" altLang="en-US"/>
+            <a:endParaRPr kumimoji="1" lang="ja-JP" altLang="en-US">
+              <a:latin typeface="Segoe UI" panose="020B0502040204020203" pitchFamily="34" charset="0"/>
+              <a:cs typeface="Segoe UI" panose="020B0502040204020203" pitchFamily="34" charset="0"/>
+            </a:endParaRPr>
           </a:p>
         </p:txBody>
       </p:sp>
@@ -8434,7 +8506,10 @@
           <a:lstStyle/>
           <a:p>
             <a:pPr algn="ctr"/>
-            <a:endParaRPr kumimoji="1" lang="ja-JP" altLang="en-US"/>
+            <a:endParaRPr kumimoji="1" lang="ja-JP" altLang="en-US">
+              <a:latin typeface="Segoe UI" panose="020B0502040204020203" pitchFamily="34" charset="0"/>
+              <a:cs typeface="Segoe UI" panose="020B0502040204020203" pitchFamily="34" charset="0"/>
+            </a:endParaRPr>
           </a:p>
         </p:txBody>
       </p:sp>
@@ -8488,8 +8563,9 @@
                 <a:solidFill>
                   <a:schemeClr val="tx1"/>
                 </a:solidFill>
-                <a:latin typeface="メイリオ" panose="020B0604030504040204" pitchFamily="50" charset="-128"/>
+                <a:latin typeface="Segoe UI" panose="020B0502040204020203" pitchFamily="34" charset="0"/>
                 <a:ea typeface="メイリオ" panose="020B0604030504040204" pitchFamily="50" charset="-128"/>
+                <a:cs typeface="Segoe UI" panose="020B0502040204020203" pitchFamily="34" charset="0"/>
               </a:rPr>
               <a:t>Apparent customers</a:t>
             </a:r>
@@ -8497,8 +8573,9 @@
               <a:solidFill>
                 <a:schemeClr val="tx1"/>
               </a:solidFill>
-              <a:latin typeface="メイリオ" panose="020B0604030504040204" pitchFamily="50" charset="-128"/>
+              <a:latin typeface="Segoe UI" panose="020B0502040204020203" pitchFamily="34" charset="0"/>
               <a:ea typeface="メイリオ" panose="020B0604030504040204" pitchFamily="50" charset="-128"/>
+              <a:cs typeface="Segoe UI" panose="020B0502040204020203" pitchFamily="34" charset="0"/>
             </a:endParaRPr>
           </a:p>
         </p:txBody>
@@ -8553,8 +8630,9 @@
                 <a:solidFill>
                   <a:schemeClr val="tx1"/>
                 </a:solidFill>
-                <a:latin typeface="メイリオ" panose="020B0604030504040204" pitchFamily="50" charset="-128"/>
+                <a:latin typeface="Segoe UI" panose="020B0502040204020203" pitchFamily="34" charset="0"/>
                 <a:ea typeface="メイリオ" panose="020B0604030504040204" pitchFamily="50" charset="-128"/>
+                <a:cs typeface="Segoe UI" panose="020B0502040204020203" pitchFamily="34" charset="0"/>
               </a:rPr>
               <a:t>Development</a:t>
             </a:r>
@@ -8566,8 +8644,9 @@
                 <a:solidFill>
                   <a:schemeClr val="tx1"/>
                 </a:solidFill>
-                <a:latin typeface="メイリオ" panose="020B0604030504040204" pitchFamily="50" charset="-128"/>
+                <a:latin typeface="Segoe UI" panose="020B0502040204020203" pitchFamily="34" charset="0"/>
                 <a:ea typeface="メイリオ" panose="020B0604030504040204" pitchFamily="50" charset="-128"/>
+                <a:cs typeface="Segoe UI" panose="020B0502040204020203" pitchFamily="34" charset="0"/>
               </a:rPr>
               <a:t>team</a:t>
             </a:r>
@@ -8624,8 +8703,9 @@
                 <a:solidFill>
                   <a:schemeClr val="tx1"/>
                 </a:solidFill>
-                <a:latin typeface="メイリオ" panose="020B0604030504040204" pitchFamily="50" charset="-128"/>
+                <a:latin typeface="Segoe UI" panose="020B0502040204020203" pitchFamily="34" charset="0"/>
                 <a:ea typeface="メイリオ" panose="020B0604030504040204" pitchFamily="50" charset="-128"/>
+                <a:cs typeface="Segoe UI" panose="020B0502040204020203" pitchFamily="34" charset="0"/>
               </a:rPr>
               <a:t>Sales</a:t>
             </a:r>
@@ -8633,8 +8713,9 @@
               <a:solidFill>
                 <a:schemeClr val="tx1"/>
               </a:solidFill>
-              <a:latin typeface="メイリオ" panose="020B0604030504040204" pitchFamily="50" charset="-128"/>
+              <a:latin typeface="Segoe UI" panose="020B0502040204020203" pitchFamily="34" charset="0"/>
               <a:ea typeface="メイリオ" panose="020B0604030504040204" pitchFamily="50" charset="-128"/>
+              <a:cs typeface="Segoe UI" panose="020B0502040204020203" pitchFamily="34" charset="0"/>
             </a:endParaRPr>
           </a:p>
         </p:txBody>
@@ -8689,8 +8770,9 @@
                 <a:solidFill>
                   <a:schemeClr val="tx1"/>
                 </a:solidFill>
-                <a:latin typeface="メイリオ" panose="020B0604030504040204" pitchFamily="50" charset="-128"/>
+                <a:latin typeface="Segoe UI" panose="020B0502040204020203" pitchFamily="34" charset="0"/>
                 <a:ea typeface="メイリオ" panose="020B0604030504040204" pitchFamily="50" charset="-128"/>
+                <a:cs typeface="Segoe UI" panose="020B0502040204020203" pitchFamily="34" charset="0"/>
               </a:rPr>
               <a:t>Management</a:t>
             </a:r>
@@ -8698,8 +8780,9 @@
               <a:solidFill>
                 <a:schemeClr val="tx1"/>
               </a:solidFill>
-              <a:latin typeface="メイリオ" panose="020B0604030504040204" pitchFamily="50" charset="-128"/>
+              <a:latin typeface="Segoe UI" panose="020B0502040204020203" pitchFamily="34" charset="0"/>
               <a:ea typeface="メイリオ" panose="020B0604030504040204" pitchFamily="50" charset="-128"/>
+              <a:cs typeface="Segoe UI" panose="020B0502040204020203" pitchFamily="34" charset="0"/>
             </a:endParaRPr>
           </a:p>
         </p:txBody>
@@ -8754,8 +8837,9 @@
                 <a:solidFill>
                   <a:schemeClr val="tx1"/>
                 </a:solidFill>
-                <a:latin typeface="メイリオ" panose="020B0604030504040204" pitchFamily="50" charset="-128"/>
+                <a:latin typeface="Segoe UI" panose="020B0502040204020203" pitchFamily="34" charset="0"/>
                 <a:ea typeface="メイリオ" panose="020B0604030504040204" pitchFamily="50" charset="-128"/>
+                <a:cs typeface="Segoe UI" panose="020B0502040204020203" pitchFamily="34" charset="0"/>
               </a:rPr>
               <a:t>Legal Affairs</a:t>
             </a:r>
@@ -8812,8 +8896,9 @@
                 <a:solidFill>
                   <a:schemeClr val="tx1"/>
                 </a:solidFill>
-                <a:latin typeface="メイリオ" panose="020B0604030504040204" pitchFamily="50" charset="-128"/>
+                <a:latin typeface="Segoe UI" panose="020B0502040204020203" pitchFamily="34" charset="0"/>
                 <a:ea typeface="メイリオ" panose="020B0604030504040204" pitchFamily="50" charset="-128"/>
+                <a:cs typeface="Segoe UI" panose="020B0502040204020203" pitchFamily="34" charset="0"/>
               </a:rPr>
               <a:t>End users</a:t>
             </a:r>
@@ -8821,8 +8906,9 @@
               <a:solidFill>
                 <a:schemeClr val="tx1"/>
               </a:solidFill>
-              <a:latin typeface="メイリオ" panose="020B0604030504040204" pitchFamily="50" charset="-128"/>
+              <a:latin typeface="Segoe UI" panose="020B0502040204020203" pitchFamily="34" charset="0"/>
               <a:ea typeface="メイリオ" panose="020B0604030504040204" pitchFamily="50" charset="-128"/>
+              <a:cs typeface="Segoe UI" panose="020B0502040204020203" pitchFamily="34" charset="0"/>
             </a:endParaRPr>
           </a:p>
         </p:txBody>
@@ -8857,8 +8943,9 @@
             <a:pPr algn="ctr"/>
             <a:r>
               <a:rPr lang="en-US" altLang="ja-JP" sz="1400" b="1" dirty="0">
-                <a:latin typeface="メイリオ" panose="020B0604030504040204" pitchFamily="50" charset="-128"/>
+                <a:latin typeface="Segoe UI" panose="020B0502040204020203" pitchFamily="34" charset="0"/>
                 <a:ea typeface="メイリオ" panose="020B0604030504040204" pitchFamily="50" charset="-128"/>
+                <a:cs typeface="Segoe UI" panose="020B0502040204020203" pitchFamily="34" charset="0"/>
               </a:rPr>
               <a:t>Internal market</a:t>
             </a:r>
@@ -8867,8 +8954,9 @@
             <a:pPr algn="ctr"/>
             <a:r>
               <a:rPr lang="en-US" altLang="ja-JP" sz="1400" b="1" dirty="0">
-                <a:latin typeface="メイリオ" panose="020B0604030504040204" pitchFamily="50" charset="-128"/>
+                <a:latin typeface="Segoe UI" panose="020B0502040204020203" pitchFamily="34" charset="0"/>
                 <a:ea typeface="メイリオ" panose="020B0604030504040204" pitchFamily="50" charset="-128"/>
+                <a:cs typeface="Segoe UI" panose="020B0502040204020203" pitchFamily="34" charset="0"/>
               </a:rPr>
               <a:t> (inside company)</a:t>
             </a:r>
@@ -8925,8 +9013,9 @@
                 <a:solidFill>
                   <a:schemeClr val="tx1"/>
                 </a:solidFill>
-                <a:latin typeface="メイリオ" panose="020B0604030504040204" pitchFamily="50" charset="-128"/>
+                <a:latin typeface="Segoe UI" panose="020B0502040204020203" pitchFamily="34" charset="0"/>
                 <a:ea typeface="メイリオ" panose="020B0604030504040204" pitchFamily="50" charset="-128"/>
+                <a:cs typeface="Segoe UI" panose="020B0502040204020203" pitchFamily="34" charset="0"/>
               </a:rPr>
               <a:t>Sometimes product owners need to do their own research and venture into new markets by appealing to customers and markets that are not yet recognized.</a:t>
             </a:r>
@@ -8934,8 +9023,9 @@
               <a:solidFill>
                 <a:schemeClr val="tx1"/>
               </a:solidFill>
-              <a:latin typeface="メイリオ" panose="020B0604030504040204" pitchFamily="50" charset="-128"/>
+              <a:latin typeface="Segoe UI" panose="020B0502040204020203" pitchFamily="34" charset="0"/>
               <a:ea typeface="メイリオ" panose="020B0604030504040204" pitchFamily="50" charset="-128"/>
+              <a:cs typeface="Segoe UI" panose="020B0502040204020203" pitchFamily="34" charset="0"/>
             </a:endParaRPr>
           </a:p>
         </p:txBody>
@@ -8990,7 +9080,10 @@
           <a:lstStyle/>
           <a:p>
             <a:pPr algn="ctr"/>
-            <a:endParaRPr kumimoji="1" lang="ja-JP" altLang="en-US"/>
+            <a:endParaRPr kumimoji="1" lang="ja-JP" altLang="en-US">
+              <a:latin typeface="Segoe UI" panose="020B0502040204020203" pitchFamily="34" charset="0"/>
+              <a:cs typeface="Segoe UI" panose="020B0502040204020203" pitchFamily="34" charset="0"/>
+            </a:endParaRPr>
           </a:p>
         </p:txBody>
       </p:sp>
@@ -9044,8 +9137,9 @@
                 <a:solidFill>
                   <a:schemeClr val="tx1"/>
                 </a:solidFill>
-                <a:latin typeface="メイリオ" panose="020B0604030504040204" pitchFamily="50" charset="-128"/>
+                <a:latin typeface="Segoe UI" panose="020B0502040204020203" pitchFamily="34" charset="0"/>
                 <a:ea typeface="メイリオ" panose="020B0604030504040204" pitchFamily="50" charset="-128"/>
+                <a:cs typeface="Segoe UI" panose="020B0502040204020203" pitchFamily="34" charset="0"/>
               </a:rPr>
               <a:t>Unrecognized customers and decision-makers</a:t>
             </a:r>
@@ -9053,8 +9147,9 @@
               <a:solidFill>
                 <a:schemeClr val="tx1"/>
               </a:solidFill>
-              <a:latin typeface="メイリオ" panose="020B0604030504040204" pitchFamily="50" charset="-128"/>
+              <a:latin typeface="Segoe UI" panose="020B0502040204020203" pitchFamily="34" charset="0"/>
               <a:ea typeface="メイリオ" panose="020B0604030504040204" pitchFamily="50" charset="-128"/>
+              <a:cs typeface="Segoe UI" panose="020B0502040204020203" pitchFamily="34" charset="0"/>
             </a:endParaRPr>
           </a:p>
         </p:txBody>
@@ -9089,14 +9184,16 @@
             <a:pPr algn="ctr"/>
             <a:r>
               <a:rPr lang="en-US" altLang="ja-JP" sz="1400" b="1" dirty="0">
-                <a:latin typeface="メイリオ" panose="020B0604030504040204" pitchFamily="50" charset="-128"/>
+                <a:latin typeface="Segoe UI" panose="020B0502040204020203" pitchFamily="34" charset="0"/>
                 <a:ea typeface="メイリオ" panose="020B0604030504040204" pitchFamily="50" charset="-128"/>
+                <a:cs typeface="Segoe UI" panose="020B0502040204020203" pitchFamily="34" charset="0"/>
               </a:rPr>
               <a:t>Potential Market</a:t>
             </a:r>
             <a:endParaRPr kumimoji="1" lang="ja-JP" altLang="en-US" sz="1400" b="1" dirty="0">
-              <a:latin typeface="メイリオ" panose="020B0604030504040204" pitchFamily="50" charset="-128"/>
+              <a:latin typeface="Segoe UI" panose="020B0502040204020203" pitchFamily="34" charset="0"/>
               <a:ea typeface="メイリオ" panose="020B0604030504040204" pitchFamily="50" charset="-128"/>
+              <a:cs typeface="Segoe UI" panose="020B0502040204020203" pitchFamily="34" charset="0"/>
             </a:endParaRPr>
           </a:p>
         </p:txBody>
@@ -9131,14 +9228,16 @@
             <a:pPr algn="ctr"/>
             <a:r>
               <a:rPr lang="en-US" altLang="ja-JP" sz="1400" b="1" dirty="0">
-                <a:latin typeface="メイリオ" panose="020B0604030504040204" pitchFamily="50" charset="-128"/>
+                <a:latin typeface="Segoe UI" panose="020B0502040204020203" pitchFamily="34" charset="0"/>
                 <a:ea typeface="メイリオ" panose="020B0604030504040204" pitchFamily="50" charset="-128"/>
+                <a:cs typeface="Segoe UI" panose="020B0502040204020203" pitchFamily="34" charset="0"/>
               </a:rPr>
               <a:t>External market (outside company)</a:t>
             </a:r>
             <a:endParaRPr kumimoji="1" lang="ja-JP" altLang="en-US" sz="1400" b="1" dirty="0">
-              <a:latin typeface="メイリオ" panose="020B0604030504040204" pitchFamily="50" charset="-128"/>
+              <a:latin typeface="Segoe UI" panose="020B0502040204020203" pitchFamily="34" charset="0"/>
               <a:ea typeface="メイリオ" panose="020B0604030504040204" pitchFamily="50" charset="-128"/>
+              <a:cs typeface="Segoe UI" panose="020B0502040204020203" pitchFamily="34" charset="0"/>
             </a:endParaRPr>
           </a:p>
         </p:txBody>
@@ -9199,7 +9298,10 @@
               <a:buNone/>
             </a:pPr>
             <a:r>
-              <a:rPr lang="en-US" altLang="ja-JP" dirty="0"/>
+              <a:rPr lang="en-US" altLang="ja-JP" dirty="0">
+                <a:latin typeface="Segoe UI" panose="020B0502040204020203" pitchFamily="34" charset="0"/>
+                <a:cs typeface="Segoe UI" panose="020B0502040204020203" pitchFamily="34" charset="0"/>
+              </a:rPr>
               <a:t>Points of caution</a:t>
             </a:r>
           </a:p>
@@ -9207,7 +9309,10 @@
             <a:pPr marL="0" indent="0">
               <a:buNone/>
             </a:pPr>
-            <a:endParaRPr lang="en-US" altLang="ja-JP" sz="1100" dirty="0"/>
+            <a:endParaRPr lang="en-US" altLang="ja-JP" sz="1100" dirty="0">
+              <a:latin typeface="Segoe UI" panose="020B0502040204020203" pitchFamily="34" charset="0"/>
+              <a:cs typeface="Segoe UI" panose="020B0502040204020203" pitchFamily="34" charset="0"/>
+            </a:endParaRPr>
           </a:p>
           <a:p>
             <a:pPr>
@@ -9215,34 +9320,52 @@
               <a:buChar char="l"/>
             </a:pPr>
             <a:r>
-              <a:rPr lang="en-US" altLang="ja-JP" b="1" dirty="0"/>
+              <a:rPr lang="en-US" altLang="ja-JP" b="1" dirty="0">
+                <a:latin typeface="Segoe UI" panose="020B0502040204020203" pitchFamily="34" charset="0"/>
+                <a:cs typeface="Segoe UI" panose="020B0502040204020203" pitchFamily="34" charset="0"/>
+              </a:rPr>
               <a:t>Internal markets (within the company) need attention too</a:t>
             </a:r>
-            <a:endParaRPr lang="en-US" altLang="ja-JP" dirty="0"/>
+            <a:endParaRPr lang="en-US" altLang="ja-JP" dirty="0">
+              <a:latin typeface="Segoe UI" panose="020B0502040204020203" pitchFamily="34" charset="0"/>
+              <a:cs typeface="Segoe UI" panose="020B0502040204020203" pitchFamily="34" charset="0"/>
+            </a:endParaRPr>
           </a:p>
           <a:p>
             <a:pPr marL="0" indent="0">
               <a:buNone/>
             </a:pPr>
-            <a:endParaRPr lang="en-US" altLang="ja-JP" dirty="0"/>
+            <a:endParaRPr lang="en-US" altLang="ja-JP" dirty="0">
+              <a:latin typeface="Segoe UI" panose="020B0502040204020203" pitchFamily="34" charset="0"/>
+              <a:cs typeface="Segoe UI" panose="020B0502040204020203" pitchFamily="34" charset="0"/>
+            </a:endParaRPr>
           </a:p>
           <a:p>
             <a:pPr marL="0" indent="0">
               <a:buNone/>
             </a:pPr>
-            <a:endParaRPr lang="en-US" altLang="ja-JP" dirty="0"/>
+            <a:endParaRPr lang="en-US" altLang="ja-JP" dirty="0">
+              <a:latin typeface="Segoe UI" panose="020B0502040204020203" pitchFamily="34" charset="0"/>
+              <a:cs typeface="Segoe UI" panose="020B0502040204020203" pitchFamily="34" charset="0"/>
+            </a:endParaRPr>
           </a:p>
           <a:p>
             <a:pPr marL="0" indent="0">
               <a:buNone/>
             </a:pPr>
-            <a:endParaRPr lang="en-US" altLang="ja-JP" dirty="0"/>
+            <a:endParaRPr lang="en-US" altLang="ja-JP" dirty="0">
+              <a:latin typeface="Segoe UI" panose="020B0502040204020203" pitchFamily="34" charset="0"/>
+              <a:cs typeface="Segoe UI" panose="020B0502040204020203" pitchFamily="34" charset="0"/>
+            </a:endParaRPr>
           </a:p>
           <a:p>
             <a:pPr marL="0" indent="0">
               <a:buNone/>
             </a:pPr>
-            <a:endParaRPr lang="en-US" altLang="ja-JP" sz="1800" dirty="0"/>
+            <a:endParaRPr lang="en-US" altLang="ja-JP" sz="1800" dirty="0">
+              <a:latin typeface="Segoe UI" panose="020B0502040204020203" pitchFamily="34" charset="0"/>
+              <a:cs typeface="Segoe UI" panose="020B0502040204020203" pitchFamily="34" charset="0"/>
+            </a:endParaRPr>
           </a:p>
           <a:p>
             <a:pPr>
@@ -9250,7 +9373,10 @@
               <a:buChar char="l"/>
             </a:pPr>
             <a:r>
-              <a:rPr lang="en-US" altLang="ja-JP" b="1" dirty="0"/>
+              <a:rPr lang="en-US" altLang="ja-JP" b="1" dirty="0">
+                <a:latin typeface="Segoe UI" panose="020B0502040204020203" pitchFamily="34" charset="0"/>
+                <a:cs typeface="Segoe UI" panose="020B0502040204020203" pitchFamily="34" charset="0"/>
+              </a:rPr>
               <a:t>Market needs are not necessarily apparent</a:t>
             </a:r>
           </a:p>
@@ -9305,8 +9431,9 @@
                 <a:solidFill>
                   <a:schemeClr val="tx1"/>
                 </a:solidFill>
-                <a:latin typeface="メイリオ" panose="020B0604030504040204" pitchFamily="50" charset="-128"/>
+                <a:latin typeface="Segoe UI" panose="020B0502040204020203" pitchFamily="34" charset="0"/>
                 <a:ea typeface="メイリオ" panose="020B0604030504040204" pitchFamily="50" charset="-128"/>
+                <a:cs typeface="Segoe UI" panose="020B0502040204020203" pitchFamily="34" charset="0"/>
               </a:rPr>
               <a:t>Some issues in both your external and internal markets are apparent and others are not (the former are called apparent needs and the latter are called latent needs). In addition to pursuing apparent needs, product owners must be conscious that there are latent needs and </a:t>
             </a:r>
@@ -9315,8 +9442,9 @@
                 <a:solidFill>
                   <a:srgbClr val="FF0000"/>
                 </a:solidFill>
-                <a:latin typeface="メイリオ" panose="020B0604030504040204" pitchFamily="50" charset="-128"/>
+                <a:latin typeface="Segoe UI" panose="020B0502040204020203" pitchFamily="34" charset="0"/>
                 <a:ea typeface="メイリオ" panose="020B0604030504040204" pitchFamily="50" charset="-128"/>
+                <a:cs typeface="Segoe UI" panose="020B0502040204020203" pitchFamily="34" charset="0"/>
               </a:rPr>
               <a:t>if necessary, take the initiative to find out what those needs are.</a:t>
             </a:r>
@@ -9324,8 +9452,9 @@
               <a:solidFill>
                 <a:srgbClr val="FF0000"/>
               </a:solidFill>
-              <a:latin typeface="メイリオ" panose="020B0604030504040204" pitchFamily="50" charset="-128"/>
+              <a:latin typeface="Segoe UI" panose="020B0502040204020203" pitchFamily="34" charset="0"/>
               <a:ea typeface="メイリオ" panose="020B0604030504040204" pitchFamily="50" charset="-128"/>
+              <a:cs typeface="Segoe UI" panose="020B0502040204020203" pitchFamily="34" charset="0"/>
             </a:endParaRPr>
           </a:p>
         </p:txBody>
@@ -9379,8 +9508,9 @@
                 <a:solidFill>
                   <a:schemeClr val="tx1"/>
                 </a:solidFill>
-                <a:latin typeface="メイリオ" panose="020B0604030504040204" pitchFamily="50" charset="-128"/>
+                <a:latin typeface="Segoe UI" panose="020B0502040204020203" pitchFamily="34" charset="0"/>
                 <a:ea typeface="メイリオ" panose="020B0604030504040204" pitchFamily="50" charset="-128"/>
+                <a:cs typeface="Segoe UI" panose="020B0502040204020203" pitchFamily="34" charset="0"/>
               </a:rPr>
               <a:t>While the needs of external markets need to be met in order to generate revenue, the needs of your internal market also need to be met in order to create the product. For example, if you do not meet your developers’ need to know the direction of the product and why it is needed, they will not be able to judge what needs to be developed. </a:t>
             </a:r>
@@ -9403,10 +9533,16 @@
           <a:lstStyle/>
           <a:p>
             <a:r>
-              <a:rPr lang="en-US" altLang="ja-JP" dirty="0"/>
+              <a:rPr lang="en-US" altLang="ja-JP" dirty="0">
+                <a:latin typeface="Segoe UI" panose="020B0502040204020203" pitchFamily="34" charset="0"/>
+                <a:cs typeface="Segoe UI" panose="020B0502040204020203" pitchFamily="34" charset="0"/>
+              </a:rPr>
               <a:t>Target market</a:t>
             </a:r>
-            <a:endParaRPr kumimoji="1" lang="ja-JP" altLang="en-US" dirty="0"/>
+            <a:endParaRPr kumimoji="1" lang="ja-JP" altLang="en-US" dirty="0">
+              <a:latin typeface="Segoe UI" panose="020B0502040204020203" pitchFamily="34" charset="0"/>
+              <a:cs typeface="Segoe UI" panose="020B0502040204020203" pitchFamily="34" charset="0"/>
+            </a:endParaRPr>
           </a:p>
         </p:txBody>
       </p:sp>
@@ -9430,6 +9566,8 @@
                 <a:solidFill>
                   <a:srgbClr val="000000"/>
                 </a:solidFill>
+                <a:latin typeface="Segoe UI" panose="020B0502040204020203" pitchFamily="34" charset="0"/>
+                <a:cs typeface="Segoe UI" panose="020B0502040204020203" pitchFamily="34" charset="0"/>
               </a:rPr>
               <a:pPr/>
               <a:t>12</a:t>
@@ -9438,6 +9576,8 @@
               <a:solidFill>
                 <a:srgbClr val="000000"/>
               </a:solidFill>
+              <a:latin typeface="Segoe UI" panose="020B0502040204020203" pitchFamily="34" charset="0"/>
+              <a:cs typeface="Segoe UI" panose="020B0502040204020203" pitchFamily="34" charset="0"/>
             </a:endParaRPr>
           </a:p>
         </p:txBody>
@@ -9488,10 +9628,16 @@
           <a:lstStyle/>
           <a:p>
             <a:r>
-              <a:rPr lang="en-US" altLang="ja-JP" dirty="0"/>
+              <a:rPr lang="en-US" altLang="ja-JP" dirty="0">
+                <a:latin typeface="Segoe UI" panose="020B0502040204020203" pitchFamily="34" charset="0"/>
+                <a:cs typeface="Segoe UI" panose="020B0502040204020203" pitchFamily="34" charset="0"/>
+              </a:rPr>
               <a:t>Role of product owners</a:t>
             </a:r>
-            <a:endParaRPr kumimoji="1" lang="ja-JP" altLang="en-US" dirty="0"/>
+            <a:endParaRPr kumimoji="1" lang="ja-JP" altLang="en-US" dirty="0">
+              <a:latin typeface="Segoe UI" panose="020B0502040204020203" pitchFamily="34" charset="0"/>
+              <a:cs typeface="Segoe UI" panose="020B0502040204020203" pitchFamily="34" charset="0"/>
+            </a:endParaRPr>
           </a:p>
         </p:txBody>
       </p:sp>
@@ -9573,10 +9719,16 @@
           <a:lstStyle/>
           <a:p>
             <a:r>
-              <a:rPr lang="en-US" altLang="ja-JP" dirty="0"/>
+              <a:rPr lang="en-US" altLang="ja-JP" dirty="0">
+                <a:latin typeface="Segoe UI" panose="020B0502040204020203" pitchFamily="34" charset="0"/>
+                <a:cs typeface="Segoe UI" panose="020B0502040204020203" pitchFamily="34" charset="0"/>
+              </a:rPr>
               <a:t>Role of product owners</a:t>
             </a:r>
-            <a:endParaRPr kumimoji="1" lang="ja-JP" altLang="en-US" dirty="0"/>
+            <a:endParaRPr kumimoji="1" lang="ja-JP" altLang="en-US" dirty="0">
+              <a:latin typeface="Segoe UI" panose="020B0502040204020203" pitchFamily="34" charset="0"/>
+              <a:cs typeface="Segoe UI" panose="020B0502040204020203" pitchFamily="34" charset="0"/>
+            </a:endParaRPr>
           </a:p>
         </p:txBody>
       </p:sp>
@@ -9600,6 +9752,8 @@
                 <a:solidFill>
                   <a:srgbClr val="000000"/>
                 </a:solidFill>
+                <a:latin typeface="Segoe UI" panose="020B0502040204020203" pitchFamily="34" charset="0"/>
+                <a:cs typeface="Segoe UI" panose="020B0502040204020203" pitchFamily="34" charset="0"/>
               </a:rPr>
               <a:pPr/>
               <a:t>14</a:t>
@@ -9608,6 +9762,8 @@
               <a:solidFill>
                 <a:srgbClr val="000000"/>
               </a:solidFill>
+              <a:latin typeface="Segoe UI" panose="020B0502040204020203" pitchFamily="34" charset="0"/>
+              <a:cs typeface="Segoe UI" panose="020B0502040204020203" pitchFamily="34" charset="0"/>
             </a:endParaRPr>
           </a:p>
         </p:txBody>
@@ -9631,10 +9787,16 @@
               <a:buNone/>
             </a:pPr>
             <a:r>
-              <a:rPr lang="en-US" altLang="ja-JP" dirty="0"/>
+              <a:rPr lang="en-US" altLang="ja-JP" dirty="0">
+                <a:latin typeface="Segoe UI" panose="020B0502040204020203" pitchFamily="34" charset="0"/>
+                <a:cs typeface="Segoe UI" panose="020B0502040204020203" pitchFamily="34" charset="0"/>
+              </a:rPr>
               <a:t>Product owners are responsible for focusing on market needs and increasing the value of the product.</a:t>
             </a:r>
-            <a:endParaRPr kumimoji="1" lang="en-US" altLang="ja-JP" dirty="0"/>
+            <a:endParaRPr kumimoji="1" lang="en-US" altLang="ja-JP" dirty="0">
+              <a:latin typeface="Segoe UI" panose="020B0502040204020203" pitchFamily="34" charset="0"/>
+              <a:cs typeface="Segoe UI" panose="020B0502040204020203" pitchFamily="34" charset="0"/>
+            </a:endParaRPr>
           </a:p>
         </p:txBody>
       </p:sp>
@@ -9707,8 +9869,9 @@
                   <a:solidFill>
                     <a:schemeClr val="tx1"/>
                   </a:solidFill>
-                  <a:latin typeface="メイリオ" panose="020B0604030504040204" pitchFamily="50" charset="-128"/>
+                  <a:latin typeface="Segoe UI" panose="020B0502040204020203" pitchFamily="34" charset="0"/>
                   <a:ea typeface="メイリオ" panose="020B0604030504040204" pitchFamily="50" charset="-128"/>
+                  <a:cs typeface="Segoe UI" panose="020B0502040204020203" pitchFamily="34" charset="0"/>
                 </a:rPr>
                 <a:t>Increasing the value of the product</a:t>
               </a:r>
@@ -9716,8 +9879,9 @@
                 <a:solidFill>
                   <a:schemeClr val="tx1"/>
                 </a:solidFill>
-                <a:latin typeface="メイリオ" panose="020B0604030504040204" pitchFamily="50" charset="-128"/>
+                <a:latin typeface="Segoe UI" panose="020B0502040204020203" pitchFamily="34" charset="0"/>
                 <a:ea typeface="メイリオ" panose="020B0604030504040204" pitchFamily="50" charset="-128"/>
+                <a:cs typeface="Segoe UI" panose="020B0502040204020203" pitchFamily="34" charset="0"/>
               </a:endParaRPr>
             </a:p>
           </p:txBody>
@@ -9767,8 +9931,9 @@
                   <a:solidFill>
                     <a:schemeClr val="tx1"/>
                   </a:solidFill>
-                  <a:latin typeface="メイリオ" panose="020B0604030504040204" pitchFamily="50" charset="-128"/>
+                  <a:latin typeface="Segoe UI" panose="020B0502040204020203" pitchFamily="34" charset="0"/>
                   <a:ea typeface="メイリオ" panose="020B0604030504040204" pitchFamily="50" charset="-128"/>
+                  <a:cs typeface="Segoe UI" panose="020B0502040204020203" pitchFamily="34" charset="0"/>
                 </a:rPr>
                 <a:t>Management of product backlog</a:t>
               </a:r>
@@ -9776,8 +9941,9 @@
                 <a:solidFill>
                   <a:schemeClr val="tx1"/>
                 </a:solidFill>
-                <a:latin typeface="メイリオ" panose="020B0604030504040204" pitchFamily="50" charset="-128"/>
+                <a:latin typeface="Segoe UI" panose="020B0502040204020203" pitchFamily="34" charset="0"/>
                 <a:ea typeface="メイリオ" panose="020B0604030504040204" pitchFamily="50" charset="-128"/>
+                <a:cs typeface="Segoe UI" panose="020B0502040204020203" pitchFamily="34" charset="0"/>
               </a:endParaRPr>
             </a:p>
           </p:txBody>
@@ -9827,8 +9993,9 @@
                   <a:solidFill>
                     <a:schemeClr val="tx1"/>
                   </a:solidFill>
-                  <a:latin typeface="メイリオ" panose="020B0604030504040204" pitchFamily="50" charset="-128"/>
+                  <a:latin typeface="Segoe UI" panose="020B0502040204020203" pitchFamily="34" charset="0"/>
                   <a:ea typeface="メイリオ" panose="020B0604030504040204" pitchFamily="50" charset="-128"/>
+                  <a:cs typeface="Segoe UI" panose="020B0502040204020203" pitchFamily="34" charset="0"/>
                 </a:rPr>
                 <a:t>Management of economic viability</a:t>
               </a:r>
@@ -9836,8 +10003,9 @@
                 <a:solidFill>
                   <a:schemeClr val="tx1"/>
                 </a:solidFill>
-                <a:latin typeface="メイリオ" panose="020B0604030504040204" pitchFamily="50" charset="-128"/>
+                <a:latin typeface="Segoe UI" panose="020B0502040204020203" pitchFamily="34" charset="0"/>
                 <a:ea typeface="メイリオ" panose="020B0604030504040204" pitchFamily="50" charset="-128"/>
+                <a:cs typeface="Segoe UI" panose="020B0502040204020203" pitchFamily="34" charset="0"/>
               </a:endParaRPr>
             </a:p>
           </p:txBody>
@@ -9887,8 +10055,9 @@
                   <a:solidFill>
                     <a:schemeClr val="tx1"/>
                   </a:solidFill>
-                  <a:latin typeface="メイリオ" panose="020B0604030504040204" pitchFamily="50" charset="-128"/>
+                  <a:latin typeface="Segoe UI" panose="020B0502040204020203" pitchFamily="34" charset="0"/>
                   <a:ea typeface="メイリオ" panose="020B0604030504040204" pitchFamily="50" charset="-128"/>
+                  <a:cs typeface="Segoe UI" panose="020B0502040204020203" pitchFamily="34" charset="0"/>
                 </a:rPr>
                 <a:t>Working together with the scrum team</a:t>
               </a:r>
@@ -9940,8 +10109,9 @@
                   <a:solidFill>
                     <a:schemeClr val="tx1"/>
                   </a:solidFill>
-                  <a:latin typeface="メイリオ" panose="020B0604030504040204" pitchFamily="50" charset="-128"/>
+                  <a:latin typeface="Segoe UI" panose="020B0502040204020203" pitchFamily="34" charset="0"/>
                   <a:ea typeface="メイリオ" panose="020B0604030504040204" pitchFamily="50" charset="-128"/>
+                  <a:cs typeface="Segoe UI" panose="020B0502040204020203" pitchFamily="34" charset="0"/>
                 </a:rPr>
                 <a:t>Working together with stakeholders</a:t>
               </a:r>
@@ -9949,8 +10119,9 @@
                 <a:solidFill>
                   <a:schemeClr val="tx1"/>
                 </a:solidFill>
-                <a:latin typeface="メイリオ" panose="020B0604030504040204" pitchFamily="50" charset="-128"/>
+                <a:latin typeface="Segoe UI" panose="020B0502040204020203" pitchFamily="34" charset="0"/>
                 <a:ea typeface="メイリオ" panose="020B0604030504040204" pitchFamily="50" charset="-128"/>
+                <a:cs typeface="Segoe UI" panose="020B0502040204020203" pitchFamily="34" charset="0"/>
               </a:endParaRPr>
             </a:p>
           </p:txBody>
@@ -9998,7 +10169,10 @@
           <a:lstStyle/>
           <a:p>
             <a:pPr algn="ctr"/>
-            <a:endParaRPr kumimoji="1" lang="ja-JP" altLang="en-US"/>
+            <a:endParaRPr kumimoji="1" lang="ja-JP" altLang="en-US">
+              <a:latin typeface="Segoe UI" panose="020B0502040204020203" pitchFamily="34" charset="0"/>
+              <a:cs typeface="Segoe UI" panose="020B0502040204020203" pitchFamily="34" charset="0"/>
+            </a:endParaRPr>
           </a:p>
         </p:txBody>
       </p:sp>
@@ -10044,7 +10218,10 @@
           <a:lstStyle/>
           <a:p>
             <a:pPr algn="ctr"/>
-            <a:endParaRPr kumimoji="1" lang="ja-JP" altLang="en-US"/>
+            <a:endParaRPr kumimoji="1" lang="ja-JP" altLang="en-US">
+              <a:latin typeface="Segoe UI" panose="020B0502040204020203" pitchFamily="34" charset="0"/>
+              <a:cs typeface="Segoe UI" panose="020B0502040204020203" pitchFamily="34" charset="0"/>
+            </a:endParaRPr>
           </a:p>
         </p:txBody>
       </p:sp>
@@ -10094,10 +10271,16 @@
           <a:lstStyle/>
           <a:p>
             <a:r>
-              <a:rPr lang="en-US" altLang="ja-JP" dirty="0"/>
+              <a:rPr lang="en-US" altLang="ja-JP" dirty="0">
+                <a:latin typeface="Segoe UI" panose="020B0502040204020203" pitchFamily="34" charset="0"/>
+                <a:cs typeface="Segoe UI" panose="020B0502040204020203" pitchFamily="34" charset="0"/>
+              </a:rPr>
               <a:t>Management of product backlog</a:t>
             </a:r>
-            <a:endParaRPr kumimoji="1" lang="ja-JP" altLang="en-US" dirty="0"/>
+            <a:endParaRPr kumimoji="1" lang="ja-JP" altLang="en-US" dirty="0">
+              <a:latin typeface="Segoe UI" panose="020B0502040204020203" pitchFamily="34" charset="0"/>
+              <a:cs typeface="Segoe UI" panose="020B0502040204020203" pitchFamily="34" charset="0"/>
+            </a:endParaRPr>
           </a:p>
         </p:txBody>
       </p:sp>
@@ -10120,10 +10303,16 @@
               <a:buNone/>
             </a:pPr>
             <a:r>
-              <a:rPr lang="en-US" altLang="ja-JP" dirty="0"/>
+              <a:rPr lang="en-US" altLang="ja-JP" dirty="0">
+                <a:latin typeface="Segoe UI" panose="020B0502040204020203" pitchFamily="34" charset="0"/>
+                <a:cs typeface="Segoe UI" panose="020B0502040204020203" pitchFamily="34" charset="0"/>
+              </a:rPr>
               <a:t>What is product backlog?</a:t>
             </a:r>
-            <a:endParaRPr kumimoji="1" lang="ja-JP" altLang="en-US" dirty="0"/>
+            <a:endParaRPr kumimoji="1" lang="ja-JP" altLang="en-US" dirty="0">
+              <a:latin typeface="Segoe UI" panose="020B0502040204020203" pitchFamily="34" charset="0"/>
+              <a:cs typeface="Segoe UI" panose="020B0502040204020203" pitchFamily="34" charset="0"/>
+            </a:endParaRPr>
           </a:p>
         </p:txBody>
       </p:sp>
@@ -10147,6 +10336,8 @@
                 <a:solidFill>
                   <a:srgbClr val="000000"/>
                 </a:solidFill>
+                <a:latin typeface="Segoe UI" panose="020B0502040204020203" pitchFamily="34" charset="0"/>
+                <a:cs typeface="Segoe UI" panose="020B0502040204020203" pitchFamily="34" charset="0"/>
               </a:rPr>
               <a:pPr/>
               <a:t>15</a:t>
@@ -10155,6 +10346,8 @@
               <a:solidFill>
                 <a:srgbClr val="000000"/>
               </a:solidFill>
+              <a:latin typeface="Segoe UI" panose="020B0502040204020203" pitchFamily="34" charset="0"/>
+              <a:cs typeface="Segoe UI" panose="020B0502040204020203" pitchFamily="34" charset="0"/>
             </a:endParaRPr>
           </a:p>
         </p:txBody>
@@ -10208,8 +10401,9 @@
                 <a:solidFill>
                   <a:schemeClr val="tx1"/>
                 </a:solidFill>
-                <a:latin typeface="メイリオ" panose="020B0604030504040204" pitchFamily="50" charset="-128"/>
+                <a:latin typeface="Segoe UI" panose="020B0502040204020203" pitchFamily="34" charset="0"/>
                 <a:ea typeface="メイリオ" panose="020B0604030504040204" pitchFamily="50" charset="-128"/>
+                <a:cs typeface="Segoe UI" panose="020B0502040204020203" pitchFamily="34" charset="0"/>
               </a:rPr>
               <a:t>Product backlog is a list of everything known to be necessary for the product, in order of priority (from the Scrum Guide) </a:t>
             </a:r>
@@ -10217,8 +10411,9 @@
               <a:solidFill>
                 <a:schemeClr val="tx1"/>
               </a:solidFill>
-              <a:latin typeface="メイリオ" panose="020B0604030504040204" pitchFamily="50" charset="-128"/>
+              <a:latin typeface="Segoe UI" panose="020B0502040204020203" pitchFamily="34" charset="0"/>
               <a:ea typeface="メイリオ" panose="020B0604030504040204" pitchFamily="50" charset="-128"/>
+              <a:cs typeface="Segoe UI" panose="020B0502040204020203" pitchFamily="34" charset="0"/>
             </a:endParaRPr>
           </a:p>
         </p:txBody>
@@ -10446,8 +10641,9 @@
                 <a:solidFill>
                   <a:schemeClr val="tx1"/>
                 </a:solidFill>
-                <a:latin typeface="メイリオ" panose="020B0604030504040204" pitchFamily="50" charset="-128"/>
+                <a:latin typeface="Segoe UI" panose="020B0502040204020203" pitchFamily="34" charset="0"/>
                 <a:ea typeface="メイリオ" panose="020B0604030504040204" pitchFamily="50" charset="-128"/>
+                <a:cs typeface="Segoe UI" panose="020B0502040204020203" pitchFamily="34" charset="0"/>
               </a:rPr>
               <a:t>The scrum team and stakeholders can see the current status of the product by checking backlog. </a:t>
             </a:r>
@@ -10457,8 +10653,9 @@
               <a:solidFill>
                 <a:schemeClr val="tx1"/>
               </a:solidFill>
-              <a:latin typeface="メイリオ" panose="020B0604030504040204" pitchFamily="50" charset="-128"/>
+              <a:latin typeface="Segoe UI" panose="020B0502040204020203" pitchFamily="34" charset="0"/>
               <a:ea typeface="メイリオ" panose="020B0604030504040204" pitchFamily="50" charset="-128"/>
+              <a:cs typeface="Segoe UI" panose="020B0502040204020203" pitchFamily="34" charset="0"/>
             </a:endParaRPr>
           </a:p>
           <a:p>
@@ -10467,8 +10664,9 @@
                 <a:solidFill>
                   <a:schemeClr val="tx1"/>
                 </a:solidFill>
-                <a:latin typeface="メイリオ" panose="020B0604030504040204" pitchFamily="50" charset="-128"/>
+                <a:latin typeface="Segoe UI" panose="020B0502040204020203" pitchFamily="34" charset="0"/>
                 <a:ea typeface="メイリオ" panose="020B0604030504040204" pitchFamily="50" charset="-128"/>
+                <a:cs typeface="Segoe UI" panose="020B0502040204020203" pitchFamily="34" charset="0"/>
               </a:rPr>
               <a:t>A properly organized product backlog is a </a:t>
             </a:r>
@@ -10477,8 +10675,9 @@
                 <a:solidFill>
                   <a:schemeClr val="tx1"/>
                 </a:solidFill>
-                <a:latin typeface="メイリオ" panose="020B0604030504040204" pitchFamily="50" charset="-128"/>
+                <a:latin typeface="Segoe UI" panose="020B0502040204020203" pitchFamily="34" charset="0"/>
                 <a:ea typeface="メイリオ" panose="020B0604030504040204" pitchFamily="50" charset="-128"/>
+                <a:cs typeface="Segoe UI" panose="020B0502040204020203" pitchFamily="34" charset="0"/>
               </a:rPr>
               <a:t>common language </a:t>
             </a:r>
@@ -10487,8 +10686,9 @@
                 <a:solidFill>
                   <a:schemeClr val="tx1"/>
                 </a:solidFill>
-                <a:latin typeface="メイリオ" panose="020B0604030504040204" pitchFamily="50" charset="-128"/>
+                <a:latin typeface="Segoe UI" panose="020B0502040204020203" pitchFamily="34" charset="0"/>
                 <a:ea typeface="メイリオ" panose="020B0604030504040204" pitchFamily="50" charset="-128"/>
+                <a:cs typeface="Segoe UI" panose="020B0502040204020203" pitchFamily="34" charset="0"/>
               </a:rPr>
               <a:t>for the developers and stakeholders (in other words, it provides a means for discussion between people in different positions). </a:t>
             </a:r>
@@ -10541,10 +10741,16 @@
           <a:lstStyle/>
           <a:p>
             <a:r>
-              <a:rPr lang="en-US" altLang="ja-JP" dirty="0"/>
+              <a:rPr lang="en-US" altLang="ja-JP" dirty="0">
+                <a:latin typeface="Segoe UI" panose="020B0502040204020203" pitchFamily="34" charset="0"/>
+                <a:cs typeface="Segoe UI" panose="020B0502040204020203" pitchFamily="34" charset="0"/>
+              </a:rPr>
               <a:t>Management of product backlog</a:t>
             </a:r>
-            <a:endParaRPr kumimoji="1" lang="ja-JP" altLang="en-US" dirty="0"/>
+            <a:endParaRPr kumimoji="1" lang="ja-JP" altLang="en-US" dirty="0">
+              <a:latin typeface="Segoe UI" panose="020B0502040204020203" pitchFamily="34" charset="0"/>
+              <a:cs typeface="Segoe UI" panose="020B0502040204020203" pitchFamily="34" charset="0"/>
+            </a:endParaRPr>
           </a:p>
         </p:txBody>
       </p:sp>
@@ -10567,7 +10773,10 @@
               <a:buNone/>
             </a:pPr>
             <a:r>
-              <a:rPr lang="en-US" altLang="ja-JP" b="1" dirty="0"/>
+              <a:rPr lang="en-US" altLang="ja-JP" b="1" dirty="0">
+                <a:latin typeface="Segoe UI" panose="020B0502040204020203" pitchFamily="34" charset="0"/>
+                <a:cs typeface="Segoe UI" panose="020B0502040204020203" pitchFamily="34" charset="0"/>
+              </a:rPr>
               <a:t>If the product backlog is not managed...</a:t>
             </a:r>
           </a:p>
@@ -10576,22 +10785,34 @@
               <a:buNone/>
             </a:pPr>
             <a:r>
-              <a:rPr lang="en-US" altLang="ja-JP" dirty="0"/>
+              <a:rPr lang="en-US" altLang="ja-JP" dirty="0">
+                <a:latin typeface="Segoe UI" panose="020B0502040204020203" pitchFamily="34" charset="0"/>
+                <a:cs typeface="Segoe UI" panose="020B0502040204020203" pitchFamily="34" charset="0"/>
+              </a:rPr>
               <a:t>...the development team will not know what they need to create and the stakeholders will not know the status of the product. In general, it is not possible to see the direction of the product if the product backlog is not organized. </a:t>
             </a:r>
-            <a:endParaRPr kumimoji="1" lang="en-US" altLang="ja-JP" dirty="0"/>
+            <a:endParaRPr kumimoji="1" lang="en-US" altLang="ja-JP" dirty="0">
+              <a:latin typeface="Segoe UI" panose="020B0502040204020203" pitchFamily="34" charset="0"/>
+              <a:cs typeface="Segoe UI" panose="020B0502040204020203" pitchFamily="34" charset="0"/>
+            </a:endParaRPr>
           </a:p>
           <a:p>
             <a:pPr marL="0" indent="0">
               <a:buNone/>
             </a:pPr>
-            <a:endParaRPr kumimoji="1" lang="en-US" altLang="ja-JP" dirty="0"/>
+            <a:endParaRPr kumimoji="1" lang="en-US" altLang="ja-JP" dirty="0">
+              <a:latin typeface="Segoe UI" panose="020B0502040204020203" pitchFamily="34" charset="0"/>
+              <a:cs typeface="Segoe UI" panose="020B0502040204020203" pitchFamily="34" charset="0"/>
+            </a:endParaRPr>
           </a:p>
           <a:p>
             <a:pPr marL="0" indent="0">
               <a:buNone/>
             </a:pPr>
-            <a:endParaRPr kumimoji="1" lang="ja-JP" altLang="en-US" dirty="0"/>
+            <a:endParaRPr kumimoji="1" lang="ja-JP" altLang="en-US" dirty="0">
+              <a:latin typeface="Segoe UI" panose="020B0502040204020203" pitchFamily="34" charset="0"/>
+              <a:cs typeface="Segoe UI" panose="020B0502040204020203" pitchFamily="34" charset="0"/>
+            </a:endParaRPr>
           </a:p>
         </p:txBody>
       </p:sp>
@@ -10615,6 +10836,8 @@
                 <a:solidFill>
                   <a:srgbClr val="000000"/>
                 </a:solidFill>
+                <a:latin typeface="Segoe UI" panose="020B0502040204020203" pitchFamily="34" charset="0"/>
+                <a:cs typeface="Segoe UI" panose="020B0502040204020203" pitchFamily="34" charset="0"/>
               </a:rPr>
               <a:pPr/>
               <a:t>16</a:t>
@@ -10623,6 +10846,8 @@
               <a:solidFill>
                 <a:srgbClr val="000000"/>
               </a:solidFill>
+              <a:latin typeface="Segoe UI" panose="020B0502040204020203" pitchFamily="34" charset="0"/>
+              <a:cs typeface="Segoe UI" panose="020B0502040204020203" pitchFamily="34" charset="0"/>
             </a:endParaRPr>
           </a:p>
         </p:txBody>
@@ -10696,14 +10921,16 @@
               <a:pPr algn="ctr"/>
               <a:r>
                 <a:rPr lang="en-US" altLang="ja-JP" sz="1600" dirty="0">
-                  <a:latin typeface="メイリオ" panose="020B0604030504040204" pitchFamily="50" charset="-128"/>
+                  <a:latin typeface="Segoe UI" panose="020B0502040204020203" pitchFamily="34" charset="0"/>
                   <a:ea typeface="メイリオ" panose="020B0604030504040204" pitchFamily="50" charset="-128"/>
+                  <a:cs typeface="Segoe UI" panose="020B0502040204020203" pitchFamily="34" charset="0"/>
                 </a:rPr>
                 <a:t>Development team</a:t>
               </a:r>
               <a:endParaRPr kumimoji="1" lang="ja-JP" altLang="en-US" sz="1600" dirty="0">
-                <a:latin typeface="メイリオ" panose="020B0604030504040204" pitchFamily="50" charset="-128"/>
+                <a:latin typeface="Segoe UI" panose="020B0502040204020203" pitchFamily="34" charset="0"/>
                 <a:ea typeface="メイリオ" panose="020B0604030504040204" pitchFamily="50" charset="-128"/>
+                <a:cs typeface="Segoe UI" panose="020B0502040204020203" pitchFamily="34" charset="0"/>
               </a:endParaRPr>
             </a:p>
           </p:txBody>
@@ -10760,8 +10987,9 @@
                 <a:solidFill>
                   <a:schemeClr val="tx1"/>
                 </a:solidFill>
-                <a:latin typeface="メイリオ" panose="020B0604030504040204" pitchFamily="50" charset="-128"/>
+                <a:latin typeface="Segoe UI" panose="020B0502040204020203" pitchFamily="34" charset="0"/>
                 <a:ea typeface="メイリオ" panose="020B0604030504040204" pitchFamily="50" charset="-128"/>
+                <a:cs typeface="Segoe UI" panose="020B0502040204020203" pitchFamily="34" charset="0"/>
               </a:rPr>
               <a:t>どんなプロダクトを作りたいのかが見えてこない！！</a:t>
             </a:r>
@@ -10867,14 +11095,16 @@
               <a:pPr algn="ctr"/>
               <a:r>
                 <a:rPr lang="en-US" altLang="ja-JP" sz="1200" b="1" dirty="0">
-                  <a:latin typeface="メイリオ" panose="020B0604030504040204" pitchFamily="50" charset="-128"/>
+                  <a:latin typeface="Segoe UI" panose="020B0502040204020203" pitchFamily="34" charset="0"/>
                   <a:ea typeface="メイリオ" panose="020B0604030504040204" pitchFamily="50" charset="-128"/>
+                  <a:cs typeface="Segoe UI" panose="020B0502040204020203" pitchFamily="34" charset="0"/>
                 </a:rPr>
                 <a:t>Stakeholders</a:t>
               </a:r>
               <a:endParaRPr kumimoji="1" lang="ja-JP" altLang="en-US" sz="1200" b="1" dirty="0">
-                <a:latin typeface="メイリオ" panose="020B0604030504040204" pitchFamily="50" charset="-128"/>
+                <a:latin typeface="Segoe UI" panose="020B0502040204020203" pitchFamily="34" charset="0"/>
                 <a:ea typeface="メイリオ" panose="020B0604030504040204" pitchFamily="50" charset="-128"/>
+                <a:cs typeface="Segoe UI" panose="020B0502040204020203" pitchFamily="34" charset="0"/>
               </a:endParaRPr>
             </a:p>
           </p:txBody>
@@ -10931,8 +11161,9 @@
                 <a:solidFill>
                   <a:schemeClr val="tx1"/>
                 </a:solidFill>
-                <a:latin typeface="メイリオ" panose="020B0604030504040204" pitchFamily="50" charset="-128"/>
+                <a:latin typeface="Segoe UI" panose="020B0502040204020203" pitchFamily="34" charset="0"/>
                 <a:ea typeface="メイリオ" panose="020B0604030504040204" pitchFamily="50" charset="-128"/>
+                <a:cs typeface="Segoe UI" panose="020B0502040204020203" pitchFamily="34" charset="0"/>
               </a:rPr>
               <a:t>We cannot tell what</a:t>
             </a:r>
@@ -10944,8 +11175,9 @@
                 <a:solidFill>
                   <a:schemeClr val="tx1"/>
                 </a:solidFill>
-                <a:latin typeface="メイリオ" panose="020B0604030504040204" pitchFamily="50" charset="-128"/>
+                <a:latin typeface="Segoe UI" panose="020B0502040204020203" pitchFamily="34" charset="0"/>
                 <a:ea typeface="メイリオ" panose="020B0604030504040204" pitchFamily="50" charset="-128"/>
+                <a:cs typeface="Segoe UI" panose="020B0502040204020203" pitchFamily="34" charset="0"/>
               </a:rPr>
               <a:t>kind of product needs to be made!</a:t>
             </a:r>
@@ -10998,10 +11230,16 @@
           <a:lstStyle/>
           <a:p>
             <a:r>
-              <a:rPr lang="en-US" altLang="ja-JP" dirty="0"/>
+              <a:rPr lang="en-US" altLang="ja-JP" dirty="0">
+                <a:latin typeface="Segoe UI" panose="020B0502040204020203" pitchFamily="34" charset="0"/>
+                <a:cs typeface="Segoe UI" panose="020B0502040204020203" pitchFamily="34" charset="0"/>
+              </a:rPr>
               <a:t>Management of product backlog</a:t>
             </a:r>
-            <a:endParaRPr kumimoji="1" lang="ja-JP" altLang="en-US" dirty="0"/>
+            <a:endParaRPr kumimoji="1" lang="ja-JP" altLang="en-US" dirty="0">
+              <a:latin typeface="Segoe UI" panose="020B0502040204020203" pitchFamily="34" charset="0"/>
+              <a:cs typeface="Segoe UI" panose="020B0502040204020203" pitchFamily="34" charset="0"/>
+            </a:endParaRPr>
           </a:p>
         </p:txBody>
       </p:sp>
@@ -11024,7 +11262,10 @@
               <a:buNone/>
             </a:pPr>
             <a:r>
-              <a:rPr lang="en-US" altLang="ja-JP" b="1" dirty="0"/>
+              <a:rPr lang="en-US" altLang="ja-JP" b="1" dirty="0">
+                <a:latin typeface="Segoe UI" panose="020B0502040204020203" pitchFamily="34" charset="0"/>
+                <a:cs typeface="Segoe UI" panose="020B0502040204020203" pitchFamily="34" charset="0"/>
+              </a:rPr>
               <a:t>Responsibilities of product owners</a:t>
             </a:r>
           </a:p>
@@ -11033,7 +11274,10 @@
               <a:buNone/>
             </a:pPr>
             <a:r>
-              <a:rPr lang="en-US" altLang="ja-JP" sz="2000" dirty="0"/>
+              <a:rPr lang="en-US" altLang="ja-JP" sz="2000" dirty="0">
+                <a:latin typeface="Segoe UI" panose="020B0502040204020203" pitchFamily="34" charset="0"/>
+                <a:cs typeface="Segoe UI" panose="020B0502040204020203" pitchFamily="34" charset="0"/>
+              </a:rPr>
               <a:t>(1)	To clearly indicate the nature of product backlog items.</a:t>
             </a:r>
           </a:p>
@@ -11042,7 +11286,10 @@
               <a:buNone/>
             </a:pPr>
             <a:r>
-              <a:rPr lang="en-US" altLang="ja-JP" sz="2000" dirty="0"/>
+              <a:rPr lang="en-US" altLang="ja-JP" sz="2000" dirty="0">
+                <a:latin typeface="Segoe UI" panose="020B0502040204020203" pitchFamily="34" charset="0"/>
+                <a:cs typeface="Segoe UI" panose="020B0502040204020203" pitchFamily="34" charset="0"/>
+              </a:rPr>
               <a:t>(2)	To decide on the priority order of product backlog items.</a:t>
             </a:r>
           </a:p>
@@ -11051,7 +11298,10 @@
               <a:buNone/>
             </a:pPr>
             <a:r>
-              <a:rPr lang="en-US" altLang="ja-JP" sz="2000" dirty="0"/>
+              <a:rPr lang="en-US" altLang="ja-JP" sz="2000" dirty="0">
+                <a:latin typeface="Segoe UI" panose="020B0502040204020203" pitchFamily="34" charset="0"/>
+                <a:cs typeface="Segoe UI" panose="020B0502040204020203" pitchFamily="34" charset="0"/>
+              </a:rPr>
               <a:t>(3)	To clearly indicate the acceptance conditions.</a:t>
             </a:r>
           </a:p>
@@ -11060,7 +11310,10 @@
               <a:buNone/>
             </a:pPr>
             <a:r>
-              <a:rPr lang="en-US" altLang="ja-JP" sz="2000" dirty="0"/>
+              <a:rPr lang="en-US" altLang="ja-JP" sz="2000" dirty="0">
+                <a:latin typeface="Segoe UI" panose="020B0502040204020203" pitchFamily="34" charset="0"/>
+                <a:cs typeface="Segoe UI" panose="020B0502040204020203" pitchFamily="34" charset="0"/>
+              </a:rPr>
               <a:t>(4)	To answer questions about product backlog items.</a:t>
             </a:r>
           </a:p>
@@ -11068,13 +11321,19 @@
             <a:pPr marL="0" indent="0">
               <a:buNone/>
             </a:pPr>
-            <a:endParaRPr kumimoji="1" lang="en-US" altLang="ja-JP" sz="2000" dirty="0"/>
+            <a:endParaRPr kumimoji="1" lang="en-US" altLang="ja-JP" sz="2000" dirty="0">
+              <a:latin typeface="Segoe UI" panose="020B0502040204020203" pitchFamily="34" charset="0"/>
+              <a:cs typeface="Segoe UI" panose="020B0502040204020203" pitchFamily="34" charset="0"/>
+            </a:endParaRPr>
           </a:p>
           <a:p>
             <a:pPr marL="0" indent="0">
               <a:buNone/>
             </a:pPr>
-            <a:endParaRPr kumimoji="1" lang="ja-JP" altLang="en-US" dirty="0"/>
+            <a:endParaRPr kumimoji="1" lang="ja-JP" altLang="en-US" dirty="0">
+              <a:latin typeface="Segoe UI" panose="020B0502040204020203" pitchFamily="34" charset="0"/>
+              <a:cs typeface="Segoe UI" panose="020B0502040204020203" pitchFamily="34" charset="0"/>
+            </a:endParaRPr>
           </a:p>
         </p:txBody>
       </p:sp>
@@ -11098,6 +11357,8 @@
                 <a:solidFill>
                   <a:srgbClr val="000000"/>
                 </a:solidFill>
+                <a:latin typeface="Segoe UI" panose="020B0502040204020203" pitchFamily="34" charset="0"/>
+                <a:cs typeface="Segoe UI" panose="020B0502040204020203" pitchFamily="34" charset="0"/>
               </a:rPr>
               <a:pPr/>
               <a:t>17</a:t>
@@ -11106,6 +11367,8 @@
               <a:solidFill>
                 <a:srgbClr val="000000"/>
               </a:solidFill>
+              <a:latin typeface="Segoe UI" panose="020B0502040204020203" pitchFamily="34" charset="0"/>
+              <a:cs typeface="Segoe UI" panose="020B0502040204020203" pitchFamily="34" charset="0"/>
             </a:endParaRPr>
           </a:p>
         </p:txBody>
@@ -11326,8 +11589,9 @@
               <a:solidFill>
                 <a:schemeClr val="tx1"/>
               </a:solidFill>
-              <a:latin typeface="メイリオ" panose="020B0604030504040204" pitchFamily="50" charset="-128"/>
+              <a:latin typeface="Segoe UI" panose="020B0502040204020203" pitchFamily="34" charset="0"/>
               <a:ea typeface="メイリオ" panose="020B0604030504040204" pitchFamily="50" charset="-128"/>
+              <a:cs typeface="Segoe UI" panose="020B0502040204020203" pitchFamily="34" charset="0"/>
             </a:endParaRPr>
           </a:p>
           <a:p>
@@ -11336,8 +11600,9 @@
                 <a:solidFill>
                   <a:schemeClr val="tx1"/>
                 </a:solidFill>
-                <a:latin typeface="メイリオ" panose="020B0604030504040204" pitchFamily="50" charset="-128"/>
+                <a:latin typeface="Segoe UI" panose="020B0502040204020203" pitchFamily="34" charset="0"/>
                 <a:ea typeface="メイリオ" panose="020B0604030504040204" pitchFamily="50" charset="-128"/>
+                <a:cs typeface="Segoe UI" panose="020B0502040204020203" pitchFamily="34" charset="0"/>
               </a:rPr>
               <a:t>■Arrange the items in the order that will generate the greatest ROI (return on investment), taking into account factor such as the time, demand and development period. </a:t>
             </a:r>
@@ -11347,8 +11612,9 @@
               <a:solidFill>
                 <a:schemeClr val="tx1"/>
               </a:solidFill>
-              <a:latin typeface="メイリオ" panose="020B0604030504040204" pitchFamily="50" charset="-128"/>
+              <a:latin typeface="Segoe UI" panose="020B0502040204020203" pitchFamily="34" charset="0"/>
               <a:ea typeface="メイリオ" panose="020B0604030504040204" pitchFamily="50" charset="-128"/>
+              <a:cs typeface="Segoe UI" panose="020B0502040204020203" pitchFamily="34" charset="0"/>
             </a:endParaRPr>
           </a:p>
           <a:p>
@@ -11357,8 +11623,9 @@
                 <a:solidFill>
                   <a:schemeClr val="tx1"/>
                 </a:solidFill>
-                <a:latin typeface="メイリオ" panose="020B0604030504040204" pitchFamily="50" charset="-128"/>
+                <a:latin typeface="Segoe UI" panose="020B0502040204020203" pitchFamily="34" charset="0"/>
                 <a:ea typeface="メイリオ" panose="020B0604030504040204" pitchFamily="50" charset="-128"/>
+                <a:cs typeface="Segoe UI" panose="020B0502040204020203" pitchFamily="34" charset="0"/>
               </a:rPr>
               <a:t>■It is not necessary to define all of the items in detail when starting a sprint. (Development can be done as long as the functions necessary for the first release are defined in detail.) </a:t>
             </a:r>
@@ -11366,8 +11633,9 @@
               <a:solidFill>
                 <a:schemeClr val="tx1"/>
               </a:solidFill>
-              <a:latin typeface="メイリオ" panose="020B0604030504040204" pitchFamily="50" charset="-128"/>
+              <a:latin typeface="Segoe UI" panose="020B0502040204020203" pitchFamily="34" charset="0"/>
               <a:ea typeface="メイリオ" panose="020B0604030504040204" pitchFamily="50" charset="-128"/>
+              <a:cs typeface="Segoe UI" panose="020B0502040204020203" pitchFamily="34" charset="0"/>
             </a:endParaRPr>
           </a:p>
           <a:p>
@@ -11375,8 +11643,9 @@
               <a:solidFill>
                 <a:schemeClr val="tx1"/>
               </a:solidFill>
-              <a:latin typeface="メイリオ" panose="020B0604030504040204" pitchFamily="50" charset="-128"/>
+              <a:latin typeface="Segoe UI" panose="020B0502040204020203" pitchFamily="34" charset="0"/>
               <a:ea typeface="メイリオ" panose="020B0604030504040204" pitchFamily="50" charset="-128"/>
+              <a:cs typeface="Segoe UI" panose="020B0502040204020203" pitchFamily="34" charset="0"/>
             </a:endParaRPr>
           </a:p>
         </p:txBody>
@@ -11460,8 +11729,9 @@
                 <a:solidFill>
                   <a:schemeClr val="tx1"/>
                 </a:solidFill>
-                <a:latin typeface="メイリオ" panose="020B0604030504040204" pitchFamily="50" charset="-128"/>
+                <a:latin typeface="Segoe UI" panose="020B0502040204020203" pitchFamily="34" charset="0"/>
                 <a:ea typeface="メイリオ" panose="020B0604030504040204" pitchFamily="50" charset="-128"/>
+                <a:cs typeface="Segoe UI" panose="020B0502040204020203" pitchFamily="34" charset="0"/>
               </a:rPr>
               <a:t>The Scrum Guide says “This is sometimes done by the product owner and sometimes done by the development team. In any case, the product owner has the final responsibility.” The person who manages the product backlog does not need to be the same person who creates it. With that said, since the product owner has the final responsibility for the product backlog, the product owner needs to be able to answer any questions that the developers and stakeholders may have about the product backlog. </a:t>
             </a:r>
@@ -11469,8 +11739,9 @@
               <a:solidFill>
                 <a:schemeClr val="tx1"/>
               </a:solidFill>
-              <a:latin typeface="HGP創英角ｺﾞｼｯｸUB" panose="020B0900000000000000" pitchFamily="50" charset="-128"/>
+              <a:latin typeface="Segoe UI" panose="020B0502040204020203" pitchFamily="34" charset="0"/>
               <a:ea typeface="HGP創英角ｺﾞｼｯｸUB" panose="020B0900000000000000" pitchFamily="50" charset="-128"/>
+              <a:cs typeface="Segoe UI" panose="020B0502040204020203" pitchFamily="34" charset="0"/>
             </a:endParaRPr>
           </a:p>
         </p:txBody>
@@ -11491,10 +11762,16 @@
           <a:lstStyle/>
           <a:p>
             <a:r>
-              <a:rPr lang="en-US" altLang="ja-JP" dirty="0"/>
+              <a:rPr lang="en-US" altLang="ja-JP" dirty="0">
+                <a:latin typeface="Segoe UI" panose="020B0502040204020203" pitchFamily="34" charset="0"/>
+                <a:cs typeface="Segoe UI" panose="020B0502040204020203" pitchFamily="34" charset="0"/>
+              </a:rPr>
               <a:t>Management of product backlog</a:t>
             </a:r>
-            <a:endParaRPr kumimoji="1" lang="ja-JP" altLang="en-US" dirty="0"/>
+            <a:endParaRPr kumimoji="1" lang="ja-JP" altLang="en-US" dirty="0">
+              <a:latin typeface="Segoe UI" panose="020B0502040204020203" pitchFamily="34" charset="0"/>
+              <a:cs typeface="Segoe UI" panose="020B0502040204020203" pitchFamily="34" charset="0"/>
+            </a:endParaRPr>
           </a:p>
         </p:txBody>
       </p:sp>
@@ -11524,7 +11801,10 @@
               <a:buNone/>
             </a:pPr>
             <a:r>
-              <a:rPr lang="en-US" altLang="ja-JP" dirty="0"/>
+              <a:rPr lang="en-US" altLang="ja-JP" dirty="0">
+                <a:latin typeface="Segoe UI" panose="020B0502040204020203" pitchFamily="34" charset="0"/>
+                <a:cs typeface="Segoe UI" panose="020B0502040204020203" pitchFamily="34" charset="0"/>
+              </a:rPr>
               <a:t>Points of caution</a:t>
             </a:r>
           </a:p>
@@ -11532,7 +11812,10 @@
             <a:pPr marL="0" indent="0">
               <a:buNone/>
             </a:pPr>
-            <a:endParaRPr lang="en-US" altLang="ja-JP" dirty="0"/>
+            <a:endParaRPr lang="en-US" altLang="ja-JP" dirty="0">
+              <a:latin typeface="Segoe UI" panose="020B0502040204020203" pitchFamily="34" charset="0"/>
+              <a:cs typeface="Segoe UI" panose="020B0502040204020203" pitchFamily="34" charset="0"/>
+            </a:endParaRPr>
           </a:p>
           <a:p>
             <a:pPr>
@@ -11540,7 +11823,10 @@
               <a:buChar char="l"/>
             </a:pPr>
             <a:r>
-              <a:rPr lang="en-US" altLang="ja-JP" dirty="0"/>
+              <a:rPr lang="en-US" altLang="ja-JP" dirty="0">
+                <a:latin typeface="Segoe UI" panose="020B0502040204020203" pitchFamily="34" charset="0"/>
+                <a:cs typeface="Segoe UI" panose="020B0502040204020203" pitchFamily="34" charset="0"/>
+              </a:rPr>
               <a:t>The product owner may not need to create the product backlog</a:t>
             </a:r>
           </a:p>
@@ -11566,6 +11852,8 @@
                 <a:solidFill>
                   <a:srgbClr val="000000"/>
                 </a:solidFill>
+                <a:latin typeface="Segoe UI" panose="020B0502040204020203" pitchFamily="34" charset="0"/>
+                <a:cs typeface="Segoe UI" panose="020B0502040204020203" pitchFamily="34" charset="0"/>
               </a:rPr>
               <a:pPr/>
               <a:t>18</a:t>
@@ -11574,6 +11862,8 @@
               <a:solidFill>
                 <a:srgbClr val="000000"/>
               </a:solidFill>
+              <a:latin typeface="Segoe UI" panose="020B0502040204020203" pitchFamily="34" charset="0"/>
+              <a:cs typeface="Segoe UI" panose="020B0502040204020203" pitchFamily="34" charset="0"/>
             </a:endParaRPr>
           </a:p>
         </p:txBody>
@@ -11647,14 +11937,16 @@
               <a:pPr algn="ctr"/>
               <a:r>
                 <a:rPr lang="en-US" altLang="ja-JP" sz="1200" b="1" dirty="0">
-                  <a:latin typeface="メイリオ" panose="020B0604030504040204" pitchFamily="50" charset="-128"/>
+                  <a:latin typeface="Segoe UI" panose="020B0502040204020203" pitchFamily="34" charset="0"/>
                   <a:ea typeface="メイリオ" panose="020B0604030504040204" pitchFamily="50" charset="-128"/>
+                  <a:cs typeface="Segoe UI" panose="020B0502040204020203" pitchFamily="34" charset="0"/>
                 </a:rPr>
                 <a:t>Product owner</a:t>
               </a:r>
               <a:endParaRPr kumimoji="1" lang="ja-JP" altLang="en-US" sz="1200" b="1" dirty="0">
-                <a:latin typeface="メイリオ" panose="020B0604030504040204" pitchFamily="50" charset="-128"/>
+                <a:latin typeface="Segoe UI" panose="020B0502040204020203" pitchFamily="34" charset="0"/>
                 <a:ea typeface="メイリオ" panose="020B0604030504040204" pitchFamily="50" charset="-128"/>
+                <a:cs typeface="Segoe UI" panose="020B0502040204020203" pitchFamily="34" charset="0"/>
               </a:endParaRPr>
             </a:p>
           </p:txBody>
@@ -11708,8 +12000,9 @@
             <a:pPr algn="ctr"/>
             <a:r>
               <a:rPr lang="en-US" altLang="ja-JP" sz="1200" dirty="0">
-                <a:latin typeface="メイリオ" panose="020B0604030504040204" pitchFamily="50" charset="-128"/>
+                <a:latin typeface="Segoe UI" panose="020B0502040204020203" pitchFamily="34" charset="0"/>
                 <a:ea typeface="メイリオ" panose="020B0604030504040204" pitchFamily="50" charset="-128"/>
+                <a:cs typeface="Segoe UI" panose="020B0502040204020203" pitchFamily="34" charset="0"/>
               </a:rPr>
               <a:t>Uh...development</a:t>
             </a:r>
@@ -11718,8 +12011,9 @@
             <a:pPr algn="ctr"/>
             <a:r>
               <a:rPr lang="en-US" altLang="ja-JP" sz="1200" dirty="0">
-                <a:latin typeface="メイリオ" panose="020B0604030504040204" pitchFamily="50" charset="-128"/>
+                <a:latin typeface="Segoe UI" panose="020B0502040204020203" pitchFamily="34" charset="0"/>
                 <a:ea typeface="メイリオ" panose="020B0604030504040204" pitchFamily="50" charset="-128"/>
+                <a:cs typeface="Segoe UI" panose="020B0502040204020203" pitchFamily="34" charset="0"/>
               </a:rPr>
               <a:t>team, could you</a:t>
             </a:r>
@@ -11728,8 +12022,9 @@
             <a:pPr algn="ctr"/>
             <a:r>
               <a:rPr lang="en-US" altLang="ja-JP" sz="1200" dirty="0">
-                <a:latin typeface="メイリオ" panose="020B0604030504040204" pitchFamily="50" charset="-128"/>
+                <a:latin typeface="Segoe UI" panose="020B0502040204020203" pitchFamily="34" charset="0"/>
                 <a:ea typeface="メイリオ" panose="020B0604030504040204" pitchFamily="50" charset="-128"/>
+                <a:cs typeface="Segoe UI" panose="020B0502040204020203" pitchFamily="34" charset="0"/>
               </a:rPr>
               <a:t>explain this?</a:t>
             </a:r>
@@ -11835,14 +12130,16 @@
               <a:pPr algn="ctr"/>
               <a:r>
                 <a:rPr lang="en-US" altLang="ja-JP" sz="1200" b="1" dirty="0">
-                  <a:latin typeface="メイリオ" panose="020B0604030504040204" pitchFamily="50" charset="-128"/>
+                  <a:latin typeface="Segoe UI" panose="020B0502040204020203" pitchFamily="34" charset="0"/>
                   <a:ea typeface="メイリオ" panose="020B0604030504040204" pitchFamily="50" charset="-128"/>
+                  <a:cs typeface="Segoe UI" panose="020B0502040204020203" pitchFamily="34" charset="0"/>
                 </a:rPr>
                 <a:t>Stakeholders</a:t>
               </a:r>
               <a:endParaRPr kumimoji="1" lang="ja-JP" altLang="en-US" sz="1200" b="1" dirty="0">
-                <a:latin typeface="メイリオ" panose="020B0604030504040204" pitchFamily="50" charset="-128"/>
+                <a:latin typeface="Segoe UI" panose="020B0502040204020203" pitchFamily="34" charset="0"/>
                 <a:ea typeface="メイリオ" panose="020B0604030504040204" pitchFamily="50" charset="-128"/>
+                <a:cs typeface="Segoe UI" panose="020B0502040204020203" pitchFamily="34" charset="0"/>
               </a:endParaRPr>
             </a:p>
           </p:txBody>
@@ -11896,8 +12193,9 @@
             <a:pPr algn="ctr"/>
             <a:r>
               <a:rPr lang="en-US" altLang="ja-JP" sz="1600" dirty="0">
-                <a:latin typeface="メイリオ" panose="020B0604030504040204" pitchFamily="50" charset="-128"/>
+                <a:latin typeface="Segoe UI" panose="020B0502040204020203" pitchFamily="34" charset="0"/>
                 <a:ea typeface="メイリオ" panose="020B0604030504040204" pitchFamily="50" charset="-128"/>
+                <a:cs typeface="Segoe UI" panose="020B0502040204020203" pitchFamily="34" charset="0"/>
               </a:rPr>
               <a:t>Tell us the order</a:t>
             </a:r>
@@ -11906,8 +12204,9 @@
             <a:pPr algn="ctr"/>
             <a:r>
               <a:rPr lang="en-US" altLang="ja-JP" sz="1600" dirty="0">
-                <a:latin typeface="メイリオ" panose="020B0604030504040204" pitchFamily="50" charset="-128"/>
+                <a:latin typeface="Segoe UI" panose="020B0502040204020203" pitchFamily="34" charset="0"/>
                 <a:ea typeface="メイリオ" panose="020B0604030504040204" pitchFamily="50" charset="-128"/>
+                <a:cs typeface="Segoe UI" panose="020B0502040204020203" pitchFamily="34" charset="0"/>
               </a:rPr>
               <a:t>of the backlog</a:t>
             </a:r>
@@ -11959,8 +12258,9 @@
                 <a:solidFill>
                   <a:schemeClr val="tx1"/>
                 </a:solidFill>
-                <a:latin typeface="メイリオ" panose="020B0604030504040204" pitchFamily="50" charset="-128"/>
+                <a:latin typeface="Segoe UI" panose="020B0502040204020203" pitchFamily="34" charset="0"/>
                 <a:ea typeface="メイリオ" panose="020B0604030504040204" pitchFamily="50" charset="-128"/>
+                <a:cs typeface="Segoe UI" panose="020B0502040204020203" pitchFamily="34" charset="0"/>
               </a:rPr>
               <a:t>Not</a:t>
             </a:r>
@@ -11972,8 +12272,9 @@
                 <a:solidFill>
                   <a:schemeClr val="tx1"/>
                 </a:solidFill>
-                <a:latin typeface="メイリオ" panose="020B0604030504040204" pitchFamily="50" charset="-128"/>
+                <a:latin typeface="Segoe UI" panose="020B0502040204020203" pitchFamily="34" charset="0"/>
                 <a:ea typeface="メイリオ" panose="020B0604030504040204" pitchFamily="50" charset="-128"/>
+                <a:cs typeface="Segoe UI" panose="020B0502040204020203" pitchFamily="34" charset="0"/>
               </a:rPr>
               <a:t>ideal</a:t>
             </a:r>
@@ -12026,10 +12327,16 @@
           <a:lstStyle/>
           <a:p>
             <a:r>
-              <a:rPr lang="en-US" altLang="ja-JP" dirty="0"/>
+              <a:rPr lang="en-US" altLang="ja-JP" dirty="0">
+                <a:latin typeface="Segoe UI" panose="020B0502040204020203" pitchFamily="34" charset="0"/>
+                <a:cs typeface="Segoe UI" panose="020B0502040204020203" pitchFamily="34" charset="0"/>
+              </a:rPr>
               <a:t>Management of economic viability</a:t>
             </a:r>
-            <a:endParaRPr kumimoji="1" lang="ja-JP" altLang="en-US" dirty="0"/>
+            <a:endParaRPr kumimoji="1" lang="ja-JP" altLang="en-US" dirty="0">
+              <a:latin typeface="Segoe UI" panose="020B0502040204020203" pitchFamily="34" charset="0"/>
+              <a:cs typeface="Segoe UI" panose="020B0502040204020203" pitchFamily="34" charset="0"/>
+            </a:endParaRPr>
           </a:p>
         </p:txBody>
       </p:sp>
@@ -12052,10 +12359,16 @@
               <a:buNone/>
             </a:pPr>
             <a:r>
-              <a:rPr lang="en-US" altLang="ja-JP" dirty="0"/>
+              <a:rPr lang="en-US" altLang="ja-JP" dirty="0">
+                <a:latin typeface="Segoe UI" panose="020B0502040204020203" pitchFamily="34" charset="0"/>
+                <a:cs typeface="Segoe UI" panose="020B0502040204020203" pitchFamily="34" charset="0"/>
+              </a:rPr>
               <a:t>What is management of economic viability? </a:t>
             </a:r>
-            <a:endParaRPr kumimoji="1" lang="ja-JP" altLang="en-US" dirty="0"/>
+            <a:endParaRPr kumimoji="1" lang="ja-JP" altLang="en-US" dirty="0">
+              <a:latin typeface="Segoe UI" panose="020B0502040204020203" pitchFamily="34" charset="0"/>
+              <a:cs typeface="Segoe UI" panose="020B0502040204020203" pitchFamily="34" charset="0"/>
+            </a:endParaRPr>
           </a:p>
         </p:txBody>
       </p:sp>
@@ -12079,6 +12392,8 @@
                 <a:solidFill>
                   <a:srgbClr val="000000"/>
                 </a:solidFill>
+                <a:latin typeface="Segoe UI" panose="020B0502040204020203" pitchFamily="34" charset="0"/>
+                <a:cs typeface="Segoe UI" panose="020B0502040204020203" pitchFamily="34" charset="0"/>
               </a:rPr>
               <a:pPr/>
               <a:t>19</a:t>
@@ -12087,6 +12402,8 @@
               <a:solidFill>
                 <a:srgbClr val="000000"/>
               </a:solidFill>
+              <a:latin typeface="Segoe UI" panose="020B0502040204020203" pitchFamily="34" charset="0"/>
+              <a:cs typeface="Segoe UI" panose="020B0502040204020203" pitchFamily="34" charset="0"/>
             </a:endParaRPr>
           </a:p>
         </p:txBody>
@@ -12140,8 +12457,9 @@
                 <a:solidFill>
                   <a:schemeClr val="tx1"/>
                 </a:solidFill>
-                <a:latin typeface="メイリオ" panose="020B0604030504040204" pitchFamily="50" charset="-128"/>
+                <a:latin typeface="Segoe UI" panose="020B0502040204020203" pitchFamily="34" charset="0"/>
                 <a:ea typeface="メイリオ" panose="020B0604030504040204" pitchFamily="50" charset="-128"/>
+                <a:cs typeface="Segoe UI" panose="020B0502040204020203" pitchFamily="34" charset="0"/>
               </a:rPr>
               <a:t>This is decision-making about which of multiple solutions to market needs is most reasonable </a:t>
             </a:r>
@@ -12150,8 +12468,9 @@
                 <a:solidFill>
                   <a:srgbClr val="FF0000"/>
                 </a:solidFill>
-                <a:latin typeface="メイリオ" panose="020B0604030504040204" pitchFamily="50" charset="-128"/>
+                <a:latin typeface="Segoe UI" panose="020B0502040204020203" pitchFamily="34" charset="0"/>
                 <a:ea typeface="メイリオ" panose="020B0604030504040204" pitchFamily="50" charset="-128"/>
+                <a:cs typeface="Segoe UI" panose="020B0502040204020203" pitchFamily="34" charset="0"/>
               </a:rPr>
               <a:t>in an economic sense</a:t>
             </a:r>
@@ -12160,8 +12479,9 @@
                 <a:solidFill>
                   <a:schemeClr val="tx1"/>
                 </a:solidFill>
-                <a:latin typeface="メイリオ" panose="020B0604030504040204" pitchFamily="50" charset="-128"/>
+                <a:latin typeface="Segoe UI" panose="020B0502040204020203" pitchFamily="34" charset="0"/>
                 <a:ea typeface="メイリオ" panose="020B0604030504040204" pitchFamily="50" charset="-128"/>
+                <a:cs typeface="Segoe UI" panose="020B0502040204020203" pitchFamily="34" charset="0"/>
               </a:rPr>
               <a:t>.</a:t>
             </a:r>
@@ -12169,8 +12489,9 @@
               <a:solidFill>
                 <a:schemeClr val="tx1"/>
               </a:solidFill>
-              <a:latin typeface="メイリオ" panose="020B0604030504040204" pitchFamily="50" charset="-128"/>
+              <a:latin typeface="Segoe UI" panose="020B0502040204020203" pitchFamily="34" charset="0"/>
               <a:ea typeface="メイリオ" panose="020B0604030504040204" pitchFamily="50" charset="-128"/>
+              <a:cs typeface="Segoe UI" panose="020B0502040204020203" pitchFamily="34" charset="0"/>
             </a:endParaRPr>
           </a:p>
         </p:txBody>
@@ -12230,8 +12551,9 @@
             <a:pPr algn="ctr"/>
             <a:r>
               <a:rPr lang="en-US" altLang="ja-JP" b="1" dirty="0">
-                <a:latin typeface="メイリオ" panose="020B0604030504040204" pitchFamily="50" charset="-128"/>
+                <a:latin typeface="Segoe UI" panose="020B0502040204020203" pitchFamily="34" charset="0"/>
                 <a:ea typeface="メイリオ" panose="020B0604030504040204" pitchFamily="50" charset="-128"/>
+                <a:cs typeface="Segoe UI" panose="020B0502040204020203" pitchFamily="34" charset="0"/>
               </a:rPr>
               <a:t>Product owner</a:t>
             </a:r>
@@ -12302,8 +12624,9 @@
                   <a:solidFill>
                     <a:schemeClr val="tx1"/>
                   </a:solidFill>
-                  <a:latin typeface="メイリオ" panose="020B0604030504040204" pitchFamily="50" charset="-128"/>
+                  <a:latin typeface="Segoe UI" panose="020B0502040204020203" pitchFamily="34" charset="0"/>
                   <a:ea typeface="メイリオ" panose="020B0604030504040204" pitchFamily="50" charset="-128"/>
+                  <a:cs typeface="Segoe UI" panose="020B0502040204020203" pitchFamily="34" charset="0"/>
                 </a:rPr>
                 <a:t>Apparent needs</a:t>
               </a:r>
@@ -12311,8 +12634,9 @@
                 <a:solidFill>
                   <a:schemeClr val="tx1"/>
                 </a:solidFill>
-                <a:latin typeface="メイリオ" panose="020B0604030504040204" pitchFamily="50" charset="-128"/>
+                <a:latin typeface="Segoe UI" panose="020B0502040204020203" pitchFamily="34" charset="0"/>
                 <a:ea typeface="メイリオ" panose="020B0604030504040204" pitchFamily="50" charset="-128"/>
+                <a:cs typeface="Segoe UI" panose="020B0502040204020203" pitchFamily="34" charset="0"/>
               </a:endParaRPr>
             </a:p>
           </p:txBody>
@@ -12367,8 +12691,9 @@
                   <a:solidFill>
                     <a:schemeClr val="tx1"/>
                   </a:solidFill>
-                  <a:latin typeface="メイリオ" panose="020B0604030504040204" pitchFamily="50" charset="-128"/>
+                  <a:latin typeface="Segoe UI" panose="020B0502040204020203" pitchFamily="34" charset="0"/>
                   <a:ea typeface="メイリオ" panose="020B0604030504040204" pitchFamily="50" charset="-128"/>
+                  <a:cs typeface="Segoe UI" panose="020B0502040204020203" pitchFamily="34" charset="0"/>
                 </a:rPr>
                 <a:t>Latent needs</a:t>
               </a:r>
@@ -12376,8 +12701,9 @@
                 <a:solidFill>
                   <a:schemeClr val="tx1"/>
                 </a:solidFill>
-                <a:latin typeface="メイリオ" panose="020B0604030504040204" pitchFamily="50" charset="-128"/>
+                <a:latin typeface="Segoe UI" panose="020B0502040204020203" pitchFamily="34" charset="0"/>
                 <a:ea typeface="メイリオ" panose="020B0604030504040204" pitchFamily="50" charset="-128"/>
+                <a:cs typeface="Segoe UI" panose="020B0502040204020203" pitchFamily="34" charset="0"/>
               </a:endParaRPr>
             </a:p>
           </p:txBody>
@@ -12427,7 +12753,10 @@
             <a:lstStyle/>
             <a:p>
               <a:pPr algn="ctr"/>
-              <a:endParaRPr kumimoji="1" lang="ja-JP" altLang="en-US"/>
+              <a:endParaRPr kumimoji="1" lang="ja-JP" altLang="en-US">
+                <a:latin typeface="Segoe UI" panose="020B0502040204020203" pitchFamily="34" charset="0"/>
+                <a:cs typeface="Segoe UI" panose="020B0502040204020203" pitchFamily="34" charset="0"/>
+              </a:endParaRPr>
             </a:p>
           </p:txBody>
         </p:sp>
@@ -12456,14 +12785,16 @@
               <a:pPr algn="ctr"/>
               <a:r>
                 <a:rPr lang="en-US" altLang="ja-JP" sz="2000" b="1" dirty="0">
-                  <a:latin typeface="メイリオ" panose="020B0604030504040204" pitchFamily="50" charset="-128"/>
+                  <a:latin typeface="Segoe UI" panose="020B0502040204020203" pitchFamily="34" charset="0"/>
                   <a:ea typeface="メイリオ" panose="020B0604030504040204" pitchFamily="50" charset="-128"/>
+                  <a:cs typeface="Segoe UI" panose="020B0502040204020203" pitchFamily="34" charset="0"/>
                 </a:rPr>
                 <a:t>Market needs</a:t>
               </a:r>
               <a:endParaRPr kumimoji="1" lang="ja-JP" altLang="en-US" sz="2000" b="1" dirty="0">
-                <a:latin typeface="メイリオ" panose="020B0604030504040204" pitchFamily="50" charset="-128"/>
+                <a:latin typeface="Segoe UI" panose="020B0502040204020203" pitchFamily="34" charset="0"/>
                 <a:ea typeface="メイリオ" panose="020B0604030504040204" pitchFamily="50" charset="-128"/>
+                <a:cs typeface="Segoe UI" panose="020B0502040204020203" pitchFamily="34" charset="0"/>
               </a:endParaRPr>
             </a:p>
           </p:txBody>
@@ -12515,10 +12846,16 @@
           <a:lstStyle/>
           <a:p>
             <a:r>
-              <a:rPr lang="en-US" altLang="ja-JP" dirty="0"/>
+              <a:rPr lang="en-US" altLang="ja-JP" dirty="0">
+                <a:latin typeface="Segoe UI" panose="020B0502040204020203" pitchFamily="34" charset="0"/>
+                <a:cs typeface="Segoe UI" panose="020B0502040204020203" pitchFamily="34" charset="0"/>
+              </a:rPr>
               <a:t>Contents</a:t>
             </a:r>
-            <a:endParaRPr kumimoji="1" lang="ja-JP" altLang="en-US" dirty="0"/>
+            <a:endParaRPr kumimoji="1" lang="ja-JP" altLang="en-US" dirty="0">
+              <a:latin typeface="Segoe UI" panose="020B0502040204020203" pitchFamily="34" charset="0"/>
+              <a:cs typeface="Segoe UI" panose="020B0502040204020203" pitchFamily="34" charset="0"/>
+            </a:endParaRPr>
           </a:p>
         </p:txBody>
       </p:sp>
@@ -12547,7 +12884,10 @@
               <a:buAutoNum type="arabicPeriod"/>
             </a:pPr>
             <a:r>
-              <a:rPr lang="en-US" altLang="ja-JP" dirty="0"/>
+              <a:rPr lang="en-US" altLang="ja-JP" dirty="0">
+                <a:latin typeface="Segoe UI" panose="020B0502040204020203" pitchFamily="34" charset="0"/>
+                <a:cs typeface="Segoe UI" panose="020B0502040204020203" pitchFamily="34" charset="0"/>
+              </a:rPr>
               <a:t>What is a product owner?</a:t>
             </a:r>
           </a:p>
@@ -12557,7 +12897,10 @@
               <a:buAutoNum type="arabicPeriod"/>
             </a:pPr>
             <a:r>
-              <a:rPr lang="en-US" altLang="ja-JP" dirty="0"/>
+              <a:rPr lang="en-US" altLang="ja-JP" dirty="0">
+                <a:latin typeface="Segoe UI" panose="020B0502040204020203" pitchFamily="34" charset="0"/>
+                <a:cs typeface="Segoe UI" panose="020B0502040204020203" pitchFamily="34" charset="0"/>
+              </a:rPr>
               <a:t>How a product owner differs from a project manager</a:t>
             </a:r>
           </a:p>
@@ -12567,7 +12910,10 @@
               <a:buAutoNum type="arabicPeriod"/>
             </a:pPr>
             <a:r>
-              <a:rPr lang="en-US" altLang="ja-JP" dirty="0"/>
+              <a:rPr lang="en-US" altLang="ja-JP" dirty="0">
+                <a:latin typeface="Segoe UI" panose="020B0502040204020203" pitchFamily="34" charset="0"/>
+                <a:cs typeface="Segoe UI" panose="020B0502040204020203" pitchFamily="34" charset="0"/>
+              </a:rPr>
               <a:t>Role of product owners</a:t>
             </a:r>
           </a:p>
@@ -12577,7 +12923,10 @@
               <a:buAutoNum type="arabicPeriod"/>
             </a:pPr>
             <a:r>
-              <a:rPr lang="en-US" altLang="ja-JP" dirty="0"/>
+              <a:rPr lang="en-US" altLang="ja-JP" dirty="0">
+                <a:latin typeface="Segoe UI" panose="020B0502040204020203" pitchFamily="34" charset="0"/>
+                <a:cs typeface="Segoe UI" panose="020B0502040204020203" pitchFamily="34" charset="0"/>
+              </a:rPr>
               <a:t>Involvement in each ceremony</a:t>
             </a:r>
           </a:p>
@@ -12603,6 +12952,8 @@
                 <a:solidFill>
                   <a:srgbClr val="000000"/>
                 </a:solidFill>
+                <a:latin typeface="Segoe UI" panose="020B0502040204020203" pitchFamily="34" charset="0"/>
+                <a:cs typeface="Segoe UI" panose="020B0502040204020203" pitchFamily="34" charset="0"/>
               </a:rPr>
               <a:pPr/>
               <a:t>2</a:t>
@@ -12611,6 +12962,8 @@
               <a:solidFill>
                 <a:srgbClr val="000000"/>
               </a:solidFill>
+              <a:latin typeface="Segoe UI" panose="020B0502040204020203" pitchFamily="34" charset="0"/>
+              <a:cs typeface="Segoe UI" panose="020B0502040204020203" pitchFamily="34" charset="0"/>
             </a:endParaRPr>
           </a:p>
         </p:txBody>
@@ -12661,10 +13014,16 @@
           <a:lstStyle/>
           <a:p>
             <a:r>
-              <a:rPr lang="en-US" altLang="ja-JP" dirty="0"/>
+              <a:rPr lang="en-US" altLang="ja-JP" dirty="0">
+                <a:latin typeface="Segoe UI" panose="020B0502040204020203" pitchFamily="34" charset="0"/>
+                <a:cs typeface="Segoe UI" panose="020B0502040204020203" pitchFamily="34" charset="0"/>
+              </a:rPr>
               <a:t>Management of economic viability</a:t>
             </a:r>
-            <a:endParaRPr kumimoji="1" lang="ja-JP" altLang="en-US" dirty="0"/>
+            <a:endParaRPr kumimoji="1" lang="ja-JP" altLang="en-US" dirty="0">
+              <a:latin typeface="Segoe UI" panose="020B0502040204020203" pitchFamily="34" charset="0"/>
+              <a:cs typeface="Segoe UI" panose="020B0502040204020203" pitchFamily="34" charset="0"/>
+            </a:endParaRPr>
           </a:p>
         </p:txBody>
       </p:sp>
@@ -12689,10 +13048,16 @@
               <a:buNone/>
             </a:pPr>
             <a:r>
-              <a:rPr lang="en-US" altLang="ja-JP" sz="2000" dirty="0"/>
+              <a:rPr lang="en-US" altLang="ja-JP" sz="2000" dirty="0">
+                <a:latin typeface="Segoe UI" panose="020B0502040204020203" pitchFamily="34" charset="0"/>
+                <a:cs typeface="Segoe UI" panose="020B0502040204020203" pitchFamily="34" charset="0"/>
+              </a:rPr>
               <a:t>What makes something reasonable in an economic sense?</a:t>
             </a:r>
-            <a:endParaRPr kumimoji="1" lang="ja-JP" altLang="en-US" sz="2000" dirty="0"/>
+            <a:endParaRPr kumimoji="1" lang="ja-JP" altLang="en-US" sz="2000" dirty="0">
+              <a:latin typeface="Segoe UI" panose="020B0502040204020203" pitchFamily="34" charset="0"/>
+              <a:cs typeface="Segoe UI" panose="020B0502040204020203" pitchFamily="34" charset="0"/>
+            </a:endParaRPr>
           </a:p>
         </p:txBody>
       </p:sp>
@@ -12716,6 +13081,8 @@
                 <a:solidFill>
                   <a:srgbClr val="000000"/>
                 </a:solidFill>
+                <a:latin typeface="Segoe UI" panose="020B0502040204020203" pitchFamily="34" charset="0"/>
+                <a:cs typeface="Segoe UI" panose="020B0502040204020203" pitchFamily="34" charset="0"/>
               </a:rPr>
               <a:pPr/>
               <a:t>20</a:t>
@@ -12724,6 +13091,8 @@
               <a:solidFill>
                 <a:srgbClr val="000000"/>
               </a:solidFill>
+              <a:latin typeface="Segoe UI" panose="020B0502040204020203" pitchFamily="34" charset="0"/>
+              <a:cs typeface="Segoe UI" panose="020B0502040204020203" pitchFamily="34" charset="0"/>
             </a:endParaRPr>
           </a:p>
         </p:txBody>
@@ -12777,8 +13146,9 @@
                 <a:solidFill>
                   <a:schemeClr val="tx1"/>
                 </a:solidFill>
-                <a:latin typeface="メイリオ" panose="020B0604030504040204" pitchFamily="50" charset="-128"/>
+                <a:latin typeface="Segoe UI" panose="020B0502040204020203" pitchFamily="34" charset="0"/>
                 <a:ea typeface="メイリオ" panose="020B0604030504040204" pitchFamily="50" charset="-128"/>
+                <a:cs typeface="Segoe UI" panose="020B0502040204020203" pitchFamily="34" charset="0"/>
               </a:rPr>
               <a:t>This is about the return expected on the money being spent (ROI).</a:t>
             </a:r>
@@ -12786,8 +13156,9 @@
               <a:solidFill>
                 <a:schemeClr val="tx1"/>
               </a:solidFill>
-              <a:latin typeface="メイリオ" panose="020B0604030504040204" pitchFamily="50" charset="-128"/>
+              <a:latin typeface="Segoe UI" panose="020B0502040204020203" pitchFamily="34" charset="0"/>
               <a:ea typeface="メイリオ" panose="020B0604030504040204" pitchFamily="50" charset="-128"/>
+              <a:cs typeface="Segoe UI" panose="020B0502040204020203" pitchFamily="34" charset="0"/>
             </a:endParaRPr>
           </a:p>
         </p:txBody>
@@ -12895,8 +13266,9 @@
                     <a:solidFill>
                       <a:sysClr val="windowText" lastClr="000000"/>
                     </a:solidFill>
-                    <a:latin typeface="メイリオ" panose="020B0604030504040204" pitchFamily="50" charset="-128"/>
+                    <a:latin typeface="Segoe UI" panose="020B0502040204020203" pitchFamily="34" charset="0"/>
                     <a:ea typeface="メイリオ" panose="020B0604030504040204" pitchFamily="50" charset="-128"/>
+                    <a:cs typeface="Segoe UI" panose="020B0502040204020203" pitchFamily="34" charset="0"/>
                   </a:rPr>
                   <a:t>Return</a:t>
                 </a:r>
@@ -12904,8 +13276,9 @@
                   <a:solidFill>
                     <a:sysClr val="windowText" lastClr="000000"/>
                   </a:solidFill>
-                  <a:latin typeface="メイリオ" panose="020B0604030504040204" pitchFamily="50" charset="-128"/>
+                  <a:latin typeface="Segoe UI" panose="020B0502040204020203" pitchFamily="34" charset="0"/>
                   <a:ea typeface="メイリオ" panose="020B0604030504040204" pitchFamily="50" charset="-128"/>
+                  <a:cs typeface="Segoe UI" panose="020B0502040204020203" pitchFamily="34" charset="0"/>
                 </a:endParaRPr>
               </a:p>
             </p:txBody>
@@ -12956,8 +13329,9 @@
                   <a:solidFill>
                     <a:sysClr val="windowText" lastClr="000000"/>
                   </a:solidFill>
-                  <a:latin typeface="メイリオ" panose="020B0604030504040204" pitchFamily="50" charset="-128"/>
+                  <a:latin typeface="Segoe UI" panose="020B0502040204020203" pitchFamily="34" charset="0"/>
                   <a:ea typeface="メイリオ" panose="020B0604030504040204" pitchFamily="50" charset="-128"/>
+                  <a:cs typeface="Segoe UI" panose="020B0502040204020203" pitchFamily="34" charset="0"/>
                 </a:rPr>
                 <a:t>Cost</a:t>
               </a:r>
@@ -12965,8 +13339,9 @@
                 <a:solidFill>
                   <a:sysClr val="windowText" lastClr="000000"/>
                 </a:solidFill>
-                <a:latin typeface="メイリオ" panose="020B0604030504040204" pitchFamily="50" charset="-128"/>
+                <a:latin typeface="Segoe UI" panose="020B0502040204020203" pitchFamily="34" charset="0"/>
                 <a:ea typeface="メイリオ" panose="020B0604030504040204" pitchFamily="50" charset="-128"/>
+                <a:cs typeface="Segoe UI" panose="020B0502040204020203" pitchFamily="34" charset="0"/>
               </a:endParaRPr>
             </a:p>
           </p:txBody>
@@ -13020,8 +13395,9 @@
                 <a:solidFill>
                   <a:schemeClr val="tx1"/>
                 </a:solidFill>
-                <a:latin typeface="メイリオ" panose="020B0604030504040204" pitchFamily="50" charset="-128"/>
+                <a:latin typeface="Segoe UI" panose="020B0502040204020203" pitchFamily="34" charset="0"/>
                 <a:ea typeface="メイリオ" panose="020B0604030504040204" pitchFamily="50" charset="-128"/>
+                <a:cs typeface="Segoe UI" panose="020B0502040204020203" pitchFamily="34" charset="0"/>
               </a:rPr>
               <a:t>For example, if extending the development period by one week to add a new function could increase revenue by 5%</a:t>
             </a:r>
@@ -13031,8 +13407,9 @@
               <a:solidFill>
                 <a:schemeClr val="tx1"/>
               </a:solidFill>
-              <a:latin typeface="メイリオ" panose="020B0604030504040204" pitchFamily="50" charset="-128"/>
+              <a:latin typeface="Segoe UI" panose="020B0502040204020203" pitchFamily="34" charset="0"/>
               <a:ea typeface="メイリオ" panose="020B0604030504040204" pitchFamily="50" charset="-128"/>
+              <a:cs typeface="Segoe UI" panose="020B0502040204020203" pitchFamily="34" charset="0"/>
             </a:endParaRPr>
           </a:p>
           <a:p>
@@ -13040,8 +13417,9 @@
               <a:solidFill>
                 <a:schemeClr val="tx1"/>
               </a:solidFill>
-              <a:latin typeface="メイリオ" panose="020B0604030504040204" pitchFamily="50" charset="-128"/>
+              <a:latin typeface="Segoe UI" panose="020B0502040204020203" pitchFamily="34" charset="0"/>
               <a:ea typeface="メイリオ" panose="020B0604030504040204" pitchFamily="50" charset="-128"/>
+              <a:cs typeface="Segoe UI" panose="020B0502040204020203" pitchFamily="34" charset="0"/>
             </a:endParaRPr>
           </a:p>
           <a:p>
@@ -13050,8 +13428,9 @@
                 <a:solidFill>
                   <a:schemeClr val="tx1"/>
                 </a:solidFill>
-                <a:latin typeface="メイリオ" panose="020B0604030504040204" pitchFamily="50" charset="-128"/>
+                <a:latin typeface="Segoe UI" panose="020B0502040204020203" pitchFamily="34" charset="0"/>
                 <a:ea typeface="メイリオ" panose="020B0604030504040204" pitchFamily="50" charset="-128"/>
+                <a:cs typeface="Segoe UI" panose="020B0502040204020203" pitchFamily="34" charset="0"/>
               </a:rPr>
               <a:t>The product owner must decide whether extending the development period will be worth the cost of an additional week.</a:t>
             </a:r>
@@ -13104,10 +13483,16 @@
           <a:lstStyle/>
           <a:p>
             <a:r>
-              <a:rPr lang="en-US" altLang="ja-JP" dirty="0"/>
+              <a:rPr lang="en-US" altLang="ja-JP" dirty="0">
+                <a:latin typeface="Segoe UI" panose="020B0502040204020203" pitchFamily="34" charset="0"/>
+                <a:cs typeface="Segoe UI" panose="020B0502040204020203" pitchFamily="34" charset="0"/>
+              </a:rPr>
               <a:t>Management of economic viability</a:t>
             </a:r>
-            <a:endParaRPr kumimoji="1" lang="ja-JP" altLang="en-US" dirty="0"/>
+            <a:endParaRPr kumimoji="1" lang="ja-JP" altLang="en-US" dirty="0">
+              <a:latin typeface="Segoe UI" panose="020B0502040204020203" pitchFamily="34" charset="0"/>
+              <a:cs typeface="Segoe UI" panose="020B0502040204020203" pitchFamily="34" charset="0"/>
+            </a:endParaRPr>
           </a:p>
         </p:txBody>
       </p:sp>
@@ -13130,10 +13515,16 @@
               <a:buNone/>
             </a:pPr>
             <a:r>
-              <a:rPr lang="en-US" altLang="ja-JP" dirty="0"/>
+              <a:rPr lang="en-US" altLang="ja-JP" dirty="0">
+                <a:latin typeface="Segoe UI" panose="020B0502040204020203" pitchFamily="34" charset="0"/>
+                <a:cs typeface="Segoe UI" panose="020B0502040204020203" pitchFamily="34" charset="0"/>
+              </a:rPr>
               <a:t>Markets have apparent needs (mainly requests from stakeholders) and latent (hypothetical) needs. Product owners need to decide the priority order from an economic standpoint without focusing only on the needs that can be seen.</a:t>
             </a:r>
-            <a:endParaRPr kumimoji="1" lang="ja-JP" altLang="en-US" dirty="0"/>
+            <a:endParaRPr kumimoji="1" lang="ja-JP" altLang="en-US" dirty="0">
+              <a:latin typeface="Segoe UI" panose="020B0502040204020203" pitchFamily="34" charset="0"/>
+              <a:cs typeface="Segoe UI" panose="020B0502040204020203" pitchFamily="34" charset="0"/>
+            </a:endParaRPr>
           </a:p>
         </p:txBody>
       </p:sp>
@@ -13157,6 +13548,8 @@
                 <a:solidFill>
                   <a:srgbClr val="000000"/>
                 </a:solidFill>
+                <a:latin typeface="Segoe UI" panose="020B0502040204020203" pitchFamily="34" charset="0"/>
+                <a:cs typeface="Segoe UI" panose="020B0502040204020203" pitchFamily="34" charset="0"/>
               </a:rPr>
               <a:pPr/>
               <a:t>21</a:t>
@@ -13165,6 +13558,8 @@
               <a:solidFill>
                 <a:srgbClr val="000000"/>
               </a:solidFill>
+              <a:latin typeface="Segoe UI" panose="020B0502040204020203" pitchFamily="34" charset="0"/>
+              <a:cs typeface="Segoe UI" panose="020B0502040204020203" pitchFamily="34" charset="0"/>
             </a:endParaRPr>
           </a:p>
         </p:txBody>
@@ -13224,14 +13619,16 @@
             <a:pPr algn="ctr"/>
             <a:r>
               <a:rPr lang="en-US" altLang="ja-JP" b="1" dirty="0">
-                <a:latin typeface="メイリオ" panose="020B0604030504040204" pitchFamily="50" charset="-128"/>
+                <a:latin typeface="Segoe UI" panose="020B0502040204020203" pitchFamily="34" charset="0"/>
                 <a:ea typeface="メイリオ" panose="020B0604030504040204" pitchFamily="50" charset="-128"/>
+                <a:cs typeface="Segoe UI" panose="020B0502040204020203" pitchFamily="34" charset="0"/>
               </a:rPr>
               <a:t>Product owner</a:t>
             </a:r>
             <a:endParaRPr kumimoji="1" lang="ja-JP" altLang="en-US" b="1" dirty="0">
-              <a:latin typeface="メイリオ" panose="020B0604030504040204" pitchFamily="50" charset="-128"/>
+              <a:latin typeface="Segoe UI" panose="020B0502040204020203" pitchFamily="34" charset="0"/>
               <a:ea typeface="メイリオ" panose="020B0604030504040204" pitchFamily="50" charset="-128"/>
+              <a:cs typeface="Segoe UI" panose="020B0502040204020203" pitchFamily="34" charset="0"/>
             </a:endParaRPr>
           </a:p>
         </p:txBody>
@@ -13300,8 +13697,9 @@
                   <a:solidFill>
                     <a:schemeClr val="tx1"/>
                   </a:solidFill>
-                  <a:latin typeface="メイリオ" panose="020B0604030504040204" pitchFamily="50" charset="-128"/>
+                  <a:latin typeface="Segoe UI" panose="020B0502040204020203" pitchFamily="34" charset="0"/>
                   <a:ea typeface="メイリオ" panose="020B0604030504040204" pitchFamily="50" charset="-128"/>
+                  <a:cs typeface="Segoe UI" panose="020B0502040204020203" pitchFamily="34" charset="0"/>
                 </a:rPr>
                 <a:t>(Sales)</a:t>
               </a:r>
@@ -13313,8 +13711,9 @@
                   <a:solidFill>
                     <a:schemeClr val="tx1"/>
                   </a:solidFill>
-                  <a:latin typeface="メイリオ" panose="020B0604030504040204" pitchFamily="50" charset="-128"/>
+                  <a:latin typeface="Segoe UI" panose="020B0502040204020203" pitchFamily="34" charset="0"/>
                   <a:ea typeface="メイリオ" panose="020B0604030504040204" pitchFamily="50" charset="-128"/>
+                  <a:cs typeface="Segoe UI" panose="020B0502040204020203" pitchFamily="34" charset="0"/>
                 </a:rPr>
                 <a:t>Make it cheaper</a:t>
               </a:r>
@@ -13371,8 +13770,9 @@
                   <a:solidFill>
                     <a:schemeClr val="tx1"/>
                   </a:solidFill>
-                  <a:latin typeface="メイリオ" panose="020B0604030504040204" pitchFamily="50" charset="-128"/>
+                  <a:latin typeface="Segoe UI" panose="020B0502040204020203" pitchFamily="34" charset="0"/>
                   <a:ea typeface="メイリオ" panose="020B0604030504040204" pitchFamily="50" charset="-128"/>
+                  <a:cs typeface="Segoe UI" panose="020B0502040204020203" pitchFamily="34" charset="0"/>
                 </a:rPr>
                 <a:t>(Client) Add a function for ✖✖</a:t>
               </a:r>
@@ -13380,8 +13780,9 @@
                 <a:solidFill>
                   <a:schemeClr val="tx1"/>
                 </a:solidFill>
-                <a:latin typeface="メイリオ" panose="020B0604030504040204" pitchFamily="50" charset="-128"/>
+                <a:latin typeface="Segoe UI" panose="020B0502040204020203" pitchFamily="34" charset="0"/>
                 <a:ea typeface="メイリオ" panose="020B0604030504040204" pitchFamily="50" charset="-128"/>
+                <a:cs typeface="Segoe UI" panose="020B0502040204020203" pitchFamily="34" charset="0"/>
               </a:endParaRPr>
             </a:p>
           </p:txBody>
@@ -13411,14 +13812,16 @@
               <a:pPr algn="ctr"/>
               <a:r>
                 <a:rPr lang="en-US" altLang="ja-JP" sz="2000" b="1" dirty="0">
-                  <a:latin typeface="メイリオ" panose="020B0604030504040204" pitchFamily="50" charset="-128"/>
+                  <a:latin typeface="Segoe UI" panose="020B0502040204020203" pitchFamily="34" charset="0"/>
                   <a:ea typeface="メイリオ" panose="020B0604030504040204" pitchFamily="50" charset="-128"/>
+                  <a:cs typeface="Segoe UI" panose="020B0502040204020203" pitchFamily="34" charset="0"/>
                 </a:rPr>
                 <a:t>Apparent needs</a:t>
               </a:r>
               <a:endParaRPr kumimoji="1" lang="ja-JP" altLang="en-US" sz="2000" b="1" dirty="0">
-                <a:latin typeface="メイリオ" panose="020B0604030504040204" pitchFamily="50" charset="-128"/>
+                <a:latin typeface="Segoe UI" panose="020B0502040204020203" pitchFamily="34" charset="0"/>
                 <a:ea typeface="メイリオ" panose="020B0604030504040204" pitchFamily="50" charset="-128"/>
+                <a:cs typeface="Segoe UI" panose="020B0502040204020203" pitchFamily="34" charset="0"/>
               </a:endParaRPr>
             </a:p>
           </p:txBody>
@@ -13468,7 +13871,10 @@
             <a:lstStyle/>
             <a:p>
               <a:pPr algn="ctr"/>
-              <a:endParaRPr kumimoji="1" lang="ja-JP" altLang="en-US"/>
+              <a:endParaRPr kumimoji="1" lang="ja-JP" altLang="en-US">
+                <a:latin typeface="Segoe UI" panose="020B0502040204020203" pitchFamily="34" charset="0"/>
+                <a:cs typeface="Segoe UI" panose="020B0502040204020203" pitchFamily="34" charset="0"/>
+              </a:endParaRPr>
             </a:p>
           </p:txBody>
         </p:sp>
@@ -13512,14 +13918,16 @@
               <a:pPr algn="ctr"/>
               <a:r>
                 <a:rPr lang="en-US" altLang="ja-JP" sz="2000" b="1" dirty="0">
-                  <a:latin typeface="メイリオ" panose="020B0604030504040204" pitchFamily="50" charset="-128"/>
+                  <a:latin typeface="Segoe UI" panose="020B0502040204020203" pitchFamily="34" charset="0"/>
                   <a:ea typeface="メイリオ" panose="020B0604030504040204" pitchFamily="50" charset="-128"/>
+                  <a:cs typeface="Segoe UI" panose="020B0502040204020203" pitchFamily="34" charset="0"/>
                 </a:rPr>
                 <a:t>Latent needs</a:t>
               </a:r>
               <a:endParaRPr kumimoji="1" lang="ja-JP" altLang="en-US" sz="2000" b="1" dirty="0">
-                <a:latin typeface="メイリオ" panose="020B0604030504040204" pitchFamily="50" charset="-128"/>
+                <a:latin typeface="Segoe UI" panose="020B0502040204020203" pitchFamily="34" charset="0"/>
                 <a:ea typeface="メイリオ" panose="020B0604030504040204" pitchFamily="50" charset="-128"/>
+                <a:cs typeface="Segoe UI" panose="020B0502040204020203" pitchFamily="34" charset="0"/>
               </a:endParaRPr>
             </a:p>
           </p:txBody>
@@ -13569,7 +13977,10 @@
             <a:lstStyle/>
             <a:p>
               <a:pPr algn="ctr"/>
-              <a:endParaRPr kumimoji="1" lang="ja-JP" altLang="en-US"/>
+              <a:endParaRPr kumimoji="1" lang="ja-JP" altLang="en-US">
+                <a:latin typeface="Segoe UI" panose="020B0502040204020203" pitchFamily="34" charset="0"/>
+                <a:cs typeface="Segoe UI" panose="020B0502040204020203" pitchFamily="34" charset="0"/>
+              </a:endParaRPr>
             </a:p>
           </p:txBody>
         </p:sp>
@@ -13623,8 +14034,9 @@
                   <a:solidFill>
                     <a:schemeClr val="tx1"/>
                   </a:solidFill>
-                  <a:latin typeface="メイリオ" panose="020B0604030504040204" pitchFamily="50" charset="-128"/>
+                  <a:latin typeface="Segoe UI" panose="020B0502040204020203" pitchFamily="34" charset="0"/>
                   <a:ea typeface="メイリオ" panose="020B0604030504040204" pitchFamily="50" charset="-128"/>
+                  <a:cs typeface="Segoe UI" panose="020B0502040204020203" pitchFamily="34" charset="0"/>
                 </a:rPr>
                 <a:t>Quality is more important than price</a:t>
               </a:r>
@@ -13632,8 +14044,9 @@
                 <a:solidFill>
                   <a:schemeClr val="tx1"/>
                 </a:solidFill>
-                <a:latin typeface="メイリオ" panose="020B0604030504040204" pitchFamily="50" charset="-128"/>
+                <a:latin typeface="Segoe UI" panose="020B0502040204020203" pitchFamily="34" charset="0"/>
                 <a:ea typeface="メイリオ" panose="020B0604030504040204" pitchFamily="50" charset="-128"/>
+                <a:cs typeface="Segoe UI" panose="020B0502040204020203" pitchFamily="34" charset="0"/>
               </a:endParaRPr>
             </a:p>
           </p:txBody>
@@ -13688,8 +14101,9 @@
                   <a:solidFill>
                     <a:schemeClr val="tx1"/>
                   </a:solidFill>
-                  <a:latin typeface="メイリオ" panose="020B0604030504040204" pitchFamily="50" charset="-128"/>
+                  <a:latin typeface="Segoe UI" panose="020B0502040204020203" pitchFamily="34" charset="0"/>
                   <a:ea typeface="メイリオ" panose="020B0604030504040204" pitchFamily="50" charset="-128"/>
+                  <a:cs typeface="Segoe UI" panose="020B0502040204020203" pitchFamily="34" charset="0"/>
                 </a:rPr>
                 <a:t>Actually, I’d like it if X was possible</a:t>
               </a:r>
@@ -13697,8 +14111,9 @@
                 <a:solidFill>
                   <a:schemeClr val="tx1"/>
                 </a:solidFill>
-                <a:latin typeface="メイリオ" panose="020B0604030504040204" pitchFamily="50" charset="-128"/>
+                <a:latin typeface="Segoe UI" panose="020B0502040204020203" pitchFamily="34" charset="0"/>
                 <a:ea typeface="メイリオ" panose="020B0604030504040204" pitchFamily="50" charset="-128"/>
+                <a:cs typeface="Segoe UI" panose="020B0502040204020203" pitchFamily="34" charset="0"/>
               </a:endParaRPr>
             </a:p>
           </p:txBody>
@@ -13750,10 +14165,16 @@
           <a:lstStyle/>
           <a:p>
             <a:r>
-              <a:rPr lang="en-US" altLang="ja-JP" dirty="0"/>
+              <a:rPr lang="en-US" altLang="ja-JP" dirty="0">
+                <a:latin typeface="Segoe UI" panose="020B0502040204020203" pitchFamily="34" charset="0"/>
+                <a:cs typeface="Segoe UI" panose="020B0502040204020203" pitchFamily="34" charset="0"/>
+              </a:rPr>
               <a:t>Management of economic viability</a:t>
             </a:r>
-            <a:endParaRPr kumimoji="1" lang="ja-JP" altLang="en-US" dirty="0"/>
+            <a:endParaRPr kumimoji="1" lang="ja-JP" altLang="en-US" dirty="0">
+              <a:latin typeface="Segoe UI" panose="020B0502040204020203" pitchFamily="34" charset="0"/>
+              <a:cs typeface="Segoe UI" panose="020B0502040204020203" pitchFamily="34" charset="0"/>
+            </a:endParaRPr>
           </a:p>
         </p:txBody>
       </p:sp>
@@ -13781,16 +14202,25 @@
               <a:buNone/>
             </a:pPr>
             <a:r>
-              <a:rPr lang="en-US" altLang="ja-JP" dirty="0"/>
+              <a:rPr lang="en-US" altLang="ja-JP" dirty="0">
+                <a:latin typeface="Segoe UI" panose="020B0502040204020203" pitchFamily="34" charset="0"/>
+                <a:cs typeface="Segoe UI" panose="020B0502040204020203" pitchFamily="34" charset="0"/>
+              </a:rPr>
               <a:t>ROI</a:t>
             </a:r>
-            <a:endParaRPr kumimoji="1" lang="en-US" altLang="ja-JP" dirty="0"/>
+            <a:endParaRPr kumimoji="1" lang="en-US" altLang="ja-JP" dirty="0">
+              <a:latin typeface="Segoe UI" panose="020B0502040204020203" pitchFamily="34" charset="0"/>
+              <a:cs typeface="Segoe UI" panose="020B0502040204020203" pitchFamily="34" charset="0"/>
+            </a:endParaRPr>
           </a:p>
           <a:p>
             <a:pPr marL="0" indent="0">
               <a:buNone/>
             </a:pPr>
-            <a:endParaRPr kumimoji="1" lang="ja-JP" altLang="en-US" dirty="0"/>
+            <a:endParaRPr kumimoji="1" lang="ja-JP" altLang="en-US" dirty="0">
+              <a:latin typeface="Segoe UI" panose="020B0502040204020203" pitchFamily="34" charset="0"/>
+              <a:cs typeface="Segoe UI" panose="020B0502040204020203" pitchFamily="34" charset="0"/>
+            </a:endParaRPr>
           </a:p>
         </p:txBody>
       </p:sp>
@@ -13814,6 +14244,8 @@
                 <a:solidFill>
                   <a:srgbClr val="000000"/>
                 </a:solidFill>
+                <a:latin typeface="Segoe UI" panose="020B0502040204020203" pitchFamily="34" charset="0"/>
+                <a:cs typeface="Segoe UI" panose="020B0502040204020203" pitchFamily="34" charset="0"/>
               </a:rPr>
               <a:pPr/>
               <a:t>22</a:t>
@@ -13822,6 +14254,8 @@
               <a:solidFill>
                 <a:srgbClr val="000000"/>
               </a:solidFill>
+              <a:latin typeface="Segoe UI" panose="020B0502040204020203" pitchFamily="34" charset="0"/>
+              <a:cs typeface="Segoe UI" panose="020B0502040204020203" pitchFamily="34" charset="0"/>
             </a:endParaRPr>
           </a:p>
         </p:txBody>
@@ -13875,8 +14309,9 @@
                 <a:solidFill>
                   <a:schemeClr val="tx1"/>
                 </a:solidFill>
-                <a:latin typeface="メイリオ" panose="020B0604030504040204" pitchFamily="50" charset="-128"/>
+                <a:latin typeface="Segoe UI" panose="020B0502040204020203" pitchFamily="34" charset="0"/>
                 <a:ea typeface="メイリオ" panose="020B0604030504040204" pitchFamily="50" charset="-128"/>
+                <a:cs typeface="Segoe UI" panose="020B0502040204020203" pitchFamily="34" charset="0"/>
               </a:rPr>
               <a:t>Product owners need to </a:t>
             </a:r>
@@ -13885,8 +14320,9 @@
                 <a:solidFill>
                   <a:schemeClr val="tx1"/>
                 </a:solidFill>
-                <a:latin typeface="メイリオ" panose="020B0604030504040204" pitchFamily="50" charset="-128"/>
+                <a:latin typeface="Segoe UI" panose="020B0502040204020203" pitchFamily="34" charset="0"/>
                 <a:ea typeface="メイリオ" panose="020B0604030504040204" pitchFamily="50" charset="-128"/>
+                <a:cs typeface="Segoe UI" panose="020B0502040204020203" pitchFamily="34" charset="0"/>
               </a:rPr>
               <a:t>make controlled investments </a:t>
             </a:r>
@@ -13895,8 +14331,9 @@
                 <a:solidFill>
                   <a:schemeClr val="tx1"/>
                 </a:solidFill>
-                <a:latin typeface="メイリオ" panose="020B0604030504040204" pitchFamily="50" charset="-128"/>
+                <a:latin typeface="Segoe UI" panose="020B0502040204020203" pitchFamily="34" charset="0"/>
                 <a:ea typeface="メイリオ" panose="020B0604030504040204" pitchFamily="50" charset="-128"/>
+                <a:cs typeface="Segoe UI" panose="020B0502040204020203" pitchFamily="34" charset="0"/>
               </a:rPr>
               <a:t>to maximize ROI.</a:t>
             </a:r>
@@ -13904,8 +14341,9 @@
               <a:solidFill>
                 <a:schemeClr val="tx1"/>
               </a:solidFill>
-              <a:latin typeface="メイリオ" panose="020B0604030504040204" pitchFamily="50" charset="-128"/>
+              <a:latin typeface="Segoe UI" panose="020B0502040204020203" pitchFamily="34" charset="0"/>
               <a:ea typeface="メイリオ" panose="020B0604030504040204" pitchFamily="50" charset="-128"/>
+              <a:cs typeface="Segoe UI" panose="020B0502040204020203" pitchFamily="34" charset="0"/>
             </a:endParaRPr>
           </a:p>
         </p:txBody>
@@ -14251,10 +14689,16 @@
           <a:lstStyle/>
           <a:p>
             <a:r>
-              <a:rPr lang="en-US" altLang="ja-JP" dirty="0"/>
+              <a:rPr lang="en-US" altLang="ja-JP" dirty="0">
+                <a:latin typeface="Segoe UI" panose="020B0502040204020203" pitchFamily="34" charset="0"/>
+                <a:cs typeface="Segoe UI" panose="020B0502040204020203" pitchFamily="34" charset="0"/>
+              </a:rPr>
               <a:t>Management of economic viability</a:t>
             </a:r>
-            <a:endParaRPr kumimoji="1" lang="ja-JP" altLang="en-US" dirty="0"/>
+            <a:endParaRPr kumimoji="1" lang="ja-JP" altLang="en-US" dirty="0">
+              <a:latin typeface="Segoe UI" panose="020B0502040204020203" pitchFamily="34" charset="0"/>
+              <a:cs typeface="Segoe UI" panose="020B0502040204020203" pitchFamily="34" charset="0"/>
+            </a:endParaRPr>
           </a:p>
         </p:txBody>
       </p:sp>
@@ -14282,7 +14726,10 @@
               <a:buNone/>
             </a:pPr>
             <a:r>
-              <a:rPr lang="en-US" altLang="ja-JP" b="1" dirty="0"/>
+              <a:rPr lang="en-US" altLang="ja-JP" b="1" dirty="0">
+                <a:latin typeface="Segoe UI" panose="020B0502040204020203" pitchFamily="34" charset="0"/>
+                <a:cs typeface="Segoe UI" panose="020B0502040204020203" pitchFamily="34" charset="0"/>
+              </a:rPr>
               <a:t>Economic viability of product backlog</a:t>
             </a:r>
           </a:p>
@@ -14291,7 +14738,10 @@
               <a:buNone/>
             </a:pPr>
             <a:r>
-              <a:rPr lang="en-US" altLang="ja-JP" dirty="0"/>
+              <a:rPr lang="en-US" altLang="ja-JP" dirty="0">
+                <a:latin typeface="Segoe UI" panose="020B0502040204020203" pitchFamily="34" charset="0"/>
+                <a:cs typeface="Segoe UI" panose="020B0502040204020203" pitchFamily="34" charset="0"/>
+              </a:rPr>
               <a:t>There is a tradeoff between the requirements of a product (for example, adding a new function will lengthen the development time). </a:t>
             </a:r>
           </a:p>
@@ -14300,7 +14750,10 @@
               <a:buNone/>
             </a:pPr>
             <a:r>
-              <a:rPr lang="en-US" altLang="ja-JP" dirty="0"/>
+              <a:rPr lang="en-US" altLang="ja-JP" dirty="0">
+                <a:latin typeface="Segoe UI" panose="020B0502040204020203" pitchFamily="34" charset="0"/>
+                <a:cs typeface="Segoe UI" panose="020B0502040204020203" pitchFamily="34" charset="0"/>
+              </a:rPr>
               <a:t>Product owners need to judge which is the highest priority and reflect that in the product backlog.</a:t>
             </a:r>
           </a:p>
@@ -14326,6 +14779,8 @@
                 <a:solidFill>
                   <a:srgbClr val="000000"/>
                 </a:solidFill>
+                <a:latin typeface="Segoe UI" panose="020B0502040204020203" pitchFamily="34" charset="0"/>
+                <a:cs typeface="Segoe UI" panose="020B0502040204020203" pitchFamily="34" charset="0"/>
               </a:rPr>
               <a:pPr/>
               <a:t>23</a:t>
@@ -14334,6 +14789,8 @@
               <a:solidFill>
                 <a:srgbClr val="000000"/>
               </a:solidFill>
+              <a:latin typeface="Segoe UI" panose="020B0502040204020203" pitchFamily="34" charset="0"/>
+              <a:cs typeface="Segoe UI" panose="020B0502040204020203" pitchFamily="34" charset="0"/>
             </a:endParaRPr>
           </a:p>
         </p:txBody>
@@ -14567,8 +15024,9 @@
                 <a:solidFill>
                   <a:schemeClr val="tx1"/>
                 </a:solidFill>
-                <a:latin typeface="メイリオ" panose="020B0604030504040204" pitchFamily="50" charset="-128"/>
+                <a:latin typeface="Segoe UI" panose="020B0502040204020203" pitchFamily="34" charset="0"/>
                 <a:ea typeface="メイリオ" panose="020B0604030504040204" pitchFamily="50" charset="-128"/>
+                <a:cs typeface="Segoe UI" panose="020B0502040204020203" pitchFamily="34" charset="0"/>
               </a:rPr>
               <a:t>The priority order of the product backlog is decided based on hypotheses, which means that it constantly changes in response to new information and situations.</a:t>
             </a:r>
@@ -14579,8 +15037,9 @@
                 <a:solidFill>
                   <a:schemeClr val="tx1"/>
                 </a:solidFill>
-                <a:latin typeface="メイリオ" panose="020B0604030504040204" pitchFamily="50" charset="-128"/>
+                <a:latin typeface="Segoe UI" panose="020B0502040204020203" pitchFamily="34" charset="0"/>
                 <a:ea typeface="メイリオ" panose="020B0604030504040204" pitchFamily="50" charset="-128"/>
+                <a:cs typeface="Segoe UI" panose="020B0502040204020203" pitchFamily="34" charset="0"/>
               </a:rPr>
               <a:t>Product owners need to make sure that the priority order is suitable on an ongoing basis.</a:t>
             </a:r>
@@ -14666,8 +15125,9 @@
                 <a:solidFill>
                   <a:schemeClr val="tx1"/>
                 </a:solidFill>
-                <a:latin typeface="メイリオ" panose="020B0604030504040204" pitchFamily="50" charset="-128"/>
+                <a:latin typeface="Segoe UI" panose="020B0502040204020203" pitchFamily="34" charset="0"/>
                 <a:ea typeface="メイリオ" panose="020B0604030504040204" pitchFamily="50" charset="-128"/>
+                <a:cs typeface="Segoe UI" panose="020B0502040204020203" pitchFamily="34" charset="0"/>
               </a:rPr>
               <a:t>Making the development team aware of the need for each function from an economic perspective guarantees transparency. The development team understands the functions better and feels more invested, which makes the development team more autonomous. </a:t>
             </a:r>
@@ -14678,8 +15138,9 @@
                 <a:solidFill>
                   <a:schemeClr val="tx1"/>
                 </a:solidFill>
-                <a:latin typeface="メイリオ" panose="020B0604030504040204" pitchFamily="50" charset="-128"/>
+                <a:latin typeface="Segoe UI" panose="020B0502040204020203" pitchFamily="34" charset="0"/>
                 <a:ea typeface="メイリオ" panose="020B0604030504040204" pitchFamily="50" charset="-128"/>
+                <a:cs typeface="Segoe UI" panose="020B0502040204020203" pitchFamily="34" charset="0"/>
               </a:rPr>
               <a:t>For this reason, product owners should ideally be proactive about sharing the current economic situation and the economic implications of the product.</a:t>
             </a:r>
@@ -14735,12 +15196,16 @@
                 <a:solidFill>
                   <a:schemeClr val="tx1"/>
                 </a:solidFill>
-                <a:latin typeface="メイリオ" panose="020B0604030504040204" pitchFamily="50" charset="-128"/>
+                <a:latin typeface="Segoe UI" panose="020B0502040204020203" pitchFamily="34" charset="0"/>
                 <a:ea typeface="メイリオ" panose="020B0604030504040204" pitchFamily="50" charset="-128"/>
+                <a:cs typeface="Segoe UI" panose="020B0502040204020203" pitchFamily="34" charset="0"/>
               </a:rPr>
               <a:t>Product owners need to constantly address multiple market issues and increase the value of the product they are spearheading in response to those issues. The return must not be limited to one type; product owners must constantly be aware of who the value of the product needs to appeal to. </a:t>
             </a:r>
-            <a:endParaRPr lang="en-US" altLang="ja-JP" dirty="0"/>
+            <a:endParaRPr lang="en-US" altLang="ja-JP" dirty="0">
+              <a:latin typeface="Segoe UI" panose="020B0502040204020203" pitchFamily="34" charset="0"/>
+              <a:cs typeface="Segoe UI" panose="020B0502040204020203" pitchFamily="34" charset="0"/>
+            </a:endParaRPr>
           </a:p>
         </p:txBody>
       </p:sp>
@@ -14760,10 +15225,16 @@
           <a:lstStyle/>
           <a:p>
             <a:r>
-              <a:rPr lang="en-US" altLang="ja-JP" dirty="0"/>
+              <a:rPr lang="en-US" altLang="ja-JP" dirty="0">
+                <a:latin typeface="Segoe UI" panose="020B0502040204020203" pitchFamily="34" charset="0"/>
+                <a:cs typeface="Segoe UI" panose="020B0502040204020203" pitchFamily="34" charset="0"/>
+              </a:rPr>
               <a:t>Management of economic viability</a:t>
             </a:r>
-            <a:endParaRPr kumimoji="1" lang="ja-JP" altLang="en-US" dirty="0"/>
+            <a:endParaRPr kumimoji="1" lang="ja-JP" altLang="en-US" dirty="0">
+              <a:latin typeface="Segoe UI" panose="020B0502040204020203" pitchFamily="34" charset="0"/>
+              <a:cs typeface="Segoe UI" panose="020B0502040204020203" pitchFamily="34" charset="0"/>
+            </a:endParaRPr>
           </a:p>
         </p:txBody>
       </p:sp>
@@ -14793,7 +15264,10 @@
               <a:buNone/>
             </a:pPr>
             <a:r>
-              <a:rPr lang="en-US" altLang="ja-JP" dirty="0"/>
+              <a:rPr lang="en-US" altLang="ja-JP" dirty="0">
+                <a:latin typeface="Segoe UI" panose="020B0502040204020203" pitchFamily="34" charset="0"/>
+                <a:cs typeface="Segoe UI" panose="020B0502040204020203" pitchFamily="34" charset="0"/>
+              </a:rPr>
               <a:t>Points of caution</a:t>
             </a:r>
           </a:p>
@@ -14801,13 +15275,19 @@
             <a:pPr marL="0" indent="0">
               <a:buNone/>
             </a:pPr>
-            <a:endParaRPr lang="en-US" altLang="ja-JP" sz="1300" dirty="0"/>
+            <a:endParaRPr lang="en-US" altLang="ja-JP" sz="1300" dirty="0">
+              <a:latin typeface="Segoe UI" panose="020B0502040204020203" pitchFamily="34" charset="0"/>
+              <a:cs typeface="Segoe UI" panose="020B0502040204020203" pitchFamily="34" charset="0"/>
+            </a:endParaRPr>
           </a:p>
           <a:p>
             <a:pPr marL="0" indent="0">
               <a:buNone/>
             </a:pPr>
-            <a:endParaRPr lang="en-US" altLang="ja-JP" sz="1300" dirty="0"/>
+            <a:endParaRPr lang="en-US" altLang="ja-JP" sz="1300" dirty="0">
+              <a:latin typeface="Segoe UI" panose="020B0502040204020203" pitchFamily="34" charset="0"/>
+              <a:cs typeface="Segoe UI" panose="020B0502040204020203" pitchFamily="34" charset="0"/>
+            </a:endParaRPr>
           </a:p>
           <a:p>
             <a:pPr>
@@ -14815,7 +15295,10 @@
               <a:buChar char="l"/>
             </a:pPr>
             <a:r>
-              <a:rPr lang="en-US" altLang="ja-JP" sz="3200" b="1" dirty="0"/>
+              <a:rPr lang="en-US" altLang="ja-JP" sz="3200" b="1" dirty="0">
+                <a:latin typeface="Segoe UI" panose="020B0502040204020203" pitchFamily="34" charset="0"/>
+                <a:cs typeface="Segoe UI" panose="020B0502040204020203" pitchFamily="34" charset="0"/>
+              </a:rPr>
               <a:t>Product owners are responsible for maximizing the value of the product the development team creates</a:t>
             </a:r>
           </a:p>
@@ -14823,47 +15306,68 @@
             <a:pPr marL="0" indent="0">
               <a:buNone/>
             </a:pPr>
-            <a:endParaRPr lang="en-US" altLang="ja-JP" dirty="0"/>
+            <a:endParaRPr lang="en-US" altLang="ja-JP" dirty="0">
+              <a:latin typeface="Segoe UI" panose="020B0502040204020203" pitchFamily="34" charset="0"/>
+              <a:cs typeface="Segoe UI" panose="020B0502040204020203" pitchFamily="34" charset="0"/>
+            </a:endParaRPr>
           </a:p>
           <a:p>
             <a:pPr marL="0" indent="0">
               <a:buNone/>
             </a:pPr>
-            <a:endParaRPr lang="en-US" altLang="ja-JP" dirty="0"/>
+            <a:endParaRPr lang="en-US" altLang="ja-JP" dirty="0">
+              <a:latin typeface="Segoe UI" panose="020B0502040204020203" pitchFamily="34" charset="0"/>
+              <a:cs typeface="Segoe UI" panose="020B0502040204020203" pitchFamily="34" charset="0"/>
+            </a:endParaRPr>
           </a:p>
           <a:p>
             <a:pPr marL="0" indent="0">
               <a:buNone/>
             </a:pPr>
-            <a:endParaRPr lang="en-US" altLang="ja-JP" dirty="0"/>
+            <a:endParaRPr lang="en-US" altLang="ja-JP" dirty="0">
+              <a:latin typeface="Segoe UI" panose="020B0502040204020203" pitchFamily="34" charset="0"/>
+              <a:cs typeface="Segoe UI" panose="020B0502040204020203" pitchFamily="34" charset="0"/>
+            </a:endParaRPr>
           </a:p>
           <a:p>
             <a:pPr>
               <a:buFont typeface="Wingdings" panose="05000000000000000000" pitchFamily="2" charset="2"/>
               <a:buChar char="l"/>
             </a:pPr>
-            <a:endParaRPr lang="en-US" altLang="ja-JP" b="1" dirty="0"/>
+            <a:endParaRPr lang="en-US" altLang="ja-JP" b="1" dirty="0">
+              <a:latin typeface="Segoe UI" panose="020B0502040204020203" pitchFamily="34" charset="0"/>
+              <a:cs typeface="Segoe UI" panose="020B0502040204020203" pitchFamily="34" charset="0"/>
+            </a:endParaRPr>
           </a:p>
           <a:p>
             <a:pPr>
               <a:buFont typeface="Wingdings" panose="05000000000000000000" pitchFamily="2" charset="2"/>
               <a:buChar char="l"/>
             </a:pPr>
-            <a:endParaRPr lang="en-US" altLang="ja-JP" b="1" dirty="0"/>
+            <a:endParaRPr lang="en-US" altLang="ja-JP" b="1" dirty="0">
+              <a:latin typeface="Segoe UI" panose="020B0502040204020203" pitchFamily="34" charset="0"/>
+              <a:cs typeface="Segoe UI" panose="020B0502040204020203" pitchFamily="34" charset="0"/>
+            </a:endParaRPr>
           </a:p>
           <a:p>
             <a:pPr>
               <a:buFont typeface="Wingdings" panose="05000000000000000000" pitchFamily="2" charset="2"/>
               <a:buChar char="l"/>
             </a:pPr>
-            <a:endParaRPr lang="en-US" altLang="ja-JP" b="1" dirty="0"/>
+            <a:endParaRPr lang="en-US" altLang="ja-JP" b="1" dirty="0">
+              <a:latin typeface="Segoe UI" panose="020B0502040204020203" pitchFamily="34" charset="0"/>
+              <a:cs typeface="Segoe UI" panose="020B0502040204020203" pitchFamily="34" charset="0"/>
+            </a:endParaRPr>
           </a:p>
           <a:p>
             <a:pPr>
               <a:buFont typeface="Wingdings" panose="05000000000000000000" pitchFamily="2" charset="2"/>
               <a:buChar char="l"/>
             </a:pPr>
-            <a:endParaRPr lang="en-US" altLang="ja-JP" b="1" dirty="0"/>
+            <a:endParaRPr lang="en-US" altLang="ja-JP" b="1" dirty="0">
+              <a:latin typeface="Segoe UI" panose="020B0502040204020203" pitchFamily="34" charset="0"/>
+              <a:cs typeface="Segoe UI" panose="020B0502040204020203" pitchFamily="34" charset="0"/>
+            </a:endParaRPr>
           </a:p>
           <a:p>
             <a:pPr>
@@ -14871,10 +15375,16 @@
               <a:buChar char="l"/>
             </a:pPr>
             <a:r>
-              <a:rPr lang="en-US" altLang="ja-JP" sz="2900" b="1" dirty="0"/>
+              <a:rPr lang="en-US" altLang="ja-JP" sz="2900" b="1" dirty="0">
+                <a:latin typeface="Segoe UI" panose="020B0502040204020203" pitchFamily="34" charset="0"/>
+                <a:cs typeface="Segoe UI" panose="020B0502040204020203" pitchFamily="34" charset="0"/>
+              </a:rPr>
               <a:t>Economic perspectives should ideally also be shared with the development team </a:t>
             </a:r>
-            <a:endParaRPr lang="en-US" altLang="ja-JP" sz="2900" dirty="0"/>
+            <a:endParaRPr lang="en-US" altLang="ja-JP" sz="2900" dirty="0">
+              <a:latin typeface="Segoe UI" panose="020B0502040204020203" pitchFamily="34" charset="0"/>
+              <a:cs typeface="Segoe UI" panose="020B0502040204020203" pitchFamily="34" charset="0"/>
+            </a:endParaRPr>
           </a:p>
         </p:txBody>
       </p:sp>
@@ -14898,6 +15408,8 @@
                 <a:solidFill>
                   <a:srgbClr val="000000"/>
                 </a:solidFill>
+                <a:latin typeface="Segoe UI" panose="020B0502040204020203" pitchFamily="34" charset="0"/>
+                <a:cs typeface="Segoe UI" panose="020B0502040204020203" pitchFamily="34" charset="0"/>
               </a:rPr>
               <a:pPr/>
               <a:t>24</a:t>
@@ -14906,6 +15418,8 @@
               <a:solidFill>
                 <a:srgbClr val="000000"/>
               </a:solidFill>
+              <a:latin typeface="Segoe UI" panose="020B0502040204020203" pitchFamily="34" charset="0"/>
+              <a:cs typeface="Segoe UI" panose="020B0502040204020203" pitchFamily="34" charset="0"/>
             </a:endParaRPr>
           </a:p>
         </p:txBody>
@@ -14956,10 +15470,16 @@
           <a:lstStyle/>
           <a:p>
             <a:r>
-              <a:rPr lang="en-US" altLang="ja-JP" dirty="0"/>
+              <a:rPr lang="en-US" altLang="ja-JP" dirty="0">
+                <a:latin typeface="Segoe UI" panose="020B0502040204020203" pitchFamily="34" charset="0"/>
+                <a:cs typeface="Segoe UI" panose="020B0502040204020203" pitchFamily="34" charset="0"/>
+              </a:rPr>
               <a:t>Working together with the scrum team</a:t>
             </a:r>
-            <a:endParaRPr kumimoji="1" lang="ja-JP" altLang="en-US" dirty="0"/>
+            <a:endParaRPr kumimoji="1" lang="ja-JP" altLang="en-US" dirty="0">
+              <a:latin typeface="Segoe UI" panose="020B0502040204020203" pitchFamily="34" charset="0"/>
+              <a:cs typeface="Segoe UI" panose="020B0502040204020203" pitchFamily="34" charset="0"/>
+            </a:endParaRPr>
           </a:p>
         </p:txBody>
       </p:sp>
@@ -14983,6 +15503,8 @@
                 <a:solidFill>
                   <a:srgbClr val="000000"/>
                 </a:solidFill>
+                <a:latin typeface="Segoe UI" panose="020B0502040204020203" pitchFamily="34" charset="0"/>
+                <a:cs typeface="Segoe UI" panose="020B0502040204020203" pitchFamily="34" charset="0"/>
               </a:rPr>
               <a:pPr/>
               <a:t>25</a:t>
@@ -14991,6 +15513,8 @@
               <a:solidFill>
                 <a:srgbClr val="000000"/>
               </a:solidFill>
+              <a:latin typeface="Segoe UI" panose="020B0502040204020203" pitchFamily="34" charset="0"/>
+              <a:cs typeface="Segoe UI" panose="020B0502040204020203" pitchFamily="34" charset="0"/>
             </a:endParaRPr>
           </a:p>
         </p:txBody>
@@ -15046,6 +15570,8 @@
               <a:solidFill>
                 <a:schemeClr val="tx1"/>
               </a:solidFill>
+              <a:latin typeface="Segoe UI" panose="020B0502040204020203" pitchFamily="34" charset="0"/>
+              <a:cs typeface="Segoe UI" panose="020B0502040204020203" pitchFamily="34" charset="0"/>
             </a:endParaRPr>
           </a:p>
         </p:txBody>
@@ -15105,14 +15631,16 @@
             <a:pPr algn="ctr"/>
             <a:r>
               <a:rPr lang="en-US" altLang="ja-JP" b="1" dirty="0">
-                <a:latin typeface="メイリオ" panose="020B0604030504040204" pitchFamily="50" charset="-128"/>
+                <a:latin typeface="Segoe UI" panose="020B0502040204020203" pitchFamily="34" charset="0"/>
                 <a:ea typeface="メイリオ" panose="020B0604030504040204" pitchFamily="50" charset="-128"/>
+                <a:cs typeface="Segoe UI" panose="020B0502040204020203" pitchFamily="34" charset="0"/>
               </a:rPr>
               <a:t>Product owner</a:t>
             </a:r>
             <a:endParaRPr kumimoji="1" lang="ja-JP" altLang="en-US" b="1" dirty="0">
-              <a:latin typeface="メイリオ" panose="020B0604030504040204" pitchFamily="50" charset="-128"/>
+              <a:latin typeface="Segoe UI" panose="020B0502040204020203" pitchFamily="34" charset="0"/>
               <a:ea typeface="メイリオ" panose="020B0604030504040204" pitchFamily="50" charset="-128"/>
+              <a:cs typeface="Segoe UI" panose="020B0502040204020203" pitchFamily="34" charset="0"/>
             </a:endParaRPr>
           </a:p>
         </p:txBody>
@@ -15156,7 +15684,7 @@
         <p:spPr>
           <a:xfrm>
             <a:off x="4927064" y="3968466"/>
-            <a:ext cx="1896594" cy="584775"/>
+            <a:ext cx="1896594" cy="338554"/>
           </a:xfrm>
           <a:prstGeom prst="rect">
             <a:avLst/>
@@ -15172,14 +15700,16 @@
             <a:pPr algn="ctr"/>
             <a:r>
               <a:rPr lang="en-US" altLang="ja-JP" sz="1600" dirty="0">
-                <a:latin typeface="メイリオ" panose="020B0604030504040204" pitchFamily="50" charset="-128"/>
+                <a:latin typeface="Segoe UI" panose="020B0502040204020203" pitchFamily="34" charset="0"/>
                 <a:ea typeface="メイリオ" panose="020B0604030504040204" pitchFamily="50" charset="-128"/>
+                <a:cs typeface="Segoe UI" panose="020B0502040204020203" pitchFamily="34" charset="0"/>
               </a:rPr>
               <a:t>Development team</a:t>
             </a:r>
             <a:endParaRPr kumimoji="1" lang="ja-JP" altLang="en-US" sz="1600" dirty="0">
-              <a:latin typeface="メイリオ" panose="020B0604030504040204" pitchFamily="50" charset="-128"/>
+              <a:latin typeface="Segoe UI" panose="020B0502040204020203" pitchFamily="34" charset="0"/>
               <a:ea typeface="メイリオ" panose="020B0604030504040204" pitchFamily="50" charset="-128"/>
+              <a:cs typeface="Segoe UI" panose="020B0502040204020203" pitchFamily="34" charset="0"/>
             </a:endParaRPr>
           </a:p>
         </p:txBody>
@@ -15239,14 +15769,16 @@
             <a:pPr algn="ctr"/>
             <a:r>
               <a:rPr lang="en-US" altLang="ja-JP" sz="1600" dirty="0">
-                <a:latin typeface="メイリオ" panose="020B0604030504040204" pitchFamily="50" charset="-128"/>
+                <a:latin typeface="Segoe UI" panose="020B0502040204020203" pitchFamily="34" charset="0"/>
                 <a:ea typeface="メイリオ" panose="020B0604030504040204" pitchFamily="50" charset="-128"/>
+                <a:cs typeface="Segoe UI" panose="020B0502040204020203" pitchFamily="34" charset="0"/>
               </a:rPr>
               <a:t>Scrum master</a:t>
             </a:r>
             <a:endParaRPr kumimoji="1" lang="ja-JP" altLang="en-US" sz="1600" dirty="0">
-              <a:latin typeface="メイリオ" panose="020B0604030504040204" pitchFamily="50" charset="-128"/>
+              <a:latin typeface="Segoe UI" panose="020B0502040204020203" pitchFamily="34" charset="0"/>
               <a:ea typeface="メイリオ" panose="020B0604030504040204" pitchFamily="50" charset="-128"/>
+              <a:cs typeface="Segoe UI" panose="020B0502040204020203" pitchFamily="34" charset="0"/>
             </a:endParaRPr>
           </a:p>
         </p:txBody>
@@ -15276,14 +15808,16 @@
             <a:pPr algn="ctr"/>
             <a:r>
               <a:rPr lang="en-US" altLang="ja-JP" dirty="0">
-                <a:latin typeface="メイリオ" panose="020B0604030504040204" pitchFamily="50" charset="-128"/>
+                <a:latin typeface="Segoe UI" panose="020B0502040204020203" pitchFamily="34" charset="0"/>
                 <a:ea typeface="メイリオ" panose="020B0604030504040204" pitchFamily="50" charset="-128"/>
+                <a:cs typeface="Segoe UI" panose="020B0502040204020203" pitchFamily="34" charset="0"/>
               </a:rPr>
               <a:t>Scrum team</a:t>
             </a:r>
             <a:endParaRPr kumimoji="1" lang="ja-JP" altLang="en-US" dirty="0">
-              <a:latin typeface="メイリオ" panose="020B0604030504040204" pitchFamily="50" charset="-128"/>
+              <a:latin typeface="Segoe UI" panose="020B0502040204020203" pitchFamily="34" charset="0"/>
               <a:ea typeface="メイリオ" panose="020B0604030504040204" pitchFamily="50" charset="-128"/>
+              <a:cs typeface="Segoe UI" panose="020B0502040204020203" pitchFamily="34" charset="0"/>
             </a:endParaRPr>
           </a:p>
         </p:txBody>
@@ -15312,10 +15846,16 @@
               <a:buNone/>
             </a:pPr>
             <a:r>
-              <a:rPr lang="en-US" altLang="ja-JP" dirty="0"/>
+              <a:rPr lang="en-US" altLang="ja-JP" dirty="0">
+                <a:latin typeface="Segoe UI" panose="020B0502040204020203" pitchFamily="34" charset="0"/>
+                <a:cs typeface="Segoe UI" panose="020B0502040204020203" pitchFamily="34" charset="0"/>
+              </a:rPr>
               <a:t>To achieve their mission of improving the value of the product, product owners need to work together with the scrum master and development team.</a:t>
             </a:r>
-            <a:endParaRPr kumimoji="1" lang="ja-JP" altLang="en-US" dirty="0"/>
+            <a:endParaRPr kumimoji="1" lang="ja-JP" altLang="en-US" dirty="0">
+              <a:latin typeface="Segoe UI" panose="020B0502040204020203" pitchFamily="34" charset="0"/>
+              <a:cs typeface="Segoe UI" panose="020B0502040204020203" pitchFamily="34" charset="0"/>
+            </a:endParaRPr>
           </a:p>
         </p:txBody>
       </p:sp>
@@ -15365,10 +15905,16 @@
           <a:lstStyle/>
           <a:p>
             <a:r>
-              <a:rPr lang="en-US" altLang="ja-JP" dirty="0"/>
+              <a:rPr lang="en-US" altLang="ja-JP" dirty="0">
+                <a:latin typeface="Segoe UI" panose="020B0502040204020203" pitchFamily="34" charset="0"/>
+                <a:cs typeface="Segoe UI" panose="020B0502040204020203" pitchFamily="34" charset="0"/>
+              </a:rPr>
               <a:t>Relationship with the development team</a:t>
             </a:r>
-            <a:endParaRPr kumimoji="1" lang="ja-JP" altLang="en-US" dirty="0"/>
+            <a:endParaRPr kumimoji="1" lang="ja-JP" altLang="en-US" dirty="0">
+              <a:latin typeface="Segoe UI" panose="020B0502040204020203" pitchFamily="34" charset="0"/>
+              <a:cs typeface="Segoe UI" panose="020B0502040204020203" pitchFamily="34" charset="0"/>
+            </a:endParaRPr>
           </a:p>
         </p:txBody>
       </p:sp>
@@ -15391,7 +15937,10 @@
               <a:buNone/>
             </a:pPr>
             <a:r>
-              <a:rPr lang="en-US" altLang="ja-JP" b="1" dirty="0"/>
+              <a:rPr lang="en-US" altLang="ja-JP" b="1" dirty="0">
+                <a:latin typeface="Segoe UI" panose="020B0502040204020203" pitchFamily="34" charset="0"/>
+                <a:cs typeface="Segoe UI" panose="020B0502040204020203" pitchFamily="34" charset="0"/>
+              </a:rPr>
               <a:t>Top-down managers</a:t>
             </a:r>
           </a:p>
@@ -15400,18 +15949,30 @@
               <a:buNone/>
             </a:pPr>
             <a:r>
-              <a:rPr lang="en-US" altLang="ja-JP" dirty="0"/>
+              <a:rPr lang="en-US" altLang="ja-JP" dirty="0">
+                <a:latin typeface="Segoe UI" panose="020B0502040204020203" pitchFamily="34" charset="0"/>
+                <a:cs typeface="Segoe UI" panose="020B0502040204020203" pitchFamily="34" charset="0"/>
+              </a:rPr>
               <a:t>Top-down managers focus on progress management and </a:t>
             </a:r>
             <a:r>
-              <a:rPr lang="en-US" altLang="ja-JP" u="sng" dirty="0"/>
+              <a:rPr lang="en-US" altLang="ja-JP" u="sng" dirty="0">
+                <a:latin typeface="Segoe UI" panose="020B0502040204020203" pitchFamily="34" charset="0"/>
+                <a:cs typeface="Segoe UI" panose="020B0502040204020203" pitchFamily="34" charset="0"/>
+              </a:rPr>
               <a:t>constantly seek reports on progress </a:t>
             </a:r>
             <a:r>
-              <a:rPr lang="en-US" altLang="ja-JP" dirty="0"/>
+              <a:rPr lang="en-US" altLang="ja-JP" dirty="0">
+                <a:latin typeface="Segoe UI" panose="020B0502040204020203" pitchFamily="34" charset="0"/>
+                <a:cs typeface="Segoe UI" panose="020B0502040204020203" pitchFamily="34" charset="0"/>
+              </a:rPr>
               <a:t>from the development team.</a:t>
             </a:r>
-            <a:endParaRPr lang="ja-JP" altLang="en-US" dirty="0"/>
+            <a:endParaRPr lang="ja-JP" altLang="en-US" dirty="0">
+              <a:latin typeface="Segoe UI" panose="020B0502040204020203" pitchFamily="34" charset="0"/>
+              <a:cs typeface="Segoe UI" panose="020B0502040204020203" pitchFamily="34" charset="0"/>
+            </a:endParaRPr>
           </a:p>
         </p:txBody>
       </p:sp>
@@ -15435,6 +15996,8 @@
                 <a:solidFill>
                   <a:srgbClr val="000000"/>
                 </a:solidFill>
+                <a:latin typeface="Segoe UI" panose="020B0502040204020203" pitchFamily="34" charset="0"/>
+                <a:cs typeface="Segoe UI" panose="020B0502040204020203" pitchFamily="34" charset="0"/>
               </a:rPr>
               <a:pPr/>
               <a:t>26</a:t>
@@ -15443,6 +16006,8 @@
               <a:solidFill>
                 <a:srgbClr val="000000"/>
               </a:solidFill>
+              <a:latin typeface="Segoe UI" panose="020B0502040204020203" pitchFamily="34" charset="0"/>
+              <a:cs typeface="Segoe UI" panose="020B0502040204020203" pitchFamily="34" charset="0"/>
             </a:endParaRPr>
           </a:p>
         </p:txBody>
@@ -15500,8 +16065,9 @@
                 <a:pPr algn="ctr"/>
                 <a:r>
                   <a:rPr lang="en-US" altLang="ja-JP" b="1" dirty="0">
-                    <a:latin typeface="メイリオ" panose="020B0604030504040204" pitchFamily="50" charset="-128"/>
+                    <a:latin typeface="Segoe UI" panose="020B0502040204020203" pitchFamily="34" charset="0"/>
                     <a:ea typeface="メイリオ" panose="020B0604030504040204" pitchFamily="50" charset="-128"/>
+                    <a:cs typeface="Segoe UI" panose="020B0502040204020203" pitchFamily="34" charset="0"/>
                   </a:rPr>
                   <a:t>Top-down</a:t>
                 </a:r>
@@ -15510,8 +16076,9 @@
                 <a:pPr algn="ctr"/>
                 <a:r>
                   <a:rPr lang="en-US" altLang="ja-JP" b="1" dirty="0">
-                    <a:latin typeface="メイリオ" panose="020B0604030504040204" pitchFamily="50" charset="-128"/>
+                    <a:latin typeface="Segoe UI" panose="020B0502040204020203" pitchFamily="34" charset="0"/>
                     <a:ea typeface="メイリオ" panose="020B0604030504040204" pitchFamily="50" charset="-128"/>
+                    <a:cs typeface="Segoe UI" panose="020B0502040204020203" pitchFamily="34" charset="0"/>
                   </a:rPr>
                   <a:t>manager</a:t>
                 </a:r>
@@ -15587,14 +16154,16 @@
                   <a:pPr algn="ctr"/>
                   <a:r>
                     <a:rPr lang="en-US" altLang="ja-JP" sz="1600" dirty="0">
-                      <a:latin typeface="メイリオ" panose="020B0604030504040204" pitchFamily="50" charset="-128"/>
+                      <a:latin typeface="Segoe UI" panose="020B0502040204020203" pitchFamily="34" charset="0"/>
                       <a:ea typeface="メイリオ" panose="020B0604030504040204" pitchFamily="50" charset="-128"/>
+                      <a:cs typeface="Segoe UI" panose="020B0502040204020203" pitchFamily="34" charset="0"/>
                     </a:rPr>
                     <a:t>Development team</a:t>
                   </a:r>
                   <a:endParaRPr kumimoji="1" lang="ja-JP" altLang="en-US" sz="1600" dirty="0">
-                    <a:latin typeface="メイリオ" panose="020B0604030504040204" pitchFamily="50" charset="-128"/>
+                    <a:latin typeface="Segoe UI" panose="020B0502040204020203" pitchFamily="34" charset="0"/>
                     <a:ea typeface="メイリオ" panose="020B0604030504040204" pitchFamily="50" charset="-128"/>
+                    <a:cs typeface="Segoe UI" panose="020B0502040204020203" pitchFamily="34" charset="0"/>
                   </a:endParaRPr>
                 </a:p>
               </p:txBody>
@@ -15698,14 +16267,16 @@
               <a:pPr algn="ctr"/>
               <a:r>
                 <a:rPr lang="en-US" altLang="ja-JP" dirty="0">
-                  <a:latin typeface="メイリオ" panose="020B0604030504040204" pitchFamily="50" charset="-128"/>
+                  <a:latin typeface="Segoe UI" panose="020B0502040204020203" pitchFamily="34" charset="0"/>
                   <a:ea typeface="メイリオ" panose="020B0604030504040204" pitchFamily="50" charset="-128"/>
+                  <a:cs typeface="Segoe UI" panose="020B0502040204020203" pitchFamily="34" charset="0"/>
                 </a:rPr>
                 <a:t>Provides plan</a:t>
               </a:r>
               <a:endParaRPr kumimoji="1" lang="ja-JP" altLang="en-US" dirty="0">
-                <a:latin typeface="メイリオ" panose="020B0604030504040204" pitchFamily="50" charset="-128"/>
+                <a:latin typeface="Segoe UI" panose="020B0502040204020203" pitchFamily="34" charset="0"/>
                 <a:ea typeface="メイリオ" panose="020B0604030504040204" pitchFamily="50" charset="-128"/>
+                <a:cs typeface="Segoe UI" panose="020B0502040204020203" pitchFamily="34" charset="0"/>
               </a:endParaRPr>
             </a:p>
           </p:txBody>
@@ -15735,14 +16306,16 @@
               <a:pPr algn="ctr"/>
               <a:r>
                 <a:rPr lang="en-US" altLang="ja-JP" dirty="0">
-                  <a:latin typeface="メイリオ" panose="020B0604030504040204" pitchFamily="50" charset="-128"/>
+                  <a:latin typeface="Segoe UI" panose="020B0502040204020203" pitchFamily="34" charset="0"/>
                   <a:ea typeface="メイリオ" panose="020B0604030504040204" pitchFamily="50" charset="-128"/>
+                  <a:cs typeface="Segoe UI" panose="020B0502040204020203" pitchFamily="34" charset="0"/>
                 </a:rPr>
                 <a:t>Submits reports</a:t>
               </a:r>
               <a:endParaRPr kumimoji="1" lang="ja-JP" altLang="en-US" dirty="0">
-                <a:latin typeface="メイリオ" panose="020B0604030504040204" pitchFamily="50" charset="-128"/>
+                <a:latin typeface="Segoe UI" panose="020B0502040204020203" pitchFamily="34" charset="0"/>
                 <a:ea typeface="メイリオ" panose="020B0604030504040204" pitchFamily="50" charset="-128"/>
+                <a:cs typeface="Segoe UI" panose="020B0502040204020203" pitchFamily="34" charset="0"/>
               </a:endParaRPr>
             </a:p>
           </p:txBody>
@@ -15801,8 +16374,9 @@
                 <a:solidFill>
                   <a:schemeClr val="tx1"/>
                 </a:solidFill>
-                <a:latin typeface="メイリオ" panose="020B0604030504040204" pitchFamily="50" charset="-128"/>
+                <a:latin typeface="Segoe UI" panose="020B0502040204020203" pitchFamily="34" charset="0"/>
                 <a:ea typeface="メイリオ" panose="020B0604030504040204" pitchFamily="50" charset="-128"/>
+                <a:cs typeface="Segoe UI" panose="020B0502040204020203" pitchFamily="34" charset="0"/>
               </a:rPr>
               <a:t>・</a:t>
             </a:r>
@@ -15811,8 +16385,9 @@
                 <a:solidFill>
                   <a:schemeClr val="tx1"/>
                 </a:solidFill>
-                <a:latin typeface="メイリオ" panose="020B0604030504040204" pitchFamily="50" charset="-128"/>
+                <a:latin typeface="Segoe UI" panose="020B0502040204020203" pitchFamily="34" charset="0"/>
                 <a:ea typeface="メイリオ" panose="020B0604030504040204" pitchFamily="50" charset="-128"/>
+                <a:cs typeface="Segoe UI" panose="020B0502040204020203" pitchFamily="34" charset="0"/>
               </a:rPr>
               <a:t>Provides a plan for completion of the project</a:t>
             </a:r>
@@ -15823,8 +16398,9 @@
                 <a:solidFill>
                   <a:schemeClr val="tx1"/>
                 </a:solidFill>
-                <a:latin typeface="メイリオ" panose="020B0604030504040204" pitchFamily="50" charset="-128"/>
+                <a:latin typeface="Segoe UI" panose="020B0502040204020203" pitchFamily="34" charset="0"/>
                 <a:ea typeface="メイリオ" panose="020B0604030504040204" pitchFamily="50" charset="-128"/>
+                <a:cs typeface="Segoe UI" panose="020B0502040204020203" pitchFamily="34" charset="0"/>
               </a:rPr>
               <a:t>・</a:t>
             </a:r>
@@ -15833,8 +16409,9 @@
                 <a:solidFill>
                   <a:schemeClr val="tx1"/>
                 </a:solidFill>
-                <a:latin typeface="メイリオ" panose="020B0604030504040204" pitchFamily="50" charset="-128"/>
+                <a:latin typeface="Segoe UI" panose="020B0502040204020203" pitchFamily="34" charset="0"/>
                 <a:ea typeface="メイリオ" panose="020B0604030504040204" pitchFamily="50" charset="-128"/>
+                <a:cs typeface="Segoe UI" panose="020B0502040204020203" pitchFamily="34" charset="0"/>
               </a:rPr>
               <a:t>Requires explanations of any deviation from the plan </a:t>
             </a:r>
@@ -15917,10 +16494,16 @@
           <a:lstStyle/>
           <a:p>
             <a:r>
-              <a:rPr lang="en-US" altLang="ja-JP" dirty="0"/>
+              <a:rPr lang="en-US" altLang="ja-JP" dirty="0">
+                <a:latin typeface="Segoe UI" panose="020B0502040204020203" pitchFamily="34" charset="0"/>
+                <a:cs typeface="Segoe UI" panose="020B0502040204020203" pitchFamily="34" charset="0"/>
+              </a:rPr>
               <a:t>Relationship with the development team</a:t>
             </a:r>
-            <a:endParaRPr kumimoji="1" lang="ja-JP" altLang="en-US" dirty="0"/>
+            <a:endParaRPr kumimoji="1" lang="ja-JP" altLang="en-US" dirty="0">
+              <a:latin typeface="Segoe UI" panose="020B0502040204020203" pitchFamily="34" charset="0"/>
+              <a:cs typeface="Segoe UI" panose="020B0502040204020203" pitchFamily="34" charset="0"/>
+            </a:endParaRPr>
           </a:p>
         </p:txBody>
       </p:sp>
@@ -15943,7 +16526,10 @@
               <a:buNone/>
             </a:pPr>
             <a:r>
-              <a:rPr lang="en-US" altLang="ja-JP" b="1" dirty="0"/>
+              <a:rPr lang="en-US" altLang="ja-JP" b="1" dirty="0">
+                <a:latin typeface="Segoe UI" panose="020B0502040204020203" pitchFamily="34" charset="0"/>
+                <a:cs typeface="Segoe UI" panose="020B0502040204020203" pitchFamily="34" charset="0"/>
+              </a:rPr>
               <a:t>Product owners need to provide information on points such as </a:t>
             </a:r>
             <a:r>
@@ -15951,14 +16537,22 @@
                 <a:solidFill>
                   <a:srgbClr val="FF0000"/>
                 </a:solidFill>
+                <a:latin typeface="Segoe UI" panose="020B0502040204020203" pitchFamily="34" charset="0"/>
+                <a:cs typeface="Segoe UI" panose="020B0502040204020203" pitchFamily="34" charset="0"/>
               </a:rPr>
               <a:t>market issues, criteria for judging priority order and scope </a:t>
             </a:r>
             <a:r>
-              <a:rPr lang="en-US" altLang="ja-JP" b="1" dirty="0"/>
+              <a:rPr lang="en-US" altLang="ja-JP" b="1" dirty="0">
+                <a:latin typeface="Segoe UI" panose="020B0502040204020203" pitchFamily="34" charset="0"/>
+                <a:cs typeface="Segoe UI" panose="020B0502040204020203" pitchFamily="34" charset="0"/>
+              </a:rPr>
               <a:t>so that the development team can develop the product autonomously. </a:t>
             </a:r>
-            <a:endParaRPr lang="en-US" altLang="ja-JP" dirty="0"/>
+            <a:endParaRPr lang="en-US" altLang="ja-JP" dirty="0">
+              <a:latin typeface="Segoe UI" panose="020B0502040204020203" pitchFamily="34" charset="0"/>
+              <a:cs typeface="Segoe UI" panose="020B0502040204020203" pitchFamily="34" charset="0"/>
+            </a:endParaRPr>
           </a:p>
         </p:txBody>
       </p:sp>
@@ -15982,6 +16576,8 @@
                 <a:solidFill>
                   <a:srgbClr val="000000"/>
                 </a:solidFill>
+                <a:latin typeface="Segoe UI" panose="020B0502040204020203" pitchFamily="34" charset="0"/>
+                <a:cs typeface="Segoe UI" panose="020B0502040204020203" pitchFamily="34" charset="0"/>
               </a:rPr>
               <a:pPr/>
               <a:t>27</a:t>
@@ -15990,6 +16586,8 @@
               <a:solidFill>
                 <a:srgbClr val="000000"/>
               </a:solidFill>
+              <a:latin typeface="Segoe UI" panose="020B0502040204020203" pitchFamily="34" charset="0"/>
+              <a:cs typeface="Segoe UI" panose="020B0502040204020203" pitchFamily="34" charset="0"/>
             </a:endParaRPr>
           </a:p>
         </p:txBody>
@@ -16047,14 +16645,16 @@
                 <a:pPr algn="ctr"/>
                 <a:r>
                   <a:rPr lang="en-US" altLang="ja-JP" b="1" dirty="0">
-                    <a:latin typeface="メイリオ" panose="020B0604030504040204" pitchFamily="50" charset="-128"/>
+                    <a:latin typeface="Segoe UI" panose="020B0502040204020203" pitchFamily="34" charset="0"/>
                     <a:ea typeface="メイリオ" panose="020B0604030504040204" pitchFamily="50" charset="-128"/>
+                    <a:cs typeface="Segoe UI" panose="020B0502040204020203" pitchFamily="34" charset="0"/>
                   </a:rPr>
                   <a:t>Product owner</a:t>
                 </a:r>
                 <a:endParaRPr lang="ja-JP" altLang="en-US" b="1" dirty="0">
-                  <a:latin typeface="メイリオ" panose="020B0604030504040204" pitchFamily="50" charset="-128"/>
+                  <a:latin typeface="Segoe UI" panose="020B0502040204020203" pitchFamily="34" charset="0"/>
                   <a:ea typeface="メイリオ" panose="020B0604030504040204" pitchFamily="50" charset="-128"/>
+                  <a:cs typeface="Segoe UI" panose="020B0502040204020203" pitchFamily="34" charset="0"/>
                 </a:endParaRPr>
               </a:p>
             </p:txBody>
@@ -16128,14 +16728,16 @@
                   <a:pPr algn="ctr"/>
                   <a:r>
                     <a:rPr lang="en-US" altLang="ja-JP" sz="1600" dirty="0">
-                      <a:latin typeface="メイリオ" panose="020B0604030504040204" pitchFamily="50" charset="-128"/>
+                      <a:latin typeface="Segoe UI" panose="020B0502040204020203" pitchFamily="34" charset="0"/>
                       <a:ea typeface="メイリオ" panose="020B0604030504040204" pitchFamily="50" charset="-128"/>
+                      <a:cs typeface="Segoe UI" panose="020B0502040204020203" pitchFamily="34" charset="0"/>
                     </a:rPr>
                     <a:t>Development team</a:t>
                   </a:r>
                   <a:endParaRPr kumimoji="1" lang="ja-JP" altLang="en-US" sz="1600" dirty="0">
-                    <a:latin typeface="メイリオ" panose="020B0604030504040204" pitchFamily="50" charset="-128"/>
+                    <a:latin typeface="Segoe UI" panose="020B0502040204020203" pitchFamily="34" charset="0"/>
                     <a:ea typeface="メイリオ" panose="020B0604030504040204" pitchFamily="50" charset="-128"/>
+                    <a:cs typeface="Segoe UI" panose="020B0502040204020203" pitchFamily="34" charset="0"/>
                   </a:endParaRPr>
                 </a:p>
               </p:txBody>
@@ -16239,14 +16841,16 @@
               <a:pPr algn="ctr"/>
               <a:r>
                 <a:rPr lang="en-US" altLang="ja-JP" dirty="0">
-                  <a:latin typeface="メイリオ" panose="020B0604030504040204" pitchFamily="50" charset="-128"/>
+                  <a:latin typeface="Segoe UI" panose="020B0502040204020203" pitchFamily="34" charset="0"/>
                   <a:ea typeface="メイリオ" panose="020B0604030504040204" pitchFamily="50" charset="-128"/>
+                  <a:cs typeface="Segoe UI" panose="020B0502040204020203" pitchFamily="34" charset="0"/>
                 </a:rPr>
                 <a:t>Provides information</a:t>
               </a:r>
               <a:endParaRPr lang="ja-JP" altLang="en-US" dirty="0">
-                <a:latin typeface="メイリオ" panose="020B0604030504040204" pitchFamily="50" charset="-128"/>
+                <a:latin typeface="Segoe UI" panose="020B0502040204020203" pitchFamily="34" charset="0"/>
                 <a:ea typeface="メイリオ" panose="020B0604030504040204" pitchFamily="50" charset="-128"/>
+                <a:cs typeface="Segoe UI" panose="020B0502040204020203" pitchFamily="34" charset="0"/>
               </a:endParaRPr>
             </a:p>
           </p:txBody>
@@ -16275,8 +16879,9 @@
             <a:p>
               <a:r>
                 <a:rPr lang="en-US" altLang="ja-JP" sz="1400" dirty="0">
-                  <a:latin typeface="メイリオ" panose="020B0604030504040204" pitchFamily="50" charset="-128"/>
+                  <a:latin typeface="Segoe UI" panose="020B0502040204020203" pitchFamily="34" charset="0"/>
                   <a:ea typeface="メイリオ" panose="020B0604030504040204" pitchFamily="50" charset="-128"/>
+                  <a:cs typeface="Segoe UI" panose="020B0502040204020203" pitchFamily="34" charset="0"/>
                 </a:rPr>
                 <a:t>Requests confirmation of acceptance </a:t>
               </a:r>
@@ -16284,8 +16889,9 @@
             <a:p>
               <a:r>
                 <a:rPr lang="en-US" altLang="ja-JP" sz="1400" dirty="0">
-                  <a:latin typeface="メイリオ" panose="020B0604030504040204" pitchFamily="50" charset="-128"/>
+                  <a:latin typeface="Segoe UI" panose="020B0502040204020203" pitchFamily="34" charset="0"/>
                   <a:ea typeface="メイリオ" panose="020B0604030504040204" pitchFamily="50" charset="-128"/>
+                  <a:cs typeface="Segoe UI" panose="020B0502040204020203" pitchFamily="34" charset="0"/>
                 </a:rPr>
                 <a:t>Suggests improvements</a:t>
               </a:r>
@@ -16376,8 +16982,9 @@
                 <a:solidFill>
                   <a:schemeClr val="tx1"/>
                 </a:solidFill>
-                <a:latin typeface="メイリオ" panose="020B0604030504040204" pitchFamily="50" charset="-128"/>
+                <a:latin typeface="Segoe UI" panose="020B0502040204020203" pitchFamily="34" charset="0"/>
                 <a:ea typeface="メイリオ" panose="020B0604030504040204" pitchFamily="50" charset="-128"/>
+                <a:cs typeface="Segoe UI" panose="020B0502040204020203" pitchFamily="34" charset="0"/>
               </a:rPr>
               <a:t>Needs to provide the development team with the information they need to develop the product autonomously </a:t>
             </a:r>
@@ -16430,10 +17037,16 @@
           <a:lstStyle/>
           <a:p>
             <a:r>
-              <a:rPr lang="en-US" altLang="ja-JP" dirty="0"/>
+              <a:rPr lang="en-US" altLang="ja-JP" dirty="0">
+                <a:latin typeface="Segoe UI" panose="020B0502040204020203" pitchFamily="34" charset="0"/>
+                <a:cs typeface="Segoe UI" panose="020B0502040204020203" pitchFamily="34" charset="0"/>
+              </a:rPr>
               <a:t>Working together with the scrum team</a:t>
             </a:r>
-            <a:endParaRPr kumimoji="1" lang="ja-JP" altLang="en-US" dirty="0"/>
+            <a:endParaRPr kumimoji="1" lang="ja-JP" altLang="en-US" dirty="0">
+              <a:latin typeface="Segoe UI" panose="020B0502040204020203" pitchFamily="34" charset="0"/>
+              <a:cs typeface="Segoe UI" panose="020B0502040204020203" pitchFamily="34" charset="0"/>
+            </a:endParaRPr>
           </a:p>
         </p:txBody>
       </p:sp>
@@ -16457,6 +17070,8 @@
                 <a:solidFill>
                   <a:srgbClr val="000000"/>
                 </a:solidFill>
+                <a:latin typeface="Segoe UI" panose="020B0502040204020203" pitchFamily="34" charset="0"/>
+                <a:cs typeface="Segoe UI" panose="020B0502040204020203" pitchFamily="34" charset="0"/>
               </a:rPr>
               <a:pPr/>
               <a:t>28</a:t>
@@ -16465,6 +17080,8 @@
               <a:solidFill>
                 <a:srgbClr val="000000"/>
               </a:solidFill>
+              <a:latin typeface="Segoe UI" panose="020B0502040204020203" pitchFamily="34" charset="0"/>
+              <a:cs typeface="Segoe UI" panose="020B0502040204020203" pitchFamily="34" charset="0"/>
             </a:endParaRPr>
           </a:p>
         </p:txBody>
@@ -16488,7 +17105,10 @@
               <a:buNone/>
             </a:pPr>
             <a:r>
-              <a:rPr lang="en-US" altLang="ja-JP" b="1" dirty="0"/>
+              <a:rPr lang="en-US" altLang="ja-JP" b="1" dirty="0">
+                <a:latin typeface="Segoe UI" panose="020B0502040204020203" pitchFamily="34" charset="0"/>
+                <a:cs typeface="Segoe UI" panose="020B0502040204020203" pitchFamily="34" charset="0"/>
+              </a:rPr>
               <a:t>Working together with the scrum master</a:t>
             </a:r>
           </a:p>
@@ -16497,10 +17117,16 @@
               <a:buNone/>
             </a:pPr>
             <a:r>
-              <a:rPr lang="en-US" altLang="ja-JP" dirty="0"/>
+              <a:rPr lang="en-US" altLang="ja-JP" dirty="0">
+                <a:latin typeface="Segoe UI" panose="020B0502040204020203" pitchFamily="34" charset="0"/>
+                <a:cs typeface="Segoe UI" panose="020B0502040204020203" pitchFamily="34" charset="0"/>
+              </a:rPr>
               <a:t>Product owners receive feedback from their scrum masters, who have a third-party role. This provides product owners with an opportunity to improve the way they work. They also receive support by consulting their scrum masters about faults in the product development. </a:t>
             </a:r>
-            <a:endParaRPr kumimoji="1" lang="ja-JP" altLang="en-US" dirty="0"/>
+            <a:endParaRPr kumimoji="1" lang="ja-JP" altLang="en-US" dirty="0">
+              <a:latin typeface="Segoe UI" panose="020B0502040204020203" pitchFamily="34" charset="0"/>
+              <a:cs typeface="Segoe UI" panose="020B0502040204020203" pitchFamily="34" charset="0"/>
+            </a:endParaRPr>
           </a:p>
         </p:txBody>
       </p:sp>
@@ -16560,8 +17186,9 @@
                     <a:solidFill>
                       <a:srgbClr val="000000"/>
                     </a:solidFill>
-                    <a:latin typeface="メイリオ" panose="020B0604030504040204" pitchFamily="50" charset="-128"/>
+                    <a:latin typeface="Segoe UI" panose="020B0502040204020203" pitchFamily="34" charset="0"/>
                     <a:ea typeface="メイリオ" panose="020B0604030504040204" pitchFamily="50" charset="-128"/>
+                    <a:cs typeface="Segoe UI" panose="020B0502040204020203" pitchFamily="34" charset="0"/>
                   </a:rPr>
                   <a:t>Product owner</a:t>
                 </a:r>
@@ -16569,8 +17196,9 @@
                   <a:solidFill>
                     <a:srgbClr val="000000"/>
                   </a:solidFill>
-                  <a:latin typeface="メイリオ" panose="020B0604030504040204" pitchFamily="50" charset="-128"/>
+                  <a:latin typeface="Segoe UI" panose="020B0502040204020203" pitchFamily="34" charset="0"/>
                   <a:ea typeface="メイリオ" panose="020B0604030504040204" pitchFamily="50" charset="-128"/>
+                  <a:cs typeface="Segoe UI" panose="020B0502040204020203" pitchFamily="34" charset="0"/>
                 </a:endParaRPr>
               </a:p>
             </p:txBody>
@@ -16676,8 +17304,9 @@
                   <a:solidFill>
                     <a:srgbClr val="000000"/>
                   </a:solidFill>
-                  <a:latin typeface="メイリオ" panose="020B0604030504040204" pitchFamily="50" charset="-128"/>
+                  <a:latin typeface="Segoe UI" panose="020B0502040204020203" pitchFamily="34" charset="0"/>
                   <a:ea typeface="メイリオ" panose="020B0604030504040204" pitchFamily="50" charset="-128"/>
+                  <a:cs typeface="Segoe UI" panose="020B0502040204020203" pitchFamily="34" charset="0"/>
                 </a:rPr>
                 <a:t>Consultation</a:t>
               </a:r>
@@ -16685,8 +17314,9 @@
                 <a:solidFill>
                   <a:srgbClr val="000000"/>
                 </a:solidFill>
-                <a:latin typeface="メイリオ" panose="020B0604030504040204" pitchFamily="50" charset="-128"/>
+                <a:latin typeface="Segoe UI" panose="020B0502040204020203" pitchFamily="34" charset="0"/>
                 <a:ea typeface="メイリオ" panose="020B0604030504040204" pitchFamily="50" charset="-128"/>
+                <a:cs typeface="Segoe UI" panose="020B0502040204020203" pitchFamily="34" charset="0"/>
               </a:endParaRPr>
             </a:p>
           </p:txBody>
@@ -16719,8 +17349,9 @@
                   <a:solidFill>
                     <a:srgbClr val="000000"/>
                   </a:solidFill>
-                  <a:latin typeface="メイリオ" panose="020B0604030504040204" pitchFamily="50" charset="-128"/>
+                  <a:latin typeface="Segoe UI" panose="020B0502040204020203" pitchFamily="34" charset="0"/>
                   <a:ea typeface="メイリオ" panose="020B0604030504040204" pitchFamily="50" charset="-128"/>
+                  <a:cs typeface="Segoe UI" panose="020B0502040204020203" pitchFamily="34" charset="0"/>
                 </a:rPr>
                 <a:t>Support and feedback</a:t>
               </a:r>
@@ -16813,14 +17444,16 @@
             <a:pPr algn="ctr"/>
             <a:r>
               <a:rPr lang="en-US" altLang="ja-JP" sz="1600" dirty="0">
-                <a:latin typeface="メイリオ" panose="020B0604030504040204" pitchFamily="50" charset="-128"/>
+                <a:latin typeface="Segoe UI" panose="020B0502040204020203" pitchFamily="34" charset="0"/>
                 <a:ea typeface="メイリオ" panose="020B0604030504040204" pitchFamily="50" charset="-128"/>
+                <a:cs typeface="Segoe UI" panose="020B0502040204020203" pitchFamily="34" charset="0"/>
               </a:rPr>
               <a:t>Scrum master</a:t>
             </a:r>
             <a:endParaRPr kumimoji="1" lang="ja-JP" altLang="en-US" sz="1600" dirty="0">
-              <a:latin typeface="メイリオ" panose="020B0604030504040204" pitchFamily="50" charset="-128"/>
+              <a:latin typeface="Segoe UI" panose="020B0502040204020203" pitchFamily="34" charset="0"/>
               <a:ea typeface="メイリオ" panose="020B0604030504040204" pitchFamily="50" charset="-128"/>
+              <a:cs typeface="Segoe UI" panose="020B0502040204020203" pitchFamily="34" charset="0"/>
             </a:endParaRPr>
           </a:p>
         </p:txBody>
@@ -16904,8 +17537,9 @@
                 <a:solidFill>
                   <a:schemeClr val="tx1"/>
                 </a:solidFill>
-                <a:latin typeface="メイリオ" panose="020B0604030504040204" pitchFamily="50" charset="-128"/>
+                <a:latin typeface="Segoe UI" panose="020B0502040204020203" pitchFamily="34" charset="0"/>
                 <a:ea typeface="メイリオ" panose="020B0604030504040204" pitchFamily="50" charset="-128"/>
+                <a:cs typeface="Segoe UI" panose="020B0502040204020203" pitchFamily="34" charset="0"/>
               </a:rPr>
               <a:t>In order to organize themselves autonomously, the development team needs to have an in-depth understanding of the product. Product owners need to support their development teams by </a:t>
             </a:r>
@@ -16914,8 +17548,9 @@
                 <a:solidFill>
                   <a:srgbClr val="FF0000"/>
                 </a:solidFill>
-                <a:latin typeface="メイリオ" panose="020B0604030504040204" pitchFamily="50" charset="-128"/>
+                <a:latin typeface="Segoe UI" panose="020B0502040204020203" pitchFamily="34" charset="0"/>
                 <a:ea typeface="メイリオ" panose="020B0604030504040204" pitchFamily="50" charset="-128"/>
+                <a:cs typeface="Segoe UI" panose="020B0502040204020203" pitchFamily="34" charset="0"/>
               </a:rPr>
               <a:t>being as open as possible about information on the product. Face to face conversations are more effective than documents </a:t>
             </a:r>
@@ -16924,8 +17559,9 @@
                 <a:solidFill>
                   <a:schemeClr val="tx1"/>
                 </a:solidFill>
-                <a:latin typeface="メイリオ" panose="020B0604030504040204" pitchFamily="50" charset="-128"/>
+                <a:latin typeface="Segoe UI" panose="020B0502040204020203" pitchFamily="34" charset="0"/>
                 <a:ea typeface="メイリオ" panose="020B0604030504040204" pitchFamily="50" charset="-128"/>
+                <a:cs typeface="Segoe UI" panose="020B0502040204020203" pitchFamily="34" charset="0"/>
               </a:rPr>
               <a:t>for increasing the development team’s knowledge.</a:t>
             </a:r>
@@ -16948,10 +17584,16 @@
           <a:lstStyle/>
           <a:p>
             <a:r>
-              <a:rPr lang="en-US" altLang="ja-JP" dirty="0"/>
+              <a:rPr lang="en-US" altLang="ja-JP" dirty="0">
+                <a:latin typeface="Segoe UI" panose="020B0502040204020203" pitchFamily="34" charset="0"/>
+                <a:cs typeface="Segoe UI" panose="020B0502040204020203" pitchFamily="34" charset="0"/>
+              </a:rPr>
               <a:t>Working together with stakeholders</a:t>
             </a:r>
-            <a:endParaRPr kumimoji="1" lang="ja-JP" altLang="en-US" dirty="0"/>
+            <a:endParaRPr kumimoji="1" lang="ja-JP" altLang="en-US" dirty="0">
+              <a:latin typeface="Segoe UI" panose="020B0502040204020203" pitchFamily="34" charset="0"/>
+              <a:cs typeface="Segoe UI" panose="020B0502040204020203" pitchFamily="34" charset="0"/>
+            </a:endParaRPr>
           </a:p>
         </p:txBody>
       </p:sp>
@@ -16973,7 +17615,7 @@
         </p:spPr>
         <p:txBody>
           <a:bodyPr>
-            <a:normAutofit fontScale="85000" lnSpcReduction="10000"/>
+            <a:normAutofit fontScale="92500" lnSpcReduction="20000"/>
           </a:bodyPr>
           <a:lstStyle/>
           <a:p>
@@ -16981,7 +17623,10 @@
               <a:buNone/>
             </a:pPr>
             <a:r>
-              <a:rPr lang="en-US" altLang="ja-JP" dirty="0"/>
+              <a:rPr lang="en-US" altLang="ja-JP" dirty="0">
+                <a:latin typeface="Segoe UI" panose="020B0502040204020203" pitchFamily="34" charset="0"/>
+                <a:cs typeface="Segoe UI" panose="020B0502040204020203" pitchFamily="34" charset="0"/>
+              </a:rPr>
               <a:t>Points of caution</a:t>
             </a:r>
           </a:p>
@@ -16989,7 +17634,10 @@
             <a:pPr marL="0" indent="0">
               <a:buNone/>
             </a:pPr>
-            <a:endParaRPr lang="en-US" altLang="ja-JP" sz="900" dirty="0"/>
+            <a:endParaRPr lang="en-US" altLang="ja-JP" sz="900" dirty="0">
+              <a:latin typeface="Segoe UI" panose="020B0502040204020203" pitchFamily="34" charset="0"/>
+              <a:cs typeface="Segoe UI" panose="020B0502040204020203" pitchFamily="34" charset="0"/>
+            </a:endParaRPr>
           </a:p>
           <a:p>
             <a:pPr>
@@ -16997,7 +17645,10 @@
               <a:buChar char="l"/>
             </a:pPr>
             <a:r>
-              <a:rPr lang="en-US" altLang="ja-JP" b="1" dirty="0"/>
+              <a:rPr lang="en-US" altLang="ja-JP" b="1" dirty="0">
+                <a:latin typeface="Segoe UI" panose="020B0502040204020203" pitchFamily="34" charset="0"/>
+                <a:cs typeface="Segoe UI" panose="020B0502040204020203" pitchFamily="34" charset="0"/>
+              </a:rPr>
               <a:t>Do not micromanage</a:t>
             </a:r>
           </a:p>
@@ -17005,39 +17656,57 @@
             <a:pPr marL="0" indent="0">
               <a:buNone/>
             </a:pPr>
-            <a:endParaRPr lang="en-US" altLang="ja-JP" dirty="0"/>
+            <a:endParaRPr lang="en-US" altLang="ja-JP" dirty="0">
+              <a:latin typeface="Segoe UI" panose="020B0502040204020203" pitchFamily="34" charset="0"/>
+              <a:cs typeface="Segoe UI" panose="020B0502040204020203" pitchFamily="34" charset="0"/>
+            </a:endParaRPr>
           </a:p>
           <a:p>
             <a:pPr marL="0" indent="0">
               <a:buNone/>
             </a:pPr>
-            <a:endParaRPr lang="en-US" altLang="ja-JP" dirty="0"/>
+            <a:endParaRPr lang="en-US" altLang="ja-JP" dirty="0">
+              <a:latin typeface="Segoe UI" panose="020B0502040204020203" pitchFamily="34" charset="0"/>
+              <a:cs typeface="Segoe UI" panose="020B0502040204020203" pitchFamily="34" charset="0"/>
+            </a:endParaRPr>
           </a:p>
           <a:p>
             <a:pPr marL="0" indent="0">
               <a:buNone/>
             </a:pPr>
-            <a:endParaRPr lang="en-US" altLang="ja-JP" dirty="0"/>
+            <a:endParaRPr lang="en-US" altLang="ja-JP" dirty="0">
+              <a:latin typeface="Segoe UI" panose="020B0502040204020203" pitchFamily="34" charset="0"/>
+              <a:cs typeface="Segoe UI" panose="020B0502040204020203" pitchFamily="34" charset="0"/>
+            </a:endParaRPr>
           </a:p>
           <a:p>
             <a:pPr marL="0" indent="0">
               <a:buNone/>
             </a:pPr>
-            <a:endParaRPr lang="en-US" altLang="ja-JP" dirty="0"/>
+            <a:endParaRPr lang="en-US" altLang="ja-JP" dirty="0">
+              <a:latin typeface="Segoe UI" panose="020B0502040204020203" pitchFamily="34" charset="0"/>
+              <a:cs typeface="Segoe UI" panose="020B0502040204020203" pitchFamily="34" charset="0"/>
+            </a:endParaRPr>
           </a:p>
           <a:p>
             <a:pPr>
               <a:buFont typeface="Wingdings" panose="05000000000000000000" pitchFamily="2" charset="2"/>
               <a:buChar char="l"/>
             </a:pPr>
-            <a:endParaRPr lang="en-US" altLang="ja-JP" b="1" dirty="0"/>
+            <a:endParaRPr lang="en-US" altLang="ja-JP" b="1" dirty="0">
+              <a:latin typeface="Segoe UI" panose="020B0502040204020203" pitchFamily="34" charset="0"/>
+              <a:cs typeface="Segoe UI" panose="020B0502040204020203" pitchFamily="34" charset="0"/>
+            </a:endParaRPr>
           </a:p>
           <a:p>
             <a:pPr>
               <a:buFont typeface="Wingdings" panose="05000000000000000000" pitchFamily="2" charset="2"/>
               <a:buChar char="l"/>
             </a:pPr>
-            <a:endParaRPr lang="en-US" altLang="ja-JP" b="1" dirty="0"/>
+            <a:endParaRPr lang="en-US" altLang="ja-JP" b="1" dirty="0">
+              <a:latin typeface="Segoe UI" panose="020B0502040204020203" pitchFamily="34" charset="0"/>
+              <a:cs typeface="Segoe UI" panose="020B0502040204020203" pitchFamily="34" charset="0"/>
+            </a:endParaRPr>
           </a:p>
           <a:p>
             <a:pPr>
@@ -17045,7 +17714,10 @@
               <a:buChar char="l"/>
             </a:pPr>
             <a:r>
-              <a:rPr lang="en-US" altLang="ja-JP" b="1" dirty="0"/>
+              <a:rPr lang="en-US" altLang="ja-JP" b="1" dirty="0">
+                <a:latin typeface="Segoe UI" panose="020B0502040204020203" pitchFamily="34" charset="0"/>
+                <a:cs typeface="Segoe UI" panose="020B0502040204020203" pitchFamily="34" charset="0"/>
+              </a:rPr>
               <a:t>Do everything you can to give your development team a more in-depth understanding of the product</a:t>
             </a:r>
           </a:p>
@@ -17071,6 +17743,8 @@
                 <a:solidFill>
                   <a:srgbClr val="000000"/>
                 </a:solidFill>
+                <a:latin typeface="Segoe UI" panose="020B0502040204020203" pitchFamily="34" charset="0"/>
+                <a:cs typeface="Segoe UI" panose="020B0502040204020203" pitchFamily="34" charset="0"/>
               </a:rPr>
               <a:pPr/>
               <a:t>29</a:t>
@@ -17079,6 +17753,8 @@
               <a:solidFill>
                 <a:srgbClr val="000000"/>
               </a:solidFill>
+              <a:latin typeface="Segoe UI" panose="020B0502040204020203" pitchFamily="34" charset="0"/>
+              <a:cs typeface="Segoe UI" panose="020B0502040204020203" pitchFamily="34" charset="0"/>
             </a:endParaRPr>
           </a:p>
         </p:txBody>
@@ -17132,8 +17808,9 @@
                 <a:solidFill>
                   <a:schemeClr val="tx1"/>
                 </a:solidFill>
-                <a:latin typeface="メイリオ" panose="020B0604030504040204" pitchFamily="50" charset="-128"/>
+                <a:latin typeface="Segoe UI" panose="020B0502040204020203" pitchFamily="34" charset="0"/>
                 <a:ea typeface="メイリオ" panose="020B0604030504040204" pitchFamily="50" charset="-128"/>
+                <a:cs typeface="Segoe UI" panose="020B0502040204020203" pitchFamily="34" charset="0"/>
               </a:rPr>
               <a:t>Scrum places value on allowing the development team to organize themselves autonomously. Product owners therefore need to respect their development teams, and it is not ideal for them to interject about their development teams’ methods or velocity. Product owners must also respect their development teams’ ability to create a plans that will enable them to meet sprint goals. </a:t>
             </a:r>
@@ -17186,10 +17863,16 @@
           <a:lstStyle/>
           <a:p>
             <a:r>
-              <a:rPr lang="en-US" altLang="ja-JP" dirty="0"/>
+              <a:rPr lang="en-US" altLang="ja-JP" dirty="0">
+                <a:latin typeface="Segoe UI" panose="020B0502040204020203" pitchFamily="34" charset="0"/>
+                <a:cs typeface="Segoe UI" panose="020B0502040204020203" pitchFamily="34" charset="0"/>
+              </a:rPr>
               <a:t>Premise</a:t>
             </a:r>
-            <a:endParaRPr kumimoji="1" lang="ja-JP" altLang="en-US" dirty="0"/>
+            <a:endParaRPr kumimoji="1" lang="ja-JP" altLang="en-US" dirty="0">
+              <a:latin typeface="Segoe UI" panose="020B0502040204020203" pitchFamily="34" charset="0"/>
+              <a:cs typeface="Segoe UI" panose="020B0502040204020203" pitchFamily="34" charset="0"/>
+            </a:endParaRPr>
           </a:p>
         </p:txBody>
       </p:sp>
@@ -17215,51 +17898,81 @@
               <a:buChar char="u"/>
             </a:pPr>
             <a:r>
-              <a:rPr lang="en-US" altLang="ja-JP" dirty="0"/>
+              <a:rPr lang="en-US" altLang="ja-JP" dirty="0">
+                <a:latin typeface="Segoe UI" panose="020B0502040204020203" pitchFamily="34" charset="0"/>
+                <a:cs typeface="Segoe UI" panose="020B0502040204020203" pitchFamily="34" charset="0"/>
+              </a:rPr>
               <a:t>It is presumed that the reader has a basic knowledge of Scrum and understands the nature of the ceremonies* that are used.</a:t>
             </a:r>
-            <a:endParaRPr kumimoji="1" lang="en-US" altLang="ja-JP" sz="1800" dirty="0"/>
+            <a:endParaRPr kumimoji="1" lang="en-US" altLang="ja-JP" sz="1800" dirty="0">
+              <a:latin typeface="Segoe UI" panose="020B0502040204020203" pitchFamily="34" charset="0"/>
+              <a:cs typeface="Segoe UI" panose="020B0502040204020203" pitchFamily="34" charset="0"/>
+            </a:endParaRPr>
           </a:p>
           <a:p>
             <a:pPr marL="0" indent="0">
               <a:buNone/>
             </a:pPr>
             <a:r>
-              <a:rPr kumimoji="1" lang="ja-JP" altLang="en-US" sz="1800" dirty="0"/>
+              <a:rPr kumimoji="1" lang="ja-JP" altLang="en-US" sz="1800" dirty="0">
+                <a:latin typeface="Segoe UI" panose="020B0502040204020203" pitchFamily="34" charset="0"/>
+                <a:cs typeface="Segoe UI" panose="020B0502040204020203" pitchFamily="34" charset="0"/>
+              </a:rPr>
               <a:t>　</a:t>
             </a:r>
-            <a:endParaRPr kumimoji="1" lang="en-US" altLang="ja-JP" sz="1800" dirty="0"/>
+            <a:endParaRPr kumimoji="1" lang="en-US" altLang="ja-JP" sz="1800" dirty="0">
+              <a:latin typeface="Segoe UI" panose="020B0502040204020203" pitchFamily="34" charset="0"/>
+              <a:cs typeface="Segoe UI" panose="020B0502040204020203" pitchFamily="34" charset="0"/>
+            </a:endParaRPr>
           </a:p>
           <a:p>
             <a:pPr marL="0" indent="0">
               <a:buNone/>
             </a:pPr>
             <a:r>
-              <a:rPr lang="en-US" altLang="ja-JP" sz="1800" dirty="0"/>
+              <a:rPr lang="en-US" altLang="ja-JP" sz="1800" dirty="0">
+                <a:latin typeface="Segoe UI" panose="020B0502040204020203" pitchFamily="34" charset="0"/>
+                <a:cs typeface="Segoe UI" panose="020B0502040204020203" pitchFamily="34" charset="0"/>
+              </a:rPr>
               <a:t>   ※This information is in the Scrum Guide</a:t>
             </a:r>
-            <a:endParaRPr kumimoji="1" lang="en-US" altLang="ja-JP" sz="1800" dirty="0"/>
+            <a:endParaRPr kumimoji="1" lang="en-US" altLang="ja-JP" sz="1800" dirty="0">
+              <a:latin typeface="Segoe UI" panose="020B0502040204020203" pitchFamily="34" charset="0"/>
+              <a:cs typeface="Segoe UI" panose="020B0502040204020203" pitchFamily="34" charset="0"/>
+            </a:endParaRPr>
           </a:p>
           <a:p>
             <a:pPr marL="0" indent="0">
               <a:buNone/>
             </a:pPr>
             <a:r>
-              <a:rPr lang="ja-JP" altLang="en-US" sz="1800" dirty="0"/>
+              <a:rPr lang="ja-JP" altLang="en-US" sz="1800" dirty="0">
+                <a:latin typeface="Segoe UI" panose="020B0502040204020203" pitchFamily="34" charset="0"/>
+                <a:cs typeface="Segoe UI" panose="020B0502040204020203" pitchFamily="34" charset="0"/>
+              </a:rPr>
               <a:t>　　</a:t>
             </a:r>
             <a:r>
-              <a:rPr lang="en-US" altLang="ja-JP" sz="1400" dirty="0"/>
+              <a:rPr lang="en-US" altLang="ja-JP" sz="1400" dirty="0">
+                <a:latin typeface="Segoe UI" panose="020B0502040204020203" pitchFamily="34" charset="0"/>
+                <a:cs typeface="Segoe UI" panose="020B0502040204020203" pitchFamily="34" charset="0"/>
+              </a:rPr>
               <a:t>https://www.scrumguides.org/docs/scrumguide/v2020/2020-Scrum-Guide-US.pdf</a:t>
             </a:r>
-            <a:endParaRPr kumimoji="1" lang="en-US" altLang="ja-JP" sz="1600" dirty="0"/>
+            <a:endParaRPr kumimoji="1" lang="en-US" altLang="ja-JP" sz="1600" dirty="0">
+              <a:latin typeface="Segoe UI" panose="020B0502040204020203" pitchFamily="34" charset="0"/>
+              <a:cs typeface="Segoe UI" panose="020B0502040204020203" pitchFamily="34" charset="0"/>
+            </a:endParaRPr>
           </a:p>
           <a:p>
             <a:pPr>
               <a:buFont typeface="Wingdings" panose="05000000000000000000" pitchFamily="2" charset="2"/>
               <a:buChar char="u"/>
             </a:pPr>
-            <a:endParaRPr lang="en-US" altLang="ja-JP" dirty="0"/>
+            <a:endParaRPr lang="en-US" altLang="ja-JP" dirty="0">
+              <a:latin typeface="Segoe UI" panose="020B0502040204020203" pitchFamily="34" charset="0"/>
+              <a:cs typeface="Segoe UI" panose="020B0502040204020203" pitchFamily="34" charset="0"/>
+            </a:endParaRPr>
           </a:p>
           <a:p>
             <a:pPr>
@@ -17267,25 +17980,40 @@
               <a:buChar char="u"/>
             </a:pPr>
             <a:r>
-              <a:rPr lang="en-US" altLang="ja-JP" dirty="0"/>
+              <a:rPr lang="en-US" altLang="ja-JP" dirty="0">
+                <a:latin typeface="Segoe UI" panose="020B0502040204020203" pitchFamily="34" charset="0"/>
+                <a:cs typeface="Segoe UI" panose="020B0502040204020203" pitchFamily="34" charset="0"/>
+              </a:rPr>
               <a:t>This document was written based on the following resources. Reading these resources will provide a more in-depth understanding. </a:t>
             </a:r>
             <a:r>
-              <a:rPr lang="ja-JP" altLang="en-US" sz="2000" dirty="0"/>
+              <a:rPr lang="ja-JP" altLang="en-US" sz="2000" dirty="0">
+                <a:latin typeface="Segoe UI" panose="020B0502040204020203" pitchFamily="34" charset="0"/>
+                <a:cs typeface="Segoe UI" panose="020B0502040204020203" pitchFamily="34" charset="0"/>
+              </a:rPr>
               <a:t>　</a:t>
             </a:r>
-            <a:endParaRPr lang="en-US" altLang="ja-JP" sz="2000" dirty="0"/>
+            <a:endParaRPr lang="en-US" altLang="ja-JP" sz="2000" dirty="0">
+              <a:latin typeface="Segoe UI" panose="020B0502040204020203" pitchFamily="34" charset="0"/>
+              <a:cs typeface="Segoe UI" panose="020B0502040204020203" pitchFamily="34" charset="0"/>
+            </a:endParaRPr>
           </a:p>
           <a:p>
             <a:pPr marL="0" indent="0">
               <a:buNone/>
             </a:pPr>
             <a:r>
-              <a:rPr kumimoji="1" lang="ja-JP" altLang="en-US" sz="2000" dirty="0"/>
+              <a:rPr kumimoji="1" lang="ja-JP" altLang="en-US" sz="2000" dirty="0">
+                <a:latin typeface="Segoe UI" panose="020B0502040204020203" pitchFamily="34" charset="0"/>
+                <a:cs typeface="Segoe UI" panose="020B0502040204020203" pitchFamily="34" charset="0"/>
+              </a:rPr>
               <a:t>　  </a:t>
             </a:r>
             <a:r>
-              <a:rPr lang="fr-FR" altLang="ja-JP" sz="2000" dirty="0"/>
+              <a:rPr lang="fr-FR" altLang="ja-JP" sz="2000" dirty="0">
+                <a:latin typeface="Segoe UI" panose="020B0502040204020203" pitchFamily="34" charset="0"/>
+                <a:cs typeface="Segoe UI" panose="020B0502040204020203" pitchFamily="34" charset="0"/>
+              </a:rPr>
               <a:t>Essential Scrum, PMBOK Guide (Version 6), </a:t>
             </a:r>
           </a:p>
@@ -17294,10 +18022,16 @@
               <a:buNone/>
             </a:pPr>
             <a:r>
-              <a:rPr lang="fr-FR" altLang="ja-JP" sz="2000" dirty="0"/>
+              <a:rPr lang="fr-FR" altLang="ja-JP" sz="2000" dirty="0">
+                <a:latin typeface="Segoe UI" panose="020B0502040204020203" pitchFamily="34" charset="0"/>
+                <a:cs typeface="Segoe UI" panose="020B0502040204020203" pitchFamily="34" charset="0"/>
+              </a:rPr>
               <a:t>     Scrum Guide</a:t>
             </a:r>
-            <a:endParaRPr lang="en-US" altLang="ja-JP" dirty="0"/>
+            <a:endParaRPr lang="en-US" altLang="ja-JP" dirty="0">
+              <a:latin typeface="Segoe UI" panose="020B0502040204020203" pitchFamily="34" charset="0"/>
+              <a:cs typeface="Segoe UI" panose="020B0502040204020203" pitchFamily="34" charset="0"/>
+            </a:endParaRPr>
           </a:p>
         </p:txBody>
       </p:sp>
@@ -17321,6 +18055,8 @@
                 <a:solidFill>
                   <a:srgbClr val="000000"/>
                 </a:solidFill>
+                <a:latin typeface="Segoe UI" panose="020B0502040204020203" pitchFamily="34" charset="0"/>
+                <a:cs typeface="Segoe UI" panose="020B0502040204020203" pitchFamily="34" charset="0"/>
               </a:rPr>
               <a:pPr/>
               <a:t>3</a:t>
@@ -17329,6 +18065,8 @@
               <a:solidFill>
                 <a:srgbClr val="000000"/>
               </a:solidFill>
+              <a:latin typeface="Segoe UI" panose="020B0502040204020203" pitchFamily="34" charset="0"/>
+              <a:cs typeface="Segoe UI" panose="020B0502040204020203" pitchFamily="34" charset="0"/>
             </a:endParaRPr>
           </a:p>
         </p:txBody>
@@ -17379,10 +18117,16 @@
           <a:lstStyle/>
           <a:p>
             <a:r>
-              <a:rPr lang="en-US" altLang="ja-JP" dirty="0"/>
+              <a:rPr lang="en-US" altLang="ja-JP" dirty="0">
+                <a:latin typeface="Segoe UI" panose="020B0502040204020203" pitchFamily="34" charset="0"/>
+                <a:cs typeface="Segoe UI" panose="020B0502040204020203" pitchFamily="34" charset="0"/>
+              </a:rPr>
               <a:t>Working together with stakeholders</a:t>
             </a:r>
-            <a:endParaRPr kumimoji="1" lang="ja-JP" altLang="en-US" dirty="0"/>
+            <a:endParaRPr kumimoji="1" lang="ja-JP" altLang="en-US" dirty="0">
+              <a:latin typeface="Segoe UI" panose="020B0502040204020203" pitchFamily="34" charset="0"/>
+              <a:cs typeface="Segoe UI" panose="020B0502040204020203" pitchFamily="34" charset="0"/>
+            </a:endParaRPr>
           </a:p>
         </p:txBody>
       </p:sp>
@@ -17405,10 +18149,16 @@
               <a:buNone/>
             </a:pPr>
             <a:r>
-              <a:rPr lang="en-US" altLang="ja-JP" dirty="0"/>
+              <a:rPr lang="en-US" altLang="ja-JP" dirty="0">
+                <a:latin typeface="Segoe UI" panose="020B0502040204020203" pitchFamily="34" charset="0"/>
+                <a:cs typeface="Segoe UI" panose="020B0502040204020203" pitchFamily="34" charset="0"/>
+              </a:rPr>
               <a:t>Building a cooperative relationship with stakeholders (everyone who is involved in the product besides the scrum team) makes it possible to receive useful information about the product, along with feedback. </a:t>
             </a:r>
-            <a:endParaRPr kumimoji="1" lang="ja-JP" altLang="en-US" dirty="0"/>
+            <a:endParaRPr kumimoji="1" lang="ja-JP" altLang="en-US" dirty="0">
+              <a:latin typeface="Segoe UI" panose="020B0502040204020203" pitchFamily="34" charset="0"/>
+              <a:cs typeface="Segoe UI" panose="020B0502040204020203" pitchFamily="34" charset="0"/>
+            </a:endParaRPr>
           </a:p>
         </p:txBody>
       </p:sp>
@@ -17432,6 +18182,8 @@
                 <a:solidFill>
                   <a:srgbClr val="000000"/>
                 </a:solidFill>
+                <a:latin typeface="Segoe UI" panose="020B0502040204020203" pitchFamily="34" charset="0"/>
+                <a:cs typeface="Segoe UI" panose="020B0502040204020203" pitchFamily="34" charset="0"/>
               </a:rPr>
               <a:pPr/>
               <a:t>30</a:t>
@@ -17440,6 +18192,8 @@
               <a:solidFill>
                 <a:srgbClr val="000000"/>
               </a:solidFill>
+              <a:latin typeface="Segoe UI" panose="020B0502040204020203" pitchFamily="34" charset="0"/>
+              <a:cs typeface="Segoe UI" panose="020B0502040204020203" pitchFamily="34" charset="0"/>
             </a:endParaRPr>
           </a:p>
         </p:txBody>
@@ -17523,6 +18277,8 @@
                   <a:solidFill>
                     <a:schemeClr val="tx1"/>
                   </a:solidFill>
+                  <a:latin typeface="Segoe UI" panose="020B0502040204020203" pitchFamily="34" charset="0"/>
+                  <a:cs typeface="Segoe UI" panose="020B0502040204020203" pitchFamily="34" charset="0"/>
                 </a:endParaRPr>
               </a:p>
             </p:txBody>
@@ -17672,14 +18428,16 @@
                 <a:pPr algn="ctr"/>
                 <a:r>
                   <a:rPr lang="en-US" altLang="ja-JP" sz="1600" dirty="0">
-                    <a:latin typeface="メイリオ" panose="020B0604030504040204" pitchFamily="50" charset="-128"/>
+                    <a:latin typeface="Segoe UI" panose="020B0502040204020203" pitchFamily="34" charset="0"/>
                     <a:ea typeface="メイリオ" panose="020B0604030504040204" pitchFamily="50" charset="-128"/>
+                    <a:cs typeface="Segoe UI" panose="020B0502040204020203" pitchFamily="34" charset="0"/>
                   </a:rPr>
                   <a:t>Customers/users</a:t>
                 </a:r>
                 <a:endParaRPr kumimoji="1" lang="ja-JP" altLang="en-US" sz="1600" dirty="0">
-                  <a:latin typeface="メイリオ" panose="020B0604030504040204" pitchFamily="50" charset="-128"/>
+                  <a:latin typeface="Segoe UI" panose="020B0502040204020203" pitchFamily="34" charset="0"/>
                   <a:ea typeface="メイリオ" panose="020B0604030504040204" pitchFamily="50" charset="-128"/>
+                  <a:cs typeface="Segoe UI" panose="020B0502040204020203" pitchFamily="34" charset="0"/>
                 </a:endParaRPr>
               </a:p>
             </p:txBody>
@@ -17709,14 +18467,16 @@
                 <a:pPr algn="ctr"/>
                 <a:r>
                   <a:rPr lang="en-US" altLang="ja-JP" sz="1600" dirty="0">
-                    <a:latin typeface="メイリオ" panose="020B0604030504040204" pitchFamily="50" charset="-128"/>
+                    <a:latin typeface="Segoe UI" panose="020B0502040204020203" pitchFamily="34" charset="0"/>
                     <a:ea typeface="メイリオ" panose="020B0604030504040204" pitchFamily="50" charset="-128"/>
+                    <a:cs typeface="Segoe UI" panose="020B0502040204020203" pitchFamily="34" charset="0"/>
                   </a:rPr>
                   <a:t>Management, sales team, legal affairs team, etc. </a:t>
                 </a:r>
                 <a:endParaRPr kumimoji="1" lang="ja-JP" altLang="en-US" sz="1600" dirty="0">
-                  <a:latin typeface="メイリオ" panose="020B0604030504040204" pitchFamily="50" charset="-128"/>
+                  <a:latin typeface="Segoe UI" panose="020B0502040204020203" pitchFamily="34" charset="0"/>
                   <a:ea typeface="メイリオ" panose="020B0604030504040204" pitchFamily="50" charset="-128"/>
+                  <a:cs typeface="Segoe UI" panose="020B0502040204020203" pitchFamily="34" charset="0"/>
                 </a:endParaRPr>
               </a:p>
             </p:txBody>
@@ -17747,14 +18507,16 @@
               <a:pPr algn="ctr"/>
               <a:r>
                 <a:rPr lang="en-US" altLang="ja-JP" sz="1600" b="1" dirty="0">
-                  <a:latin typeface="メイリオ" panose="020B0604030504040204" pitchFamily="50" charset="-128"/>
+                  <a:latin typeface="Segoe UI" panose="020B0502040204020203" pitchFamily="34" charset="0"/>
                   <a:ea typeface="メイリオ" panose="020B0604030504040204" pitchFamily="50" charset="-128"/>
+                  <a:cs typeface="Segoe UI" panose="020B0502040204020203" pitchFamily="34" charset="0"/>
                 </a:rPr>
                 <a:t>Product owner</a:t>
               </a:r>
               <a:endParaRPr kumimoji="1" lang="ja-JP" altLang="en-US" sz="1600" b="1" dirty="0">
-                <a:latin typeface="メイリオ" panose="020B0604030504040204" pitchFamily="50" charset="-128"/>
+                <a:latin typeface="Segoe UI" panose="020B0502040204020203" pitchFamily="34" charset="0"/>
                 <a:ea typeface="メイリオ" panose="020B0604030504040204" pitchFamily="50" charset="-128"/>
+                <a:cs typeface="Segoe UI" panose="020B0502040204020203" pitchFamily="34" charset="0"/>
               </a:endParaRPr>
             </a:p>
           </p:txBody>
@@ -17806,10 +18568,16 @@
           <a:lstStyle/>
           <a:p>
             <a:r>
-              <a:rPr lang="en-US" altLang="ja-JP" dirty="0"/>
+              <a:rPr lang="en-US" altLang="ja-JP" dirty="0">
+                <a:latin typeface="Segoe UI" panose="020B0502040204020203" pitchFamily="34" charset="0"/>
+                <a:cs typeface="Segoe UI" panose="020B0502040204020203" pitchFamily="34" charset="0"/>
+              </a:rPr>
               <a:t>Working together with stakeholders</a:t>
             </a:r>
-            <a:endParaRPr kumimoji="1" lang="ja-JP" altLang="en-US" dirty="0"/>
+            <a:endParaRPr kumimoji="1" lang="ja-JP" altLang="en-US" dirty="0">
+              <a:latin typeface="Segoe UI" panose="020B0502040204020203" pitchFamily="34" charset="0"/>
+              <a:cs typeface="Segoe UI" panose="020B0502040204020203" pitchFamily="34" charset="0"/>
+            </a:endParaRPr>
           </a:p>
         </p:txBody>
       </p:sp>
@@ -17831,7 +18599,7 @@
         </p:spPr>
         <p:txBody>
           <a:bodyPr>
-            <a:normAutofit lnSpcReduction="10000"/>
+            <a:normAutofit/>
           </a:bodyPr>
           <a:lstStyle/>
           <a:p>
@@ -17839,16 +18607,25 @@
               <a:buNone/>
             </a:pPr>
             <a:r>
-              <a:rPr lang="en-US" altLang="ja-JP" dirty="0"/>
+              <a:rPr lang="en-US" altLang="ja-JP" dirty="0">
+                <a:latin typeface="Segoe UI" panose="020B0502040204020203" pitchFamily="34" charset="0"/>
+                <a:cs typeface="Segoe UI" panose="020B0502040204020203" pitchFamily="34" charset="0"/>
+              </a:rPr>
               <a:t>Points of caution</a:t>
             </a:r>
-            <a:endParaRPr kumimoji="1" lang="en-US" altLang="ja-JP" dirty="0"/>
+            <a:endParaRPr kumimoji="1" lang="en-US" altLang="ja-JP" dirty="0">
+              <a:latin typeface="Segoe UI" panose="020B0502040204020203" pitchFamily="34" charset="0"/>
+              <a:cs typeface="Segoe UI" panose="020B0502040204020203" pitchFamily="34" charset="0"/>
+            </a:endParaRPr>
           </a:p>
           <a:p>
             <a:pPr marL="0" indent="0">
               <a:buNone/>
             </a:pPr>
-            <a:endParaRPr lang="en-US" altLang="ja-JP" sz="800" dirty="0"/>
+            <a:endParaRPr lang="en-US" altLang="ja-JP" sz="800" dirty="0">
+              <a:latin typeface="Segoe UI" panose="020B0502040204020203" pitchFamily="34" charset="0"/>
+              <a:cs typeface="Segoe UI" panose="020B0502040204020203" pitchFamily="34" charset="0"/>
+            </a:endParaRPr>
           </a:p>
           <a:p>
             <a:pPr>
@@ -17856,7 +18633,10 @@
               <a:buChar char="l"/>
             </a:pPr>
             <a:r>
-              <a:rPr lang="en-US" altLang="ja-JP" b="1" dirty="0"/>
+              <a:rPr lang="en-US" altLang="ja-JP" b="1" dirty="0">
+                <a:latin typeface="Segoe UI" panose="020B0502040204020203" pitchFamily="34" charset="0"/>
+                <a:cs typeface="Segoe UI" panose="020B0502040204020203" pitchFamily="34" charset="0"/>
+              </a:rPr>
               <a:t>Product owners should ideally strive to gain useful information on the product from stakeholders </a:t>
             </a:r>
           </a:p>
@@ -17865,26 +18645,38 @@
               <a:buFont typeface="Wingdings" panose="05000000000000000000" pitchFamily="2" charset="2"/>
               <a:buChar char="l"/>
             </a:pPr>
-            <a:endParaRPr lang="en-US" altLang="ja-JP" b="1" dirty="0"/>
+            <a:endParaRPr lang="en-US" altLang="ja-JP" b="1" dirty="0">
+              <a:latin typeface="Segoe UI" panose="020B0502040204020203" pitchFamily="34" charset="0"/>
+              <a:cs typeface="Segoe UI" panose="020B0502040204020203" pitchFamily="34" charset="0"/>
+            </a:endParaRPr>
           </a:p>
           <a:p>
             <a:pPr>
               <a:buFont typeface="Wingdings" panose="05000000000000000000" pitchFamily="2" charset="2"/>
               <a:buChar char="l"/>
             </a:pPr>
-            <a:endParaRPr kumimoji="1" lang="en-US" altLang="ja-JP" b="1" dirty="0"/>
+            <a:endParaRPr kumimoji="1" lang="en-US" altLang="ja-JP" b="1" dirty="0">
+              <a:latin typeface="Segoe UI" panose="020B0502040204020203" pitchFamily="34" charset="0"/>
+              <a:cs typeface="Segoe UI" panose="020B0502040204020203" pitchFamily="34" charset="0"/>
+            </a:endParaRPr>
           </a:p>
           <a:p>
             <a:pPr marL="0" indent="0">
               <a:buNone/>
             </a:pPr>
-            <a:endParaRPr kumimoji="1" lang="en-US" altLang="ja-JP" b="1" dirty="0"/>
+            <a:endParaRPr kumimoji="1" lang="en-US" altLang="ja-JP" b="1" dirty="0">
+              <a:latin typeface="Segoe UI" panose="020B0502040204020203" pitchFamily="34" charset="0"/>
+              <a:cs typeface="Segoe UI" panose="020B0502040204020203" pitchFamily="34" charset="0"/>
+            </a:endParaRPr>
           </a:p>
           <a:p>
             <a:pPr marL="0" indent="0">
               <a:buNone/>
             </a:pPr>
-            <a:endParaRPr kumimoji="1" lang="en-US" altLang="ja-JP" b="1" dirty="0"/>
+            <a:endParaRPr kumimoji="1" lang="en-US" altLang="ja-JP" b="1" dirty="0">
+              <a:latin typeface="Segoe UI" panose="020B0502040204020203" pitchFamily="34" charset="0"/>
+              <a:cs typeface="Segoe UI" panose="020B0502040204020203" pitchFamily="34" charset="0"/>
+            </a:endParaRPr>
           </a:p>
           <a:p>
             <a:pPr>
@@ -17892,10 +18684,16 @@
               <a:buChar char="l"/>
             </a:pPr>
             <a:r>
-              <a:rPr lang="en-US" altLang="ja-JP" b="1" dirty="0"/>
+              <a:rPr lang="en-US" altLang="ja-JP" b="1" dirty="0">
+                <a:latin typeface="Segoe UI" panose="020B0502040204020203" pitchFamily="34" charset="0"/>
+                <a:cs typeface="Segoe UI" panose="020B0502040204020203" pitchFamily="34" charset="0"/>
+              </a:rPr>
               <a:t>Do not follow stakeholders’ requests uncritically</a:t>
             </a:r>
-            <a:endParaRPr kumimoji="1" lang="ja-JP" altLang="en-US" b="1" dirty="0"/>
+            <a:endParaRPr kumimoji="1" lang="ja-JP" altLang="en-US" b="1" dirty="0">
+              <a:latin typeface="Segoe UI" panose="020B0502040204020203" pitchFamily="34" charset="0"/>
+              <a:cs typeface="Segoe UI" panose="020B0502040204020203" pitchFamily="34" charset="0"/>
+            </a:endParaRPr>
           </a:p>
         </p:txBody>
       </p:sp>
@@ -17919,6 +18717,8 @@
                 <a:solidFill>
                   <a:srgbClr val="000000"/>
                 </a:solidFill>
+                <a:latin typeface="Segoe UI" panose="020B0502040204020203" pitchFamily="34" charset="0"/>
+                <a:cs typeface="Segoe UI" panose="020B0502040204020203" pitchFamily="34" charset="0"/>
               </a:rPr>
               <a:pPr/>
               <a:t>31</a:t>
@@ -17927,6 +18727,8 @@
               <a:solidFill>
                 <a:srgbClr val="000000"/>
               </a:solidFill>
+              <a:latin typeface="Segoe UI" panose="020B0502040204020203" pitchFamily="34" charset="0"/>
+              <a:cs typeface="Segoe UI" panose="020B0502040204020203" pitchFamily="34" charset="0"/>
             </a:endParaRPr>
           </a:p>
         </p:txBody>
@@ -17980,8 +18782,9 @@
                 <a:solidFill>
                   <a:schemeClr val="tx1"/>
                 </a:solidFill>
-                <a:latin typeface="メイリオ" panose="020B0604030504040204" pitchFamily="50" charset="-128"/>
+                <a:latin typeface="Segoe UI" panose="020B0502040204020203" pitchFamily="34" charset="0"/>
                 <a:ea typeface="メイリオ" panose="020B0604030504040204" pitchFamily="50" charset="-128"/>
+                <a:cs typeface="Segoe UI" panose="020B0502040204020203" pitchFamily="34" charset="0"/>
               </a:rPr>
               <a:t>Seeking feedback from stakeholders can yield useful information on the product and insights that you had not thought of. Try to gain feedback from stakeholders through venues such as sprint reviews from the perspective of suitable management of economic viability </a:t>
             </a:r>
@@ -17989,8 +18792,9 @@
               <a:solidFill>
                 <a:schemeClr val="tx1"/>
               </a:solidFill>
-              <a:latin typeface="メイリオ" panose="020B0604030504040204" pitchFamily="50" charset="-128"/>
+              <a:latin typeface="Segoe UI" panose="020B0502040204020203" pitchFamily="34" charset="0"/>
               <a:ea typeface="メイリオ" panose="020B0604030504040204" pitchFamily="50" charset="-128"/>
+              <a:cs typeface="Segoe UI" panose="020B0502040204020203" pitchFamily="34" charset="0"/>
             </a:endParaRPr>
           </a:p>
         </p:txBody>
@@ -18044,8 +18848,9 @@
                 <a:solidFill>
                   <a:schemeClr val="tx1"/>
                 </a:solidFill>
-                <a:latin typeface="メイリオ" panose="020B0604030504040204" pitchFamily="50" charset="-128"/>
+                <a:latin typeface="Segoe UI" panose="020B0502040204020203" pitchFamily="34" charset="0"/>
                 <a:ea typeface="メイリオ" panose="020B0604030504040204" pitchFamily="50" charset="-128"/>
+                <a:cs typeface="Segoe UI" panose="020B0502040204020203" pitchFamily="34" charset="0"/>
               </a:rPr>
               <a:t>While stakeholders’ requests should be requested as they affect the priority order, you need to think about these requests critically, as </a:t>
             </a:r>
@@ -18054,8 +18859,9 @@
                 <a:solidFill>
                   <a:srgbClr val="FF0000"/>
                 </a:solidFill>
-                <a:latin typeface="メイリオ" panose="020B0604030504040204" pitchFamily="50" charset="-128"/>
+                <a:latin typeface="Segoe UI" panose="020B0502040204020203" pitchFamily="34" charset="0"/>
                 <a:ea typeface="メイリオ" panose="020B0604030504040204" pitchFamily="50" charset="-128"/>
+                <a:cs typeface="Segoe UI" panose="020B0502040204020203" pitchFamily="34" charset="0"/>
               </a:rPr>
               <a:t>fulfilling stakeholders’ requests may not necessarily increase ROI</a:t>
             </a:r>
@@ -18064,8 +18870,9 @@
                 <a:solidFill>
                   <a:schemeClr val="tx1"/>
                 </a:solidFill>
-                <a:latin typeface="メイリオ" panose="020B0604030504040204" pitchFamily="50" charset="-128"/>
+                <a:latin typeface="Segoe UI" panose="020B0502040204020203" pitchFamily="34" charset="0"/>
                 <a:ea typeface="メイリオ" panose="020B0604030504040204" pitchFamily="50" charset="-128"/>
+                <a:cs typeface="Segoe UI" panose="020B0502040204020203" pitchFamily="34" charset="0"/>
               </a:rPr>
               <a:t>.</a:t>
             </a:r>
@@ -18076,8 +18883,9 @@
                 <a:solidFill>
                   <a:schemeClr val="tx1"/>
                 </a:solidFill>
-                <a:latin typeface="メイリオ" panose="020B0604030504040204" pitchFamily="50" charset="-128"/>
+                <a:latin typeface="Segoe UI" panose="020B0502040204020203" pitchFamily="34" charset="0"/>
                 <a:ea typeface="メイリオ" panose="020B0604030504040204" pitchFamily="50" charset="-128"/>
+                <a:cs typeface="Segoe UI" panose="020B0502040204020203" pitchFamily="34" charset="0"/>
               </a:rPr>
               <a:t>Do not forget that your mission as the product owner is ultimately to increase the value of the product. </a:t>
             </a:r>
@@ -18085,8 +18893,9 @@
               <a:solidFill>
                 <a:schemeClr val="tx1"/>
               </a:solidFill>
-              <a:latin typeface="メイリオ" panose="020B0604030504040204" pitchFamily="50" charset="-128"/>
+              <a:latin typeface="Segoe UI" panose="020B0502040204020203" pitchFamily="34" charset="0"/>
               <a:ea typeface="メイリオ" panose="020B0604030504040204" pitchFamily="50" charset="-128"/>
+              <a:cs typeface="Segoe UI" panose="020B0502040204020203" pitchFamily="34" charset="0"/>
             </a:endParaRPr>
           </a:p>
         </p:txBody>
@@ -18137,10 +18946,16 @@
           <a:lstStyle/>
           <a:p>
             <a:r>
-              <a:rPr lang="en-US" altLang="ja-JP" dirty="0"/>
+              <a:rPr lang="en-US" altLang="ja-JP" dirty="0">
+                <a:latin typeface="Segoe UI" panose="020B0502040204020203" pitchFamily="34" charset="0"/>
+                <a:cs typeface="Segoe UI" panose="020B0502040204020203" pitchFamily="34" charset="0"/>
+              </a:rPr>
               <a:t>Involvement in each ceremony</a:t>
             </a:r>
-            <a:endParaRPr kumimoji="1" lang="ja-JP" altLang="en-US" dirty="0"/>
+            <a:endParaRPr kumimoji="1" lang="ja-JP" altLang="en-US" dirty="0">
+              <a:latin typeface="Segoe UI" panose="020B0502040204020203" pitchFamily="34" charset="0"/>
+              <a:cs typeface="Segoe UI" panose="020B0502040204020203" pitchFamily="34" charset="0"/>
+            </a:endParaRPr>
           </a:p>
         </p:txBody>
       </p:sp>
@@ -18164,6 +18979,8 @@
                 <a:solidFill>
                   <a:srgbClr val="000000"/>
                 </a:solidFill>
+                <a:latin typeface="Segoe UI" panose="020B0502040204020203" pitchFamily="34" charset="0"/>
+                <a:cs typeface="Segoe UI" panose="020B0502040204020203" pitchFamily="34" charset="0"/>
               </a:rPr>
               <a:pPr/>
               <a:t>32</a:t>
@@ -18172,6 +18989,8 @@
               <a:solidFill>
                 <a:srgbClr val="000000"/>
               </a:solidFill>
+              <a:latin typeface="Segoe UI" panose="020B0502040204020203" pitchFamily="34" charset="0"/>
+              <a:cs typeface="Segoe UI" panose="020B0502040204020203" pitchFamily="34" charset="0"/>
             </a:endParaRPr>
           </a:p>
         </p:txBody>
@@ -18251,7 +19070,10 @@
           <a:lstStyle/>
           <a:p>
             <a:pPr algn="ctr"/>
-            <a:endParaRPr kumimoji="1" lang="ja-JP" altLang="en-US"/>
+            <a:endParaRPr kumimoji="1" lang="ja-JP" altLang="en-US">
+              <a:latin typeface="Segoe UI" panose="020B0502040204020203" pitchFamily="34" charset="0"/>
+              <a:cs typeface="Segoe UI" panose="020B0502040204020203" pitchFamily="34" charset="0"/>
+            </a:endParaRPr>
           </a:p>
         </p:txBody>
       </p:sp>
@@ -18271,10 +19093,16 @@
           <a:lstStyle/>
           <a:p>
             <a:r>
-              <a:rPr lang="en-US" altLang="ja-JP" dirty="0"/>
+              <a:rPr lang="en-US" altLang="ja-JP" dirty="0">
+                <a:latin typeface="Segoe UI" panose="020B0502040204020203" pitchFamily="34" charset="0"/>
+                <a:cs typeface="Segoe UI" panose="020B0502040204020203" pitchFamily="34" charset="0"/>
+              </a:rPr>
               <a:t>The three basic concepts of Scrum</a:t>
             </a:r>
-            <a:endParaRPr kumimoji="1" lang="ja-JP" altLang="en-US" dirty="0"/>
+            <a:endParaRPr kumimoji="1" lang="ja-JP" altLang="en-US" dirty="0">
+              <a:latin typeface="Segoe UI" panose="020B0502040204020203" pitchFamily="34" charset="0"/>
+              <a:cs typeface="Segoe UI" panose="020B0502040204020203" pitchFamily="34" charset="0"/>
+            </a:endParaRPr>
           </a:p>
         </p:txBody>
       </p:sp>
@@ -18302,14 +19130,23 @@
               <a:buNone/>
             </a:pPr>
             <a:r>
-              <a:rPr lang="en-US" altLang="ja-JP" dirty="0"/>
+              <a:rPr lang="en-US" altLang="ja-JP" dirty="0">
+                <a:latin typeface="Segoe UI" panose="020B0502040204020203" pitchFamily="34" charset="0"/>
+                <a:cs typeface="Segoe UI" panose="020B0502040204020203" pitchFamily="34" charset="0"/>
+              </a:rPr>
               <a:t>The following three concepts are central to Scrum. </a:t>
             </a:r>
             <a:r>
-              <a:rPr lang="en-US" altLang="ja-JP" b="1" dirty="0"/>
+              <a:rPr lang="en-US" altLang="ja-JP" b="1" dirty="0">
+                <a:latin typeface="Segoe UI" panose="020B0502040204020203" pitchFamily="34" charset="0"/>
+                <a:cs typeface="Segoe UI" panose="020B0502040204020203" pitchFamily="34" charset="0"/>
+              </a:rPr>
               <a:t>All ceremonies must embody these three concepts. </a:t>
             </a:r>
-            <a:endParaRPr kumimoji="1" lang="ja-JP" altLang="en-US" b="1" dirty="0"/>
+            <a:endParaRPr kumimoji="1" lang="ja-JP" altLang="en-US" b="1" dirty="0">
+              <a:latin typeface="Segoe UI" panose="020B0502040204020203" pitchFamily="34" charset="0"/>
+              <a:cs typeface="Segoe UI" panose="020B0502040204020203" pitchFamily="34" charset="0"/>
+            </a:endParaRPr>
           </a:p>
         </p:txBody>
       </p:sp>
@@ -18333,6 +19170,8 @@
                 <a:solidFill>
                   <a:srgbClr val="000000"/>
                 </a:solidFill>
+                <a:latin typeface="Segoe UI" panose="020B0502040204020203" pitchFamily="34" charset="0"/>
+                <a:cs typeface="Segoe UI" panose="020B0502040204020203" pitchFamily="34" charset="0"/>
               </a:rPr>
               <a:pPr/>
               <a:t>33</a:t>
@@ -18341,6 +19180,8 @@
               <a:solidFill>
                 <a:srgbClr val="000000"/>
               </a:solidFill>
+              <a:latin typeface="Segoe UI" panose="020B0502040204020203" pitchFamily="34" charset="0"/>
+              <a:cs typeface="Segoe UI" panose="020B0502040204020203" pitchFamily="34" charset="0"/>
             </a:endParaRPr>
           </a:p>
         </p:txBody>
@@ -18352,7 +19193,7 @@
           <p:nvPr>
             <p:extLst>
               <p:ext uri="{D42A27DB-BD31-4B8C-83A1-F6EECF244321}">
-                <p14:modId xmlns:p14="http://schemas.microsoft.com/office/powerpoint/2010/main" val="940867862"/>
+                <p14:modId xmlns:p14="http://schemas.microsoft.com/office/powerpoint/2010/main" val="3324120544"/>
               </p:ext>
             </p:extLst>
           </p:nvPr>
@@ -18392,14 +19233,16 @@
             <a:pPr algn="ctr"/>
             <a:r>
               <a:rPr lang="en-US" altLang="ja-JP" sz="2800" dirty="0">
-                <a:latin typeface="メイリオ" panose="020B0604030504040204" pitchFamily="50" charset="-128"/>
+                <a:latin typeface="Segoe UI" panose="020B0502040204020203" pitchFamily="34" charset="0"/>
                 <a:ea typeface="メイリオ" panose="020B0604030504040204" pitchFamily="50" charset="-128"/>
+                <a:cs typeface="Segoe UI" panose="020B0502040204020203" pitchFamily="34" charset="0"/>
               </a:rPr>
               <a:t>Transparency</a:t>
             </a:r>
             <a:endParaRPr kumimoji="1" lang="ja-JP" altLang="en-US" sz="2800" dirty="0">
-              <a:latin typeface="メイリオ" panose="020B0604030504040204" pitchFamily="50" charset="-128"/>
+              <a:latin typeface="Segoe UI" panose="020B0502040204020203" pitchFamily="34" charset="0"/>
               <a:ea typeface="メイリオ" panose="020B0604030504040204" pitchFamily="50" charset="-128"/>
+              <a:cs typeface="Segoe UI" panose="020B0502040204020203" pitchFamily="34" charset="0"/>
             </a:endParaRPr>
           </a:p>
         </p:txBody>
@@ -18451,8 +19294,9 @@
                 <a:solidFill>
                   <a:schemeClr val="tx1"/>
                 </a:solidFill>
-                <a:latin typeface="メイリオ" panose="020B0604030504040204" pitchFamily="50" charset="-128"/>
+                <a:latin typeface="Segoe UI" panose="020B0502040204020203" pitchFamily="34" charset="0"/>
                 <a:ea typeface="メイリオ" panose="020B0604030504040204" pitchFamily="50" charset="-128"/>
+                <a:cs typeface="Segoe UI" panose="020B0502040204020203" pitchFamily="34" charset="0"/>
               </a:rPr>
               <a:t>The scrum team must evaluate its processes and deliverables at each ceremony and adapt each time new facts come to light to verify hypotheses.</a:t>
             </a:r>
@@ -18464,8 +19308,9 @@
                 <a:solidFill>
                   <a:schemeClr val="tx1"/>
                 </a:solidFill>
-                <a:latin typeface="メイリオ" panose="020B0604030504040204" pitchFamily="50" charset="-128"/>
+                <a:latin typeface="Segoe UI" panose="020B0502040204020203" pitchFamily="34" charset="0"/>
                 <a:ea typeface="メイリオ" panose="020B0604030504040204" pitchFamily="50" charset="-128"/>
+                <a:cs typeface="Segoe UI" panose="020B0502040204020203" pitchFamily="34" charset="0"/>
               </a:rPr>
               <a:t>This series of actions is only possible when transparency is guaranteed. </a:t>
             </a:r>
@@ -18473,8 +19318,9 @@
               <a:solidFill>
                 <a:schemeClr val="tx1"/>
               </a:solidFill>
-              <a:latin typeface="メイリオ" panose="020B0604030504040204" pitchFamily="50" charset="-128"/>
+              <a:latin typeface="Segoe UI" panose="020B0502040204020203" pitchFamily="34" charset="0"/>
               <a:ea typeface="メイリオ" panose="020B0604030504040204" pitchFamily="50" charset="-128"/>
+              <a:cs typeface="Segoe UI" panose="020B0502040204020203" pitchFamily="34" charset="0"/>
             </a:endParaRPr>
           </a:p>
         </p:txBody>
@@ -18526,7 +19372,10 @@
           <a:p>
             <a:pPr marL="457200" indent="-457200"/>
             <a:r>
-              <a:rPr lang="en-US" altLang="ja-JP" dirty="0"/>
+              <a:rPr lang="en-US" altLang="ja-JP" dirty="0">
+                <a:latin typeface="Segoe UI" panose="020B0502040204020203" pitchFamily="34" charset="0"/>
+                <a:cs typeface="Segoe UI" panose="020B0502040204020203" pitchFamily="34" charset="0"/>
+              </a:rPr>
               <a:t>Involvement in each ceremony</a:t>
             </a:r>
           </a:p>
@@ -18542,14 +19391,14 @@
             <p:ph idx="1"/>
             <p:extLst>
               <p:ext uri="{D42A27DB-BD31-4B8C-83A1-F6EECF244321}">
-                <p14:modId xmlns:p14="http://schemas.microsoft.com/office/powerpoint/2010/main" val="833587272"/>
+                <p14:modId xmlns:p14="http://schemas.microsoft.com/office/powerpoint/2010/main" val="1695454717"/>
               </p:ext>
             </p:extLst>
           </p:nvPr>
         </p:nvGraphicFramePr>
         <p:xfrm>
           <a:off x="468312" y="1059592"/>
-          <a:ext cx="8496175" cy="5765800"/>
+          <a:ext cx="8496175" cy="5491480"/>
         </p:xfrm>
         <a:graphic>
           <a:graphicData uri="http://schemas.openxmlformats.org/drawingml/2006/table">
@@ -18589,14 +19438,16 @@
                       <a:pPr algn="ctr"/>
                       <a:r>
                         <a:rPr kumimoji="1" lang="en-US" altLang="ja-JP" dirty="0">
-                          <a:latin typeface="メイリオ" panose="020B0604030504040204" pitchFamily="50" charset="-128"/>
+                          <a:latin typeface="Segoe UI" panose="020B0502040204020203" pitchFamily="34" charset="0"/>
                           <a:ea typeface="メイリオ" panose="020B0604030504040204" pitchFamily="50" charset="-128"/>
+                          <a:cs typeface="Segoe UI" panose="020B0502040204020203" pitchFamily="34" charset="0"/>
                         </a:rPr>
                         <a:t>Event</a:t>
                       </a:r>
                       <a:endParaRPr kumimoji="1" lang="ja-JP" altLang="en-US" dirty="0">
-                        <a:latin typeface="メイリオ" panose="020B0604030504040204" pitchFamily="50" charset="-128"/>
+                        <a:latin typeface="Segoe UI" panose="020B0502040204020203" pitchFamily="34" charset="0"/>
                         <a:ea typeface="メイリオ" panose="020B0604030504040204" pitchFamily="50" charset="-128"/>
+                        <a:cs typeface="Segoe UI" panose="020B0502040204020203" pitchFamily="34" charset="0"/>
                       </a:endParaRPr>
                     </a:p>
                   </a:txBody>
@@ -18610,14 +19461,16 @@
                       <a:pPr algn="ctr"/>
                       <a:r>
                         <a:rPr kumimoji="1" lang="en-US" altLang="ja-JP" dirty="0">
-                          <a:latin typeface="メイリオ" panose="020B0604030504040204" pitchFamily="50" charset="-128"/>
+                          <a:latin typeface="Segoe UI" panose="020B0502040204020203" pitchFamily="34" charset="0"/>
                           <a:ea typeface="メイリオ" panose="020B0604030504040204" pitchFamily="50" charset="-128"/>
+                          <a:cs typeface="Segoe UI" panose="020B0502040204020203" pitchFamily="34" charset="0"/>
                         </a:rPr>
                         <a:t>Involved</a:t>
                       </a:r>
                       <a:endParaRPr kumimoji="1" lang="ja-JP" altLang="en-US" dirty="0">
-                        <a:latin typeface="メイリオ" panose="020B0604030504040204" pitchFamily="50" charset="-128"/>
+                        <a:latin typeface="Segoe UI" panose="020B0502040204020203" pitchFamily="34" charset="0"/>
                         <a:ea typeface="メイリオ" panose="020B0604030504040204" pitchFamily="50" charset="-128"/>
+                        <a:cs typeface="Segoe UI" panose="020B0502040204020203" pitchFamily="34" charset="0"/>
                       </a:endParaRPr>
                     </a:p>
                   </a:txBody>
@@ -18630,14 +19483,16 @@
                     <a:p>
                       <a:r>
                         <a:rPr kumimoji="1" lang="en-US" altLang="ja-JP" dirty="0">
-                          <a:latin typeface="メイリオ" panose="020B0604030504040204" pitchFamily="50" charset="-128"/>
+                          <a:latin typeface="Segoe UI" panose="020B0502040204020203" pitchFamily="34" charset="0"/>
                           <a:ea typeface="メイリオ" panose="020B0604030504040204" pitchFamily="50" charset="-128"/>
+                          <a:cs typeface="Segoe UI" panose="020B0502040204020203" pitchFamily="34" charset="0"/>
                         </a:rPr>
                         <a:t>Involvement of product owner</a:t>
                       </a:r>
                       <a:endParaRPr kumimoji="1" lang="ja-JP" altLang="en-US" dirty="0">
-                        <a:latin typeface="メイリオ" panose="020B0604030504040204" pitchFamily="50" charset="-128"/>
+                        <a:latin typeface="Segoe UI" panose="020B0502040204020203" pitchFamily="34" charset="0"/>
                         <a:ea typeface="メイリオ" panose="020B0604030504040204" pitchFamily="50" charset="-128"/>
+                        <a:cs typeface="Segoe UI" panose="020B0502040204020203" pitchFamily="34" charset="0"/>
                       </a:endParaRPr>
                     </a:p>
                   </a:txBody>
@@ -18657,8 +19512,9 @@
                     <a:p>
                       <a:r>
                         <a:rPr kumimoji="1" lang="en-US" altLang="ja-JP" dirty="0">
-                          <a:latin typeface="メイリオ" panose="020B0604030504040204" pitchFamily="50" charset="-128"/>
+                          <a:latin typeface="Segoe UI" panose="020B0502040204020203" pitchFamily="34" charset="0"/>
                           <a:ea typeface="メイリオ" panose="020B0604030504040204" pitchFamily="50" charset="-128"/>
+                          <a:cs typeface="Segoe UI" panose="020B0502040204020203" pitchFamily="34" charset="0"/>
                         </a:rPr>
                         <a:t>Daily scrums</a:t>
                       </a:r>
@@ -18674,8 +19530,9 @@
                       <a:pPr algn="ctr"/>
                       <a:r>
                         <a:rPr kumimoji="1" lang="en-US" altLang="ja-JP" sz="2800" dirty="0">
-                          <a:latin typeface="メイリオ" panose="020B0604030504040204" pitchFamily="50" charset="-128"/>
+                          <a:latin typeface="Segoe UI" panose="020B0502040204020203" pitchFamily="34" charset="0"/>
                           <a:ea typeface="メイリオ" panose="020B0604030504040204" pitchFamily="50" charset="-128"/>
+                          <a:cs typeface="Segoe UI" panose="020B0502040204020203" pitchFamily="34" charset="0"/>
                         </a:rPr>
                         <a:t>Maybe</a:t>
                       </a:r>
@@ -18690,8 +19547,9 @@
                     <a:p>
                       <a:r>
                         <a:rPr kumimoji="1" lang="en-US" altLang="ja-JP" dirty="0">
-                          <a:latin typeface="メイリオ" panose="020B0604030504040204" pitchFamily="50" charset="-128"/>
+                          <a:latin typeface="Segoe UI" panose="020B0502040204020203" pitchFamily="34" charset="0"/>
                           <a:ea typeface="メイリオ" panose="020B0604030504040204" pitchFamily="50" charset="-128"/>
+                          <a:cs typeface="Segoe UI" panose="020B0502040204020203" pitchFamily="34" charset="0"/>
                         </a:rPr>
                         <a:t>Not required, but being involved makes it possible to assess current progress.</a:t>
                       </a:r>
@@ -18713,8 +19571,9 @@
                     <a:p>
                       <a:r>
                         <a:rPr kumimoji="1" lang="en-US" altLang="ja-JP" dirty="0">
-                          <a:latin typeface="メイリオ" panose="020B0604030504040204" pitchFamily="50" charset="-128"/>
+                          <a:latin typeface="Segoe UI" panose="020B0502040204020203" pitchFamily="34" charset="0"/>
                           <a:ea typeface="メイリオ" panose="020B0604030504040204" pitchFamily="50" charset="-128"/>
+                          <a:cs typeface="Segoe UI" panose="020B0502040204020203" pitchFamily="34" charset="0"/>
                         </a:rPr>
                         <a:t>Backlog</a:t>
                       </a:r>
@@ -18722,8 +19581,9 @@
                     <a:p>
                       <a:r>
                         <a:rPr kumimoji="1" lang="en-US" altLang="ja-JP" dirty="0">
-                          <a:latin typeface="メイリオ" panose="020B0604030504040204" pitchFamily="50" charset="-128"/>
+                          <a:latin typeface="Segoe UI" panose="020B0502040204020203" pitchFamily="34" charset="0"/>
                           <a:ea typeface="メイリオ" panose="020B0604030504040204" pitchFamily="50" charset="-128"/>
+                          <a:cs typeface="Segoe UI" panose="020B0502040204020203" pitchFamily="34" charset="0"/>
                         </a:rPr>
                         <a:t>Refinement</a:t>
                       </a:r>
@@ -18739,14 +19599,16 @@
                       <a:pPr algn="ctr"/>
                       <a:r>
                         <a:rPr kumimoji="1" lang="en-US" altLang="ja-JP" sz="2800" dirty="0">
-                          <a:latin typeface="メイリオ" panose="020B0604030504040204" pitchFamily="50" charset="-128"/>
+                          <a:latin typeface="Segoe UI" panose="020B0502040204020203" pitchFamily="34" charset="0"/>
                           <a:ea typeface="メイリオ" panose="020B0604030504040204" pitchFamily="50" charset="-128"/>
+                          <a:cs typeface="Segoe UI" panose="020B0502040204020203" pitchFamily="34" charset="0"/>
                         </a:rPr>
                         <a:t>Yes</a:t>
                       </a:r>
                       <a:endParaRPr kumimoji="1" lang="ja-JP" altLang="en-US" sz="2800" dirty="0">
-                        <a:latin typeface="メイリオ" panose="020B0604030504040204" pitchFamily="50" charset="-128"/>
+                        <a:latin typeface="Segoe UI" panose="020B0502040204020203" pitchFamily="34" charset="0"/>
                         <a:ea typeface="メイリオ" panose="020B0604030504040204" pitchFamily="50" charset="-128"/>
+                        <a:cs typeface="Segoe UI" panose="020B0502040204020203" pitchFamily="34" charset="0"/>
                       </a:endParaRPr>
                     </a:p>
                   </a:txBody>
@@ -18759,29 +19621,33 @@
                     <a:p>
                       <a:r>
                         <a:rPr kumimoji="1" lang="en-US" altLang="ja-JP" b="1" dirty="0">
-                          <a:latin typeface="メイリオ" panose="020B0604030504040204" pitchFamily="50" charset="-128"/>
+                          <a:latin typeface="Segoe UI" panose="020B0502040204020203" pitchFamily="34" charset="0"/>
                           <a:ea typeface="メイリオ" panose="020B0604030504040204" pitchFamily="50" charset="-128"/>
+                          <a:cs typeface="Segoe UI" panose="020B0502040204020203" pitchFamily="34" charset="0"/>
                         </a:rPr>
                         <a:t>Required. </a:t>
                       </a:r>
                       <a:r>
                         <a:rPr kumimoji="1" lang="en-US" altLang="ja-JP" b="0" dirty="0">
-                          <a:latin typeface="メイリオ" panose="020B0604030504040204" pitchFamily="50" charset="-128"/>
+                          <a:latin typeface="Segoe UI" panose="020B0502040204020203" pitchFamily="34" charset="0"/>
                           <a:ea typeface="メイリオ" panose="020B0604030504040204" pitchFamily="50" charset="-128"/>
+                          <a:cs typeface="Segoe UI" panose="020B0502040204020203" pitchFamily="34" charset="0"/>
                         </a:rPr>
                         <a:t>The product owner needs to share</a:t>
                       </a:r>
                       <a:r>
                         <a:rPr kumimoji="1" lang="ja-JP" altLang="en-US" b="0" dirty="0">
-                          <a:latin typeface="メイリオ" panose="020B0604030504040204" pitchFamily="50" charset="-128"/>
+                          <a:latin typeface="Segoe UI" panose="020B0502040204020203" pitchFamily="34" charset="0"/>
                           <a:ea typeface="メイリオ" panose="020B0604030504040204" pitchFamily="50" charset="-128"/>
+                          <a:cs typeface="Segoe UI" panose="020B0502040204020203" pitchFamily="34" charset="0"/>
                         </a:rPr>
                         <a:t> </a:t>
                       </a:r>
                       <a:r>
                         <a:rPr kumimoji="1" lang="en-US" altLang="ja-JP" b="0" dirty="0">
-                          <a:latin typeface="メイリオ" panose="020B0604030504040204" pitchFamily="50" charset="-128"/>
+                          <a:latin typeface="Segoe UI" panose="020B0502040204020203" pitchFamily="34" charset="0"/>
                           <a:ea typeface="メイリオ" panose="020B0604030504040204" pitchFamily="50" charset="-128"/>
+                          <a:cs typeface="Segoe UI" panose="020B0502040204020203" pitchFamily="34" charset="0"/>
                         </a:rPr>
                         <a:t>information on each product backlog item so that the development team can make estimates.</a:t>
                       </a:r>
@@ -18803,14 +19669,16 @@
                     <a:p>
                       <a:r>
                         <a:rPr kumimoji="1" lang="en-US" altLang="ja-JP" dirty="0">
-                          <a:latin typeface="メイリオ" panose="020B0604030504040204" pitchFamily="50" charset="-128"/>
+                          <a:latin typeface="Segoe UI" panose="020B0502040204020203" pitchFamily="34" charset="0"/>
                           <a:ea typeface="メイリオ" panose="020B0604030504040204" pitchFamily="50" charset="-128"/>
+                          <a:cs typeface="Segoe UI" panose="020B0502040204020203" pitchFamily="34" charset="0"/>
                         </a:rPr>
                         <a:t>Planning</a:t>
                       </a:r>
                       <a:endParaRPr kumimoji="1" lang="ja-JP" altLang="en-US" dirty="0">
-                        <a:latin typeface="メイリオ" panose="020B0604030504040204" pitchFamily="50" charset="-128"/>
+                        <a:latin typeface="Segoe UI" panose="020B0502040204020203" pitchFamily="34" charset="0"/>
                         <a:ea typeface="メイリオ" panose="020B0604030504040204" pitchFamily="50" charset="-128"/>
+                        <a:cs typeface="Segoe UI" panose="020B0502040204020203" pitchFamily="34" charset="0"/>
                       </a:endParaRPr>
                     </a:p>
                   </a:txBody>
@@ -18824,14 +19692,16 @@
                       <a:pPr algn="ctr"/>
                       <a:r>
                         <a:rPr kumimoji="1" lang="en-US" altLang="ja-JP" sz="2800" dirty="0">
-                          <a:latin typeface="メイリオ" panose="020B0604030504040204" pitchFamily="50" charset="-128"/>
+                          <a:latin typeface="Segoe UI" panose="020B0502040204020203" pitchFamily="34" charset="0"/>
                           <a:ea typeface="メイリオ" panose="020B0604030504040204" pitchFamily="50" charset="-128"/>
+                          <a:cs typeface="Segoe UI" panose="020B0502040204020203" pitchFamily="34" charset="0"/>
                         </a:rPr>
                         <a:t>Yes</a:t>
                       </a:r>
                       <a:endParaRPr kumimoji="1" lang="ja-JP" altLang="en-US" sz="2800" dirty="0">
-                        <a:latin typeface="メイリオ" panose="020B0604030504040204" pitchFamily="50" charset="-128"/>
+                        <a:latin typeface="Segoe UI" panose="020B0502040204020203" pitchFamily="34" charset="0"/>
                         <a:ea typeface="メイリオ" panose="020B0604030504040204" pitchFamily="50" charset="-128"/>
+                        <a:cs typeface="Segoe UI" panose="020B0502040204020203" pitchFamily="34" charset="0"/>
                       </a:endParaRPr>
                     </a:p>
                   </a:txBody>
@@ -18844,15 +19714,17 @@
                     <a:p>
                       <a:r>
                         <a:rPr kumimoji="1" lang="en-US" altLang="ja-JP" b="1" dirty="0">
-                          <a:latin typeface="メイリオ" panose="020B0604030504040204" pitchFamily="50" charset="-128"/>
+                          <a:latin typeface="Segoe UI" panose="020B0502040204020203" pitchFamily="34" charset="0"/>
                           <a:ea typeface="メイリオ" panose="020B0604030504040204" pitchFamily="50" charset="-128"/>
+                          <a:cs typeface="Segoe UI" panose="020B0502040204020203" pitchFamily="34" charset="0"/>
                         </a:rPr>
                         <a:t>Required. </a:t>
                       </a:r>
                       <a:r>
                         <a:rPr kumimoji="1" lang="en-US" altLang="ja-JP" b="0" dirty="0">
-                          <a:latin typeface="メイリオ" panose="020B0604030504040204" pitchFamily="50" charset="-128"/>
+                          <a:latin typeface="Segoe UI" panose="020B0502040204020203" pitchFamily="34" charset="0"/>
                           <a:ea typeface="メイリオ" panose="020B0604030504040204" pitchFamily="50" charset="-128"/>
+                          <a:cs typeface="Segoe UI" panose="020B0502040204020203" pitchFamily="34" charset="0"/>
                         </a:rPr>
                         <a:t>Sharing information on the current economic situation, sprint goals and future strategies with the development team increases their commitment. </a:t>
                       </a:r>
@@ -18874,14 +19746,16 @@
                     <a:p>
                       <a:r>
                         <a:rPr kumimoji="1" lang="en-US" altLang="ja-JP" dirty="0">
-                          <a:latin typeface="メイリオ" panose="020B0604030504040204" pitchFamily="50" charset="-128"/>
+                          <a:latin typeface="Segoe UI" panose="020B0502040204020203" pitchFamily="34" charset="0"/>
                           <a:ea typeface="メイリオ" panose="020B0604030504040204" pitchFamily="50" charset="-128"/>
+                          <a:cs typeface="Segoe UI" panose="020B0502040204020203" pitchFamily="34" charset="0"/>
                         </a:rPr>
                         <a:t>Sprint reviews</a:t>
                       </a:r>
                       <a:endParaRPr kumimoji="1" lang="ja-JP" altLang="en-US" dirty="0">
-                        <a:latin typeface="メイリオ" panose="020B0604030504040204" pitchFamily="50" charset="-128"/>
+                        <a:latin typeface="Segoe UI" panose="020B0502040204020203" pitchFamily="34" charset="0"/>
                         <a:ea typeface="メイリオ" panose="020B0604030504040204" pitchFamily="50" charset="-128"/>
+                        <a:cs typeface="Segoe UI" panose="020B0502040204020203" pitchFamily="34" charset="0"/>
                       </a:endParaRPr>
                     </a:p>
                   </a:txBody>
@@ -18895,14 +19769,16 @@
                       <a:pPr algn="ctr"/>
                       <a:r>
                         <a:rPr kumimoji="1" lang="en-US" altLang="ja-JP" sz="2800" dirty="0">
-                          <a:latin typeface="メイリオ" panose="020B0604030504040204" pitchFamily="50" charset="-128"/>
+                          <a:latin typeface="Segoe UI" panose="020B0502040204020203" pitchFamily="34" charset="0"/>
                           <a:ea typeface="メイリオ" panose="020B0604030504040204" pitchFamily="50" charset="-128"/>
+                          <a:cs typeface="Segoe UI" panose="020B0502040204020203" pitchFamily="34" charset="0"/>
                         </a:rPr>
                         <a:t>Yes</a:t>
                       </a:r>
                       <a:endParaRPr kumimoji="1" lang="ja-JP" altLang="en-US" sz="2800" dirty="0">
-                        <a:latin typeface="メイリオ" panose="020B0604030504040204" pitchFamily="50" charset="-128"/>
+                        <a:latin typeface="Segoe UI" panose="020B0502040204020203" pitchFamily="34" charset="0"/>
                         <a:ea typeface="メイリオ" panose="020B0604030504040204" pitchFamily="50" charset="-128"/>
+                        <a:cs typeface="Segoe UI" panose="020B0502040204020203" pitchFamily="34" charset="0"/>
                       </a:endParaRPr>
                     </a:p>
                   </a:txBody>
@@ -18915,15 +19791,17 @@
                     <a:p>
                       <a:r>
                         <a:rPr kumimoji="1" lang="en-US" altLang="ja-JP" b="1" dirty="0">
-                          <a:latin typeface="メイリオ" panose="020B0604030504040204" pitchFamily="50" charset="-128"/>
+                          <a:latin typeface="Segoe UI" panose="020B0502040204020203" pitchFamily="34" charset="0"/>
                           <a:ea typeface="メイリオ" panose="020B0604030504040204" pitchFamily="50" charset="-128"/>
+                          <a:cs typeface="Segoe UI" panose="020B0502040204020203" pitchFamily="34" charset="0"/>
                         </a:rPr>
                         <a:t>Required. </a:t>
                       </a:r>
                       <a:r>
                         <a:rPr kumimoji="1" lang="en-US" altLang="ja-JP" b="0" dirty="0">
-                          <a:latin typeface="メイリオ" panose="020B0604030504040204" pitchFamily="50" charset="-128"/>
+                          <a:latin typeface="Segoe UI" panose="020B0502040204020203" pitchFamily="34" charset="0"/>
                           <a:ea typeface="メイリオ" panose="020B0604030504040204" pitchFamily="50" charset="-128"/>
+                          <a:cs typeface="Segoe UI" panose="020B0502040204020203" pitchFamily="34" charset="0"/>
                         </a:rPr>
                         <a:t>Applying information from reviews to the backlog makes it possible to maintain transparency.</a:t>
                       </a:r>
@@ -18945,14 +19823,16 @@
                     <a:p>
                       <a:r>
                         <a:rPr kumimoji="1" lang="en-US" altLang="ja-JP" dirty="0">
-                          <a:latin typeface="メイリオ" panose="020B0604030504040204" pitchFamily="50" charset="-128"/>
+                          <a:latin typeface="Segoe UI" panose="020B0502040204020203" pitchFamily="34" charset="0"/>
                           <a:ea typeface="メイリオ" panose="020B0604030504040204" pitchFamily="50" charset="-128"/>
+                          <a:cs typeface="Segoe UI" panose="020B0502040204020203" pitchFamily="34" charset="0"/>
                         </a:rPr>
                         <a:t>Retrospectives</a:t>
                       </a:r>
                       <a:endParaRPr kumimoji="1" lang="ja-JP" altLang="en-US" dirty="0">
-                        <a:latin typeface="メイリオ" panose="020B0604030504040204" pitchFamily="50" charset="-128"/>
+                        <a:latin typeface="Segoe UI" panose="020B0502040204020203" pitchFamily="34" charset="0"/>
                         <a:ea typeface="メイリオ" panose="020B0604030504040204" pitchFamily="50" charset="-128"/>
+                        <a:cs typeface="Segoe UI" panose="020B0502040204020203" pitchFamily="34" charset="0"/>
                       </a:endParaRPr>
                     </a:p>
                   </a:txBody>
@@ -18966,14 +19846,16 @@
                       <a:pPr algn="ctr"/>
                       <a:r>
                         <a:rPr kumimoji="1" lang="en-US" altLang="ja-JP" sz="2800" dirty="0">
-                          <a:latin typeface="メイリオ" panose="020B0604030504040204" pitchFamily="50" charset="-128"/>
+                          <a:latin typeface="Segoe UI" panose="020B0502040204020203" pitchFamily="34" charset="0"/>
                           <a:ea typeface="メイリオ" panose="020B0604030504040204" pitchFamily="50" charset="-128"/>
+                          <a:cs typeface="Segoe UI" panose="020B0502040204020203" pitchFamily="34" charset="0"/>
                         </a:rPr>
                         <a:t>Maybe</a:t>
                       </a:r>
                       <a:endParaRPr kumimoji="1" lang="ja-JP" altLang="en-US" sz="2800" dirty="0">
-                        <a:latin typeface="メイリオ" panose="020B0604030504040204" pitchFamily="50" charset="-128"/>
+                        <a:latin typeface="Segoe UI" panose="020B0502040204020203" pitchFamily="34" charset="0"/>
                         <a:ea typeface="メイリオ" panose="020B0604030504040204" pitchFamily="50" charset="-128"/>
+                        <a:cs typeface="Segoe UI" panose="020B0502040204020203" pitchFamily="34" charset="0"/>
                       </a:endParaRPr>
                     </a:p>
                   </a:txBody>
@@ -18986,8 +19868,9 @@
                     <a:p>
                       <a:r>
                         <a:rPr kumimoji="1" lang="en-US" altLang="ja-JP" dirty="0">
-                          <a:latin typeface="メイリオ" panose="020B0604030504040204" pitchFamily="50" charset="-128"/>
+                          <a:latin typeface="Segoe UI" panose="020B0502040204020203" pitchFamily="34" charset="0"/>
                           <a:ea typeface="メイリオ" panose="020B0604030504040204" pitchFamily="50" charset="-128"/>
+                          <a:cs typeface="Segoe UI" panose="020B0502040204020203" pitchFamily="34" charset="0"/>
                         </a:rPr>
                         <a:t>Not required, but being involved makes it possible to find solutions to issues that are difficult for the development team to solve alone.</a:t>
                       </a:r>
@@ -19025,6 +19908,8 @@
                 <a:solidFill>
                   <a:srgbClr val="000000"/>
                 </a:solidFill>
+                <a:latin typeface="Segoe UI" panose="020B0502040204020203" pitchFamily="34" charset="0"/>
+                <a:cs typeface="Segoe UI" panose="020B0502040204020203" pitchFamily="34" charset="0"/>
               </a:rPr>
               <a:pPr/>
               <a:t>34</a:t>
@@ -19033,6 +19918,8 @@
               <a:solidFill>
                 <a:srgbClr val="000000"/>
               </a:solidFill>
+              <a:latin typeface="Segoe UI" panose="020B0502040204020203" pitchFamily="34" charset="0"/>
+              <a:cs typeface="Segoe UI" panose="020B0502040204020203" pitchFamily="34" charset="0"/>
             </a:endParaRPr>
           </a:p>
         </p:txBody>
@@ -19083,10 +19970,16 @@
           <a:lstStyle/>
           <a:p>
             <a:r>
-              <a:rPr lang="en-US" altLang="ja-JP" dirty="0"/>
+              <a:rPr lang="en-US" altLang="ja-JP" dirty="0">
+                <a:latin typeface="Segoe UI" panose="020B0502040204020203" pitchFamily="34" charset="0"/>
+                <a:cs typeface="Segoe UI" panose="020B0502040204020203" pitchFamily="34" charset="0"/>
+              </a:rPr>
               <a:t>Credits</a:t>
             </a:r>
-            <a:endParaRPr kumimoji="1" lang="ja-JP" altLang="en-US" dirty="0"/>
+            <a:endParaRPr kumimoji="1" lang="ja-JP" altLang="en-US" dirty="0">
+              <a:latin typeface="Segoe UI" panose="020B0502040204020203" pitchFamily="34" charset="0"/>
+              <a:cs typeface="Segoe UI" panose="020B0502040204020203" pitchFamily="34" charset="0"/>
+            </a:endParaRPr>
           </a:p>
         </p:txBody>
       </p:sp>
@@ -19112,7 +20005,10 @@
               <a:buChar char="u"/>
             </a:pPr>
             <a:r>
-              <a:rPr lang="en-US" altLang="ja-JP" dirty="0"/>
+              <a:rPr lang="en-US" altLang="ja-JP" dirty="0">
+                <a:latin typeface="Segoe UI" panose="020B0502040204020203" pitchFamily="34" charset="0"/>
+                <a:cs typeface="Segoe UI" panose="020B0502040204020203" pitchFamily="34" charset="0"/>
+              </a:rPr>
               <a:t>The explanations in this document use quotes from the Scrum Guide.</a:t>
             </a:r>
           </a:p>
@@ -19121,14 +20017,20 @@
               <a:buFont typeface="Wingdings" panose="05000000000000000000" pitchFamily="2" charset="2"/>
               <a:buChar char="u"/>
             </a:pPr>
-            <a:endParaRPr lang="en-US" altLang="ja-JP" sz="900" dirty="0"/>
+            <a:endParaRPr lang="en-US" altLang="ja-JP" sz="900" dirty="0">
+              <a:latin typeface="Segoe UI" panose="020B0502040204020203" pitchFamily="34" charset="0"/>
+              <a:cs typeface="Segoe UI" panose="020B0502040204020203" pitchFamily="34" charset="0"/>
+            </a:endParaRPr>
           </a:p>
           <a:p>
             <a:pPr marL="457200" lvl="1" indent="0">
               <a:buNone/>
             </a:pPr>
             <a:r>
-              <a:rPr lang="en-US" altLang="ja-JP" dirty="0"/>
+              <a:rPr lang="en-US" altLang="ja-JP" dirty="0">
+                <a:latin typeface="Segoe UI" panose="020B0502040204020203" pitchFamily="34" charset="0"/>
+                <a:cs typeface="Segoe UI" panose="020B0502040204020203" pitchFamily="34" charset="0"/>
+              </a:rPr>
               <a:t>Scrum Guide</a:t>
             </a:r>
           </a:p>
@@ -19137,15 +20039,24 @@
               <a:buNone/>
             </a:pPr>
             <a:r>
-              <a:rPr lang="en-US" altLang="ja-JP" sz="1600" dirty="0"/>
+              <a:rPr lang="en-US" altLang="ja-JP" sz="1600" dirty="0">
+                <a:latin typeface="Segoe UI" panose="020B0502040204020203" pitchFamily="34" charset="0"/>
+                <a:cs typeface="Segoe UI" panose="020B0502040204020203" pitchFamily="34" charset="0"/>
+              </a:rPr>
               <a:t>©2020 Ken </a:t>
             </a:r>
             <a:r>
-              <a:rPr lang="en-US" altLang="ja-JP" sz="1600" dirty="0" err="1"/>
+              <a:rPr lang="en-US" altLang="ja-JP" sz="1600" dirty="0" err="1">
+                <a:latin typeface="Segoe UI" panose="020B0502040204020203" pitchFamily="34" charset="0"/>
+                <a:cs typeface="Segoe UI" panose="020B0502040204020203" pitchFamily="34" charset="0"/>
+              </a:rPr>
               <a:t>Schwaber</a:t>
             </a:r>
             <a:r>
-              <a:rPr lang="en-US" altLang="ja-JP" sz="1600" dirty="0"/>
+              <a:rPr lang="en-US" altLang="ja-JP" sz="1600" dirty="0">
+                <a:latin typeface="Segoe UI" panose="020B0502040204020203" pitchFamily="34" charset="0"/>
+                <a:cs typeface="Segoe UI" panose="020B0502040204020203" pitchFamily="34" charset="0"/>
+              </a:rPr>
               <a:t> and Jeff Sutherland. Offered for license under the Attribution Share-Alike license of Creative Commons</a:t>
             </a:r>
           </a:p>
@@ -19155,17 +20066,25 @@
             </a:pPr>
             <a:r>
               <a:rPr lang="en-US" altLang="ja-JP" sz="1400" dirty="0">
+                <a:latin typeface="Segoe UI" panose="020B0502040204020203" pitchFamily="34" charset="0"/>
+                <a:cs typeface="Segoe UI" panose="020B0502040204020203" pitchFamily="34" charset="0"/>
                 <a:hlinkClick r:id="rId2"/>
               </a:rPr>
               <a:t>https://www.scrumguides.org/docs/scrumguide/v2020/2020-Scrum-Guide-US.pdf</a:t>
             </a:r>
-            <a:endParaRPr lang="en-US" altLang="ja-JP" sz="1400" dirty="0"/>
+            <a:endParaRPr lang="en-US" altLang="ja-JP" sz="1400" dirty="0">
+              <a:latin typeface="Segoe UI" panose="020B0502040204020203" pitchFamily="34" charset="0"/>
+              <a:cs typeface="Segoe UI" panose="020B0502040204020203" pitchFamily="34" charset="0"/>
+            </a:endParaRPr>
           </a:p>
           <a:p>
             <a:pPr marL="457200" lvl="1" indent="0">
               <a:buNone/>
             </a:pPr>
-            <a:endParaRPr kumimoji="1" lang="en-US" altLang="ja-JP" sz="1600" dirty="0"/>
+            <a:endParaRPr kumimoji="1" lang="en-US" altLang="ja-JP" sz="1600" dirty="0">
+              <a:latin typeface="Segoe UI" panose="020B0502040204020203" pitchFamily="34" charset="0"/>
+              <a:cs typeface="Segoe UI" panose="020B0502040204020203" pitchFamily="34" charset="0"/>
+            </a:endParaRPr>
           </a:p>
           <a:p>
             <a:pPr>
@@ -19173,15 +20092,24 @@
               <a:buChar char="u"/>
             </a:pPr>
             <a:r>
-              <a:rPr lang="en-US" altLang="ja-JP" dirty="0"/>
+              <a:rPr lang="en-US" altLang="ja-JP" dirty="0">
+                <a:latin typeface="Segoe UI" panose="020B0502040204020203" pitchFamily="34" charset="0"/>
+                <a:cs typeface="Segoe UI" panose="020B0502040204020203" pitchFamily="34" charset="0"/>
+              </a:rPr>
               <a:t>Icons used in this document are created by </a:t>
             </a:r>
             <a:r>
-              <a:rPr lang="en-US" altLang="ja-JP" dirty="0" err="1"/>
+              <a:rPr lang="en-US" altLang="ja-JP" dirty="0" err="1">
+                <a:latin typeface="Segoe UI" panose="020B0502040204020203" pitchFamily="34" charset="0"/>
+                <a:cs typeface="Segoe UI" panose="020B0502040204020203" pitchFamily="34" charset="0"/>
+              </a:rPr>
               <a:t>Freepik</a:t>
             </a:r>
             <a:r>
-              <a:rPr lang="en-US" altLang="ja-JP" dirty="0"/>
+              <a:rPr lang="en-US" altLang="ja-JP" dirty="0">
+                <a:latin typeface="Segoe UI" panose="020B0502040204020203" pitchFamily="34" charset="0"/>
+                <a:cs typeface="Segoe UI" panose="020B0502040204020203" pitchFamily="34" charset="0"/>
+              </a:rPr>
               <a:t>(https://www.freepik.com/) and published on https://www.flaticon.com/.</a:t>
             </a:r>
           </a:p>
@@ -19189,13 +20117,19 @@
             <a:pPr marL="0" indent="0">
               <a:buNone/>
             </a:pPr>
-            <a:endParaRPr lang="en-US" altLang="ja-JP" dirty="0"/>
+            <a:endParaRPr lang="en-US" altLang="ja-JP" dirty="0">
+              <a:latin typeface="Segoe UI" panose="020B0502040204020203" pitchFamily="34" charset="0"/>
+              <a:cs typeface="Segoe UI" panose="020B0502040204020203" pitchFamily="34" charset="0"/>
+            </a:endParaRPr>
           </a:p>
           <a:p>
             <a:pPr marL="0" indent="0">
               <a:buNone/>
             </a:pPr>
-            <a:endParaRPr lang="ja-JP" altLang="en-US" dirty="0"/>
+            <a:endParaRPr lang="ja-JP" altLang="en-US" dirty="0">
+              <a:latin typeface="Segoe UI" panose="020B0502040204020203" pitchFamily="34" charset="0"/>
+              <a:cs typeface="Segoe UI" panose="020B0502040204020203" pitchFamily="34" charset="0"/>
+            </a:endParaRPr>
           </a:p>
         </p:txBody>
       </p:sp>
@@ -19219,6 +20153,8 @@
                 <a:solidFill>
                   <a:srgbClr val="000000"/>
                 </a:solidFill>
+                <a:latin typeface="Segoe UI" panose="020B0502040204020203" pitchFamily="34" charset="0"/>
+                <a:cs typeface="Segoe UI" panose="020B0502040204020203" pitchFamily="34" charset="0"/>
               </a:rPr>
               <a:pPr/>
               <a:t>4</a:t>
@@ -19227,6 +20163,8 @@
               <a:solidFill>
                 <a:srgbClr val="000000"/>
               </a:solidFill>
+              <a:latin typeface="Segoe UI" panose="020B0502040204020203" pitchFamily="34" charset="0"/>
+              <a:cs typeface="Segoe UI" panose="020B0502040204020203" pitchFamily="34" charset="0"/>
             </a:endParaRPr>
           </a:p>
         </p:txBody>
@@ -19277,10 +20215,16 @@
           <a:lstStyle/>
           <a:p>
             <a:r>
-              <a:rPr lang="en-US" altLang="ja-JP" dirty="0"/>
+              <a:rPr lang="en-US" altLang="ja-JP" dirty="0">
+                <a:latin typeface="Segoe UI" panose="020B0502040204020203" pitchFamily="34" charset="0"/>
+                <a:cs typeface="Segoe UI" panose="020B0502040204020203" pitchFamily="34" charset="0"/>
+              </a:rPr>
               <a:t>What is a product owner?</a:t>
             </a:r>
-            <a:endParaRPr kumimoji="1" lang="ja-JP" altLang="en-US" dirty="0"/>
+            <a:endParaRPr kumimoji="1" lang="ja-JP" altLang="en-US" dirty="0">
+              <a:latin typeface="Segoe UI" panose="020B0502040204020203" pitchFamily="34" charset="0"/>
+              <a:cs typeface="Segoe UI" panose="020B0502040204020203" pitchFamily="34" charset="0"/>
+            </a:endParaRPr>
           </a:p>
         </p:txBody>
       </p:sp>
@@ -19391,7 +20335,10 @@
           <a:lstStyle/>
           <a:p>
             <a:pPr algn="ctr"/>
-            <a:endParaRPr kumimoji="1" lang="ja-JP" altLang="en-US"/>
+            <a:endParaRPr kumimoji="1" lang="ja-JP" altLang="en-US">
+              <a:latin typeface="Segoe UI" panose="020B0502040204020203" pitchFamily="34" charset="0"/>
+              <a:cs typeface="Segoe UI" panose="020B0502040204020203" pitchFamily="34" charset="0"/>
+            </a:endParaRPr>
           </a:p>
         </p:txBody>
       </p:sp>
@@ -19411,10 +20358,16 @@
           <a:lstStyle/>
           <a:p>
             <a:r>
-              <a:rPr lang="en-US" altLang="ja-JP" dirty="0"/>
+              <a:rPr lang="en-US" altLang="ja-JP" dirty="0">
+                <a:latin typeface="Segoe UI" panose="020B0502040204020203" pitchFamily="34" charset="0"/>
+                <a:cs typeface="Segoe UI" panose="020B0502040204020203" pitchFamily="34" charset="0"/>
+              </a:rPr>
               <a:t>What is a product owner?</a:t>
             </a:r>
-            <a:endParaRPr kumimoji="1" lang="ja-JP" altLang="en-US" dirty="0"/>
+            <a:endParaRPr kumimoji="1" lang="ja-JP" altLang="en-US" dirty="0">
+              <a:latin typeface="Segoe UI" panose="020B0502040204020203" pitchFamily="34" charset="0"/>
+              <a:cs typeface="Segoe UI" panose="020B0502040204020203" pitchFamily="34" charset="0"/>
+            </a:endParaRPr>
           </a:p>
         </p:txBody>
       </p:sp>
@@ -19439,7 +20392,10 @@
               <a:buNone/>
             </a:pPr>
             <a:r>
-              <a:rPr lang="en-US" altLang="ja-JP" sz="1600" dirty="0"/>
+              <a:rPr lang="en-US" altLang="ja-JP" sz="1600" dirty="0">
+                <a:latin typeface="Segoe UI" panose="020B0502040204020203" pitchFamily="34" charset="0"/>
+                <a:cs typeface="Segoe UI" panose="020B0502040204020203" pitchFamily="34" charset="0"/>
+              </a:rPr>
               <a:t>Product owner is one of the </a:t>
             </a:r>
             <a:r>
@@ -19447,14 +20403,22 @@
                 <a:solidFill>
                   <a:srgbClr val="C00000"/>
                 </a:solidFill>
+                <a:latin typeface="Segoe UI" panose="020B0502040204020203" pitchFamily="34" charset="0"/>
+                <a:cs typeface="Segoe UI" panose="020B0502040204020203" pitchFamily="34" charset="0"/>
               </a:rPr>
               <a:t>roles</a:t>
             </a:r>
             <a:r>
-              <a:rPr lang="en-US" altLang="ja-JP" sz="1600" dirty="0"/>
+              <a:rPr lang="en-US" altLang="ja-JP" sz="1600" dirty="0">
+                <a:latin typeface="Segoe UI" panose="020B0502040204020203" pitchFamily="34" charset="0"/>
+                <a:cs typeface="Segoe UI" panose="020B0502040204020203" pitchFamily="34" charset="0"/>
+              </a:rPr>
               <a:t> in a scrum team. The product owner works with parties such as the scrum team and stakeholders (a general term for parties other than the scrum team who are involved in the project) and is responsible for increasing the value (return on investment (ROI)) of the product through measures such as venturing into potential markets.</a:t>
             </a:r>
-            <a:endParaRPr kumimoji="1" lang="ja-JP" altLang="en-US" sz="1800" dirty="0"/>
+            <a:endParaRPr kumimoji="1" lang="ja-JP" altLang="en-US" sz="1800" dirty="0">
+              <a:latin typeface="Segoe UI" panose="020B0502040204020203" pitchFamily="34" charset="0"/>
+              <a:cs typeface="Segoe UI" panose="020B0502040204020203" pitchFamily="34" charset="0"/>
+            </a:endParaRPr>
           </a:p>
         </p:txBody>
       </p:sp>
@@ -19478,6 +20442,8 @@
                 <a:solidFill>
                   <a:srgbClr val="000000"/>
                 </a:solidFill>
+                <a:latin typeface="Segoe UI" panose="020B0502040204020203" pitchFamily="34" charset="0"/>
+                <a:cs typeface="Segoe UI" panose="020B0502040204020203" pitchFamily="34" charset="0"/>
               </a:rPr>
               <a:pPr/>
               <a:t>6</a:t>
@@ -19486,6 +20452,8 @@
               <a:solidFill>
                 <a:srgbClr val="000000"/>
               </a:solidFill>
+              <a:latin typeface="Segoe UI" panose="020B0502040204020203" pitchFamily="34" charset="0"/>
+              <a:cs typeface="Segoe UI" panose="020B0502040204020203" pitchFamily="34" charset="0"/>
             </a:endParaRPr>
           </a:p>
         </p:txBody>
@@ -19552,7 +20520,10 @@
             <a:lstStyle/>
             <a:p>
               <a:pPr algn="ctr"/>
-              <a:endParaRPr kumimoji="1" lang="ja-JP" altLang="en-US"/>
+              <a:endParaRPr kumimoji="1" lang="ja-JP" altLang="en-US">
+                <a:latin typeface="Segoe UI" panose="020B0502040204020203" pitchFamily="34" charset="0"/>
+                <a:cs typeface="Segoe UI" panose="020B0502040204020203" pitchFamily="34" charset="0"/>
+              </a:endParaRPr>
             </a:p>
           </p:txBody>
         </p:sp>
@@ -19603,7 +20574,10 @@
             <a:lstStyle/>
             <a:p>
               <a:pPr algn="ctr"/>
-              <a:endParaRPr kumimoji="1" lang="ja-JP" altLang="en-US"/>
+              <a:endParaRPr kumimoji="1" lang="ja-JP" altLang="en-US">
+                <a:latin typeface="Segoe UI" panose="020B0502040204020203" pitchFamily="34" charset="0"/>
+                <a:cs typeface="Segoe UI" panose="020B0502040204020203" pitchFamily="34" charset="0"/>
+              </a:endParaRPr>
             </a:p>
           </p:txBody>
         </p:sp>
@@ -19654,7 +20628,10 @@
             <a:lstStyle/>
             <a:p>
               <a:pPr algn="ctr"/>
-              <a:endParaRPr kumimoji="1" lang="ja-JP" altLang="en-US"/>
+              <a:endParaRPr kumimoji="1" lang="ja-JP" altLang="en-US">
+                <a:latin typeface="Segoe UI" panose="020B0502040204020203" pitchFamily="34" charset="0"/>
+                <a:cs typeface="Segoe UI" panose="020B0502040204020203" pitchFamily="34" charset="0"/>
+              </a:endParaRPr>
             </a:p>
           </p:txBody>
         </p:sp>
@@ -19727,14 +20704,16 @@
                 <a:pPr algn="ctr"/>
                 <a:r>
                   <a:rPr lang="en-US" altLang="ja-JP" sz="1400" b="1" dirty="0">
-                    <a:latin typeface="メイリオ" panose="020B0604030504040204" pitchFamily="50" charset="-128"/>
+                    <a:latin typeface="Segoe UI" panose="020B0502040204020203" pitchFamily="34" charset="0"/>
                     <a:ea typeface="メイリオ" panose="020B0604030504040204" pitchFamily="50" charset="-128"/>
+                    <a:cs typeface="Segoe UI" panose="020B0502040204020203" pitchFamily="34" charset="0"/>
                   </a:rPr>
                   <a:t>Product owner</a:t>
                 </a:r>
                 <a:endParaRPr kumimoji="1" lang="ja-JP" altLang="en-US" sz="1400" b="1" dirty="0">
-                  <a:latin typeface="メイリオ" panose="020B0604030504040204" pitchFamily="50" charset="-128"/>
+                  <a:latin typeface="Segoe UI" panose="020B0502040204020203" pitchFamily="34" charset="0"/>
                   <a:ea typeface="メイリオ" panose="020B0604030504040204" pitchFamily="50" charset="-128"/>
+                  <a:cs typeface="Segoe UI" panose="020B0502040204020203" pitchFamily="34" charset="0"/>
                 </a:endParaRPr>
               </a:p>
             </p:txBody>
@@ -19795,8 +20774,9 @@
               <a:pPr algn="ctr"/>
               <a:r>
                 <a:rPr lang="en-US" altLang="ja-JP" sz="1400" dirty="0">
-                  <a:latin typeface="メイリオ" panose="020B0604030504040204" pitchFamily="50" charset="-128"/>
+                  <a:latin typeface="Segoe UI" panose="020B0502040204020203" pitchFamily="34" charset="0"/>
                   <a:ea typeface="メイリオ" panose="020B0604030504040204" pitchFamily="50" charset="-128"/>
+                  <a:cs typeface="Segoe UI" panose="020B0502040204020203" pitchFamily="34" charset="0"/>
                 </a:rPr>
                 <a:t>Scrum</a:t>
               </a:r>
@@ -19805,8 +20785,9 @@
               <a:pPr algn="ctr"/>
               <a:r>
                 <a:rPr lang="en-US" altLang="ja-JP" sz="1400" dirty="0">
-                  <a:latin typeface="メイリオ" panose="020B0604030504040204" pitchFamily="50" charset="-128"/>
+                  <a:latin typeface="Segoe UI" panose="020B0502040204020203" pitchFamily="34" charset="0"/>
                   <a:ea typeface="メイリオ" panose="020B0604030504040204" pitchFamily="50" charset="-128"/>
+                  <a:cs typeface="Segoe UI" panose="020B0502040204020203" pitchFamily="34" charset="0"/>
                 </a:rPr>
                 <a:t>Master</a:t>
               </a:r>
@@ -19852,7 +20833,7 @@
           <p:spPr>
             <a:xfrm>
               <a:off x="-1368084" y="5511205"/>
-              <a:ext cx="1757940" cy="523220"/>
+              <a:ext cx="1757940" cy="307777"/>
             </a:xfrm>
             <a:prstGeom prst="rect">
               <a:avLst/>
@@ -19868,14 +20849,16 @@
               <a:pPr algn="ctr"/>
               <a:r>
                 <a:rPr lang="en-US" altLang="ja-JP" sz="1400" dirty="0">
-                  <a:latin typeface="メイリオ" panose="020B0604030504040204" pitchFamily="50" charset="-128"/>
+                  <a:latin typeface="Segoe UI" panose="020B0502040204020203" pitchFamily="34" charset="0"/>
                   <a:ea typeface="メイリオ" panose="020B0604030504040204" pitchFamily="50" charset="-128"/>
+                  <a:cs typeface="Segoe UI" panose="020B0502040204020203" pitchFamily="34" charset="0"/>
                 </a:rPr>
                 <a:t>Development team</a:t>
               </a:r>
               <a:endParaRPr kumimoji="1" lang="ja-JP" altLang="en-US" sz="1400" dirty="0">
-                <a:latin typeface="メイリオ" panose="020B0604030504040204" pitchFamily="50" charset="-128"/>
+                <a:latin typeface="Segoe UI" panose="020B0502040204020203" pitchFamily="34" charset="0"/>
                 <a:ea typeface="メイリオ" panose="020B0604030504040204" pitchFamily="50" charset="-128"/>
+                <a:cs typeface="Segoe UI" panose="020B0502040204020203" pitchFamily="34" charset="0"/>
               </a:endParaRPr>
             </a:p>
           </p:txBody>
@@ -19980,14 +20963,16 @@
               <a:pPr algn="ctr"/>
               <a:r>
                 <a:rPr lang="en-US" altLang="ja-JP" sz="1400" dirty="0">
-                  <a:latin typeface="メイリオ" panose="020B0604030504040204" pitchFamily="50" charset="-128"/>
+                  <a:latin typeface="Segoe UI" panose="020B0502040204020203" pitchFamily="34" charset="0"/>
                   <a:ea typeface="メイリオ" panose="020B0604030504040204" pitchFamily="50" charset="-128"/>
+                  <a:cs typeface="Segoe UI" panose="020B0502040204020203" pitchFamily="34" charset="0"/>
                 </a:rPr>
                 <a:t>Management, sales team, etc.</a:t>
               </a:r>
               <a:endParaRPr kumimoji="1" lang="ja-JP" altLang="en-US" sz="1400" dirty="0">
-                <a:latin typeface="メイリオ" panose="020B0604030504040204" pitchFamily="50" charset="-128"/>
+                <a:latin typeface="Segoe UI" panose="020B0502040204020203" pitchFamily="34" charset="0"/>
                 <a:ea typeface="メイリオ" panose="020B0604030504040204" pitchFamily="50" charset="-128"/>
+                <a:cs typeface="Segoe UI" panose="020B0502040204020203" pitchFamily="34" charset="0"/>
               </a:endParaRPr>
             </a:p>
           </p:txBody>
@@ -20047,14 +21032,16 @@
               <a:pPr algn="ctr"/>
               <a:r>
                 <a:rPr lang="en-US" altLang="ja-JP" sz="1400" dirty="0">
-                  <a:latin typeface="メイリオ" panose="020B0604030504040204" pitchFamily="50" charset="-128"/>
+                  <a:latin typeface="Segoe UI" panose="020B0502040204020203" pitchFamily="34" charset="0"/>
                   <a:ea typeface="メイリオ" panose="020B0604030504040204" pitchFamily="50" charset="-128"/>
+                  <a:cs typeface="Segoe UI" panose="020B0502040204020203" pitchFamily="34" charset="0"/>
                 </a:rPr>
                 <a:t>Customers/users</a:t>
               </a:r>
               <a:endParaRPr kumimoji="1" lang="ja-JP" altLang="en-US" sz="1400" dirty="0">
-                <a:latin typeface="メイリオ" panose="020B0604030504040204" pitchFamily="50" charset="-128"/>
+                <a:latin typeface="Segoe UI" panose="020B0502040204020203" pitchFamily="34" charset="0"/>
                 <a:ea typeface="メイリオ" panose="020B0604030504040204" pitchFamily="50" charset="-128"/>
+                <a:cs typeface="Segoe UI" panose="020B0502040204020203" pitchFamily="34" charset="0"/>
               </a:endParaRPr>
             </a:p>
           </p:txBody>
@@ -20106,8 +21093,9 @@
                   <a:solidFill>
                     <a:schemeClr val="tx1"/>
                   </a:solidFill>
-                  <a:latin typeface="メイリオ" panose="020B0604030504040204" pitchFamily="50" charset="-128"/>
+                  <a:latin typeface="Segoe UI" panose="020B0502040204020203" pitchFamily="34" charset="0"/>
                   <a:ea typeface="メイリオ" panose="020B0604030504040204" pitchFamily="50" charset="-128"/>
+                  <a:cs typeface="Segoe UI" panose="020B0502040204020203" pitchFamily="34" charset="0"/>
                 </a:rPr>
                 <a:t>Potential market</a:t>
               </a:r>
@@ -20115,8 +21103,9 @@
                 <a:solidFill>
                   <a:schemeClr val="tx1"/>
                 </a:solidFill>
-                <a:latin typeface="メイリオ" panose="020B0604030504040204" pitchFamily="50" charset="-128"/>
+                <a:latin typeface="Segoe UI" panose="020B0502040204020203" pitchFamily="34" charset="0"/>
                 <a:ea typeface="メイリオ" panose="020B0604030504040204" pitchFamily="50" charset="-128"/>
+                <a:cs typeface="Segoe UI" panose="020B0502040204020203" pitchFamily="34" charset="0"/>
               </a:endParaRPr>
             </a:p>
           </p:txBody>
@@ -20168,8 +21157,9 @@
                   <a:solidFill>
                     <a:schemeClr val="tx1"/>
                   </a:solidFill>
-                  <a:latin typeface="メイリオ" panose="020B0604030504040204" pitchFamily="50" charset="-128"/>
+                  <a:latin typeface="Segoe UI" panose="020B0502040204020203" pitchFamily="34" charset="0"/>
                   <a:ea typeface="メイリオ" panose="020B0604030504040204" pitchFamily="50" charset="-128"/>
+                  <a:cs typeface="Segoe UI" panose="020B0502040204020203" pitchFamily="34" charset="0"/>
                 </a:rPr>
                 <a:t>Scrum team</a:t>
               </a:r>
@@ -20177,8 +21167,9 @@
                 <a:solidFill>
                   <a:schemeClr val="tx1"/>
                 </a:solidFill>
-                <a:latin typeface="メイリオ" panose="020B0604030504040204" pitchFamily="50" charset="-128"/>
+                <a:latin typeface="Segoe UI" panose="020B0502040204020203" pitchFamily="34" charset="0"/>
                 <a:ea typeface="メイリオ" panose="020B0604030504040204" pitchFamily="50" charset="-128"/>
+                <a:cs typeface="Segoe UI" panose="020B0502040204020203" pitchFamily="34" charset="0"/>
               </a:endParaRPr>
             </a:p>
           </p:txBody>
@@ -20230,8 +21221,9 @@
                   <a:solidFill>
                     <a:schemeClr val="tx1"/>
                   </a:solidFill>
-                  <a:latin typeface="メイリオ" panose="020B0604030504040204" pitchFamily="50" charset="-128"/>
+                  <a:latin typeface="Segoe UI" panose="020B0502040204020203" pitchFamily="34" charset="0"/>
                   <a:ea typeface="メイリオ" panose="020B0604030504040204" pitchFamily="50" charset="-128"/>
+                  <a:cs typeface="Segoe UI" panose="020B0502040204020203" pitchFamily="34" charset="0"/>
                 </a:rPr>
                 <a:t>Stakeholders</a:t>
               </a:r>
@@ -20239,8 +21231,9 @@
                 <a:solidFill>
                   <a:schemeClr val="tx1"/>
                 </a:solidFill>
-                <a:latin typeface="メイリオ" panose="020B0604030504040204" pitchFamily="50" charset="-128"/>
+                <a:latin typeface="Segoe UI" panose="020B0502040204020203" pitchFamily="34" charset="0"/>
                 <a:ea typeface="メイリオ" panose="020B0604030504040204" pitchFamily="50" charset="-128"/>
+                <a:cs typeface="Segoe UI" panose="020B0502040204020203" pitchFamily="34" charset="0"/>
               </a:endParaRPr>
             </a:p>
           </p:txBody>
@@ -20296,8 +21289,9 @@
                 <a:solidFill>
                   <a:schemeClr val="tx1"/>
                 </a:solidFill>
-                <a:latin typeface="メイリオ" panose="020B0604030504040204" pitchFamily="50" charset="-128"/>
+                <a:latin typeface="Segoe UI" panose="020B0502040204020203" pitchFamily="34" charset="0"/>
                 <a:ea typeface="メイリオ" panose="020B0604030504040204" pitchFamily="50" charset="-128"/>
+                <a:cs typeface="Segoe UI" panose="020B0502040204020203" pitchFamily="34" charset="0"/>
               </a:rPr>
               <a:t>Potential customers/market</a:t>
             </a:r>
@@ -20305,8 +21299,9 @@
               <a:solidFill>
                 <a:schemeClr val="tx1"/>
               </a:solidFill>
-              <a:latin typeface="メイリオ" panose="020B0604030504040204" pitchFamily="50" charset="-128"/>
+              <a:latin typeface="Segoe UI" panose="020B0502040204020203" pitchFamily="34" charset="0"/>
               <a:ea typeface="メイリオ" panose="020B0604030504040204" pitchFamily="50" charset="-128"/>
+              <a:cs typeface="Segoe UI" panose="020B0502040204020203" pitchFamily="34" charset="0"/>
             </a:endParaRPr>
           </a:p>
         </p:txBody>
@@ -20362,10 +21357,16 @@
           <a:lstStyle/>
           <a:p>
             <a:r>
-              <a:rPr lang="en-US" altLang="ja-JP" dirty="0"/>
+              <a:rPr lang="en-US" altLang="ja-JP" dirty="0">
+                <a:latin typeface="Segoe UI" panose="020B0502040204020203" pitchFamily="34" charset="0"/>
+                <a:cs typeface="Segoe UI" panose="020B0502040204020203" pitchFamily="34" charset="0"/>
+              </a:rPr>
               <a:t>How a product owner differs from a project manager</a:t>
             </a:r>
-            <a:endParaRPr kumimoji="1" lang="ja-JP" altLang="en-US" dirty="0"/>
+            <a:endParaRPr kumimoji="1" lang="ja-JP" altLang="en-US" dirty="0">
+              <a:latin typeface="Segoe UI" panose="020B0502040204020203" pitchFamily="34" charset="0"/>
+              <a:cs typeface="Segoe UI" panose="020B0502040204020203" pitchFamily="34" charset="0"/>
+            </a:endParaRPr>
           </a:p>
         </p:txBody>
       </p:sp>
@@ -20389,6 +21390,8 @@
                 <a:solidFill>
                   <a:srgbClr val="000000"/>
                 </a:solidFill>
+                <a:latin typeface="Segoe UI" panose="020B0502040204020203" pitchFamily="34" charset="0"/>
+                <a:cs typeface="Segoe UI" panose="020B0502040204020203" pitchFamily="34" charset="0"/>
               </a:rPr>
               <a:pPr/>
               <a:t>7</a:t>
@@ -20397,6 +21400,8 @@
               <a:solidFill>
                 <a:srgbClr val="000000"/>
               </a:solidFill>
+              <a:latin typeface="Segoe UI" panose="020B0502040204020203" pitchFamily="34" charset="0"/>
+              <a:cs typeface="Segoe UI" panose="020B0502040204020203" pitchFamily="34" charset="0"/>
             </a:endParaRPr>
           </a:p>
         </p:txBody>
@@ -20476,33 +21481,41 @@
           <a:lstStyle/>
           <a:p>
             <a:r>
-              <a:rPr lang="en-US" altLang="ja-JP" sz="2800" dirty="0">
+              <a:rPr lang="en-US" altLang="ja-JP" sz="2400" dirty="0">
                 <a:solidFill>
                   <a:schemeClr val="tx1"/>
                 </a:solidFill>
+                <a:latin typeface="Segoe UI" panose="020B0502040204020203" pitchFamily="34" charset="0"/>
+                <a:cs typeface="Segoe UI" panose="020B0502040204020203" pitchFamily="34" charset="0"/>
               </a:rPr>
               <a:t>Work with </a:t>
             </a:r>
             <a:r>
-              <a:rPr lang="en-US" altLang="ja-JP" sz="2800" u="sng" dirty="0">
+              <a:rPr lang="en-US" altLang="ja-JP" sz="2400" u="sng" dirty="0">
                 <a:solidFill>
                   <a:schemeClr val="tx1"/>
                 </a:solidFill>
+                <a:latin typeface="Segoe UI" panose="020B0502040204020203" pitchFamily="34" charset="0"/>
+                <a:cs typeface="Segoe UI" panose="020B0502040204020203" pitchFamily="34" charset="0"/>
               </a:rPr>
               <a:t>a finite time period </a:t>
             </a:r>
             <a:r>
-              <a:rPr lang="en-US" altLang="ja-JP" sz="2800" dirty="0">
+              <a:rPr lang="en-US" altLang="ja-JP" sz="2400" dirty="0">
                 <a:solidFill>
                   <a:schemeClr val="tx1"/>
                 </a:solidFill>
+                <a:latin typeface="Segoe UI" panose="020B0502040204020203" pitchFamily="34" charset="0"/>
+                <a:cs typeface="Segoe UI" panose="020B0502040204020203" pitchFamily="34" charset="0"/>
               </a:rPr>
               <a:t>to create a unique product, service or outcome (from PMBOX Version 6)</a:t>
             </a:r>
-            <a:endParaRPr lang="ja-JP" altLang="en-US" sz="2800" dirty="0">
+            <a:endParaRPr lang="ja-JP" altLang="en-US" sz="2400" dirty="0">
               <a:solidFill>
                 <a:schemeClr val="tx1"/>
               </a:solidFill>
+              <a:latin typeface="Segoe UI" panose="020B0502040204020203" pitchFamily="34" charset="0"/>
+              <a:cs typeface="Segoe UI" panose="020B0502040204020203" pitchFamily="34" charset="0"/>
             </a:endParaRPr>
           </a:p>
         </p:txBody>
@@ -20562,10 +21575,16 @@
           <a:lstStyle/>
           <a:p>
             <a:r>
-              <a:rPr lang="en-US" altLang="ja-JP" dirty="0"/>
+              <a:rPr lang="en-US" altLang="ja-JP" dirty="0">
+                <a:latin typeface="Segoe UI" panose="020B0502040204020203" pitchFamily="34" charset="0"/>
+                <a:cs typeface="Segoe UI" panose="020B0502040204020203" pitchFamily="34" charset="0"/>
+              </a:rPr>
               <a:t>Project manager</a:t>
             </a:r>
-            <a:endParaRPr kumimoji="1" lang="ja-JP" altLang="en-US" dirty="0"/>
+            <a:endParaRPr kumimoji="1" lang="ja-JP" altLang="en-US" dirty="0">
+              <a:latin typeface="Segoe UI" panose="020B0502040204020203" pitchFamily="34" charset="0"/>
+              <a:cs typeface="Segoe UI" panose="020B0502040204020203" pitchFamily="34" charset="0"/>
+            </a:endParaRPr>
           </a:p>
         </p:txBody>
       </p:sp>
@@ -20595,18 +21614,30 @@
               <a:buNone/>
             </a:pPr>
             <a:r>
-              <a:rPr lang="en-US" altLang="ja-JP" sz="1400" dirty="0"/>
+              <a:rPr lang="en-US" altLang="ja-JP" sz="1400" dirty="0">
+                <a:latin typeface="Segoe UI" panose="020B0502040204020203" pitchFamily="34" charset="0"/>
+                <a:cs typeface="Segoe UI" panose="020B0502040204020203" pitchFamily="34" charset="0"/>
+              </a:rPr>
               <a:t>At its core, a </a:t>
             </a:r>
             <a:r>
-              <a:rPr lang="en-US" altLang="ja-JP" sz="2800" b="1" dirty="0"/>
+              <a:rPr lang="en-US" altLang="ja-JP" sz="2800" b="1" dirty="0">
+                <a:latin typeface="Segoe UI" panose="020B0502040204020203" pitchFamily="34" charset="0"/>
+                <a:cs typeface="Segoe UI" panose="020B0502040204020203" pitchFamily="34" charset="0"/>
+              </a:rPr>
               <a:t>project</a:t>
             </a:r>
             <a:r>
-              <a:rPr lang="en-US" altLang="ja-JP" sz="1400" dirty="0"/>
+              <a:rPr lang="en-US" altLang="ja-JP" sz="1400" dirty="0">
+                <a:latin typeface="Segoe UI" panose="020B0502040204020203" pitchFamily="34" charset="0"/>
+                <a:cs typeface="Segoe UI" panose="020B0502040204020203" pitchFamily="34" charset="0"/>
+              </a:rPr>
               <a:t> is</a:t>
             </a:r>
-            <a:endParaRPr kumimoji="1" lang="en-US" altLang="ja-JP" sz="2800" dirty="0"/>
+            <a:endParaRPr kumimoji="1" lang="en-US" altLang="ja-JP" sz="2800" dirty="0">
+              <a:latin typeface="Segoe UI" panose="020B0502040204020203" pitchFamily="34" charset="0"/>
+              <a:cs typeface="Segoe UI" panose="020B0502040204020203" pitchFamily="34" charset="0"/>
+            </a:endParaRPr>
           </a:p>
         </p:txBody>
       </p:sp>
@@ -20630,6 +21661,8 @@
                 <a:solidFill>
                   <a:srgbClr val="000000"/>
                 </a:solidFill>
+                <a:latin typeface="Segoe UI" panose="020B0502040204020203" pitchFamily="34" charset="0"/>
+                <a:cs typeface="Segoe UI" panose="020B0502040204020203" pitchFamily="34" charset="0"/>
               </a:rPr>
               <a:pPr/>
               <a:t>8</a:t>
@@ -20638,6 +21671,8 @@
               <a:solidFill>
                 <a:srgbClr val="000000"/>
               </a:solidFill>
+              <a:latin typeface="Segoe UI" panose="020B0502040204020203" pitchFamily="34" charset="0"/>
+              <a:cs typeface="Segoe UI" panose="020B0502040204020203" pitchFamily="34" charset="0"/>
             </a:endParaRPr>
           </a:p>
         </p:txBody>
@@ -20666,14 +21701,16 @@
           <a:p>
             <a:r>
               <a:rPr lang="en-US" altLang="ja-JP" dirty="0">
-                <a:latin typeface="メイリオ" panose="020B0604030504040204" pitchFamily="50" charset="-128"/>
+                <a:latin typeface="Segoe UI" panose="020B0502040204020203" pitchFamily="34" charset="0"/>
                 <a:ea typeface="メイリオ" panose="020B0604030504040204" pitchFamily="50" charset="-128"/>
+                <a:cs typeface="Segoe UI" panose="020B0502040204020203" pitchFamily="34" charset="0"/>
               </a:rPr>
               <a:t>A finite time period is one with a specific beginning and end</a:t>
             </a:r>
             <a:endParaRPr kumimoji="1" lang="ja-JP" altLang="en-US" dirty="0">
-              <a:latin typeface="メイリオ" panose="020B0604030504040204" pitchFamily="50" charset="-128"/>
+              <a:latin typeface="Segoe UI" panose="020B0502040204020203" pitchFamily="34" charset="0"/>
               <a:ea typeface="メイリオ" panose="020B0604030504040204" pitchFamily="50" charset="-128"/>
+              <a:cs typeface="Segoe UI" panose="020B0502040204020203" pitchFamily="34" charset="0"/>
             </a:endParaRPr>
           </a:p>
         </p:txBody>
@@ -20727,8 +21764,9 @@
                 <a:solidFill>
                   <a:schemeClr val="tx1"/>
                 </a:solidFill>
-                <a:latin typeface="メイリオ" panose="020B0604030504040204" pitchFamily="50" charset="-128"/>
+                <a:latin typeface="Segoe UI" panose="020B0502040204020203" pitchFamily="34" charset="0"/>
                 <a:ea typeface="メイリオ" panose="020B0604030504040204" pitchFamily="50" charset="-128"/>
+                <a:cs typeface="Segoe UI" panose="020B0502040204020203" pitchFamily="34" charset="0"/>
               </a:rPr>
               <a:t>The focus of a project is finishing (within the specified conditions), so the </a:t>
             </a:r>
@@ -20737,8 +21775,9 @@
                 <a:solidFill>
                   <a:srgbClr val="FF0000"/>
                 </a:solidFill>
-                <a:latin typeface="メイリオ" panose="020B0604030504040204" pitchFamily="50" charset="-128"/>
+                <a:latin typeface="Segoe UI" panose="020B0502040204020203" pitchFamily="34" charset="0"/>
                 <a:ea typeface="メイリオ" panose="020B0604030504040204" pitchFamily="50" charset="-128"/>
+                <a:cs typeface="Segoe UI" panose="020B0502040204020203" pitchFamily="34" charset="0"/>
               </a:rPr>
               <a:t>schedule</a:t>
             </a:r>
@@ -20747,8 +21786,9 @@
                 <a:solidFill>
                   <a:schemeClr val="tx1"/>
                 </a:solidFill>
-                <a:latin typeface="メイリオ" panose="020B0604030504040204" pitchFamily="50" charset="-128"/>
+                <a:latin typeface="Segoe UI" panose="020B0502040204020203" pitchFamily="34" charset="0"/>
                 <a:ea typeface="メイリオ" panose="020B0604030504040204" pitchFamily="50" charset="-128"/>
+                <a:cs typeface="Segoe UI" panose="020B0502040204020203" pitchFamily="34" charset="0"/>
               </a:rPr>
               <a:t> requires the most attention.</a:t>
             </a:r>
@@ -20756,8 +21796,9 @@
               <a:solidFill>
                 <a:srgbClr val="FF0000"/>
               </a:solidFill>
-              <a:latin typeface="メイリオ" panose="020B0604030504040204" pitchFamily="50" charset="-128"/>
+              <a:latin typeface="Segoe UI" panose="020B0502040204020203" pitchFamily="34" charset="0"/>
               <a:ea typeface="メイリオ" panose="020B0604030504040204" pitchFamily="50" charset="-128"/>
+              <a:cs typeface="Segoe UI" panose="020B0502040204020203" pitchFamily="34" charset="0"/>
             </a:endParaRPr>
           </a:p>
         </p:txBody>
@@ -20925,18 +21966,30 @@
               <a:buNone/>
             </a:pPr>
             <a:r>
-              <a:rPr lang="en-US" altLang="ja-JP" sz="1400" dirty="0"/>
+              <a:rPr lang="en-US" altLang="ja-JP" sz="1400" dirty="0">
+                <a:latin typeface="Segoe UI" panose="020B0502040204020203" pitchFamily="34" charset="0"/>
+                <a:cs typeface="Segoe UI" panose="020B0502040204020203" pitchFamily="34" charset="0"/>
+              </a:rPr>
               <a:t>For this reason, a </a:t>
             </a:r>
             <a:r>
-              <a:rPr lang="en-US" altLang="ja-JP" sz="2800" b="1" dirty="0"/>
+              <a:rPr lang="en-US" altLang="ja-JP" sz="2800" b="1" dirty="0">
+                <a:latin typeface="Segoe UI" panose="020B0502040204020203" pitchFamily="34" charset="0"/>
+                <a:cs typeface="Segoe UI" panose="020B0502040204020203" pitchFamily="34" charset="0"/>
+              </a:rPr>
               <a:t>project manager </a:t>
             </a:r>
             <a:r>
-              <a:rPr lang="en-US" altLang="ja-JP" sz="1400" dirty="0"/>
+              <a:rPr lang="en-US" altLang="ja-JP" sz="1400" dirty="0">
+                <a:latin typeface="Segoe UI" panose="020B0502040204020203" pitchFamily="34" charset="0"/>
+                <a:cs typeface="Segoe UI" panose="020B0502040204020203" pitchFamily="34" charset="0"/>
+              </a:rPr>
               <a:t>needs to be conscious of the following.</a:t>
             </a:r>
-            <a:endParaRPr lang="en-US" altLang="ja-JP" sz="2800" dirty="0"/>
+            <a:endParaRPr lang="en-US" altLang="ja-JP" sz="2800" dirty="0">
+              <a:latin typeface="Segoe UI" panose="020B0502040204020203" pitchFamily="34" charset="0"/>
+              <a:cs typeface="Segoe UI" panose="020B0502040204020203" pitchFamily="34" charset="0"/>
+            </a:endParaRPr>
           </a:p>
         </p:txBody>
       </p:sp>
@@ -21019,6 +22072,8 @@
                 <a:solidFill>
                   <a:schemeClr val="tx1"/>
                 </a:solidFill>
+                <a:latin typeface="Segoe UI" panose="020B0502040204020203" pitchFamily="34" charset="0"/>
+                <a:cs typeface="Segoe UI" panose="020B0502040204020203" pitchFamily="34" charset="0"/>
               </a:rPr>
               <a:t>generates revenue by meeting market needs.</a:t>
             </a:r>
@@ -21026,6 +22081,8 @@
               <a:solidFill>
                 <a:schemeClr val="tx1"/>
               </a:solidFill>
+              <a:latin typeface="Segoe UI" panose="020B0502040204020203" pitchFamily="34" charset="0"/>
+              <a:cs typeface="Segoe UI" panose="020B0502040204020203" pitchFamily="34" charset="0"/>
             </a:endParaRPr>
           </a:p>
         </p:txBody>
@@ -21046,10 +22103,16 @@
           <a:lstStyle/>
           <a:p>
             <a:r>
-              <a:rPr lang="en-US" altLang="ja-JP" dirty="0"/>
+              <a:rPr lang="en-US" altLang="ja-JP" dirty="0">
+                <a:latin typeface="Segoe UI" panose="020B0502040204020203" pitchFamily="34" charset="0"/>
+                <a:cs typeface="Segoe UI" panose="020B0502040204020203" pitchFamily="34" charset="0"/>
+              </a:rPr>
               <a:t>Product owner</a:t>
             </a:r>
-            <a:endParaRPr kumimoji="1" lang="ja-JP" altLang="en-US" dirty="0"/>
+            <a:endParaRPr kumimoji="1" lang="ja-JP" altLang="en-US" dirty="0">
+              <a:latin typeface="Segoe UI" panose="020B0502040204020203" pitchFamily="34" charset="0"/>
+              <a:cs typeface="Segoe UI" panose="020B0502040204020203" pitchFamily="34" charset="0"/>
+            </a:endParaRPr>
           </a:p>
         </p:txBody>
       </p:sp>
@@ -21079,18 +22142,30 @@
               <a:buNone/>
             </a:pPr>
             <a:r>
-              <a:rPr lang="en-US" altLang="ja-JP" sz="1400" dirty="0"/>
+              <a:rPr lang="en-US" altLang="ja-JP" sz="1400" dirty="0">
+                <a:latin typeface="Segoe UI" panose="020B0502040204020203" pitchFamily="34" charset="0"/>
+                <a:cs typeface="Segoe UI" panose="020B0502040204020203" pitchFamily="34" charset="0"/>
+              </a:rPr>
               <a:t>A </a:t>
             </a:r>
             <a:r>
-              <a:rPr lang="en-US" altLang="ja-JP" sz="2800" b="1" dirty="0"/>
+              <a:rPr lang="en-US" altLang="ja-JP" sz="2800" b="1" dirty="0">
+                <a:latin typeface="Segoe UI" panose="020B0502040204020203" pitchFamily="34" charset="0"/>
+                <a:cs typeface="Segoe UI" panose="020B0502040204020203" pitchFamily="34" charset="0"/>
+              </a:rPr>
               <a:t>product</a:t>
             </a:r>
             <a:r>
-              <a:rPr lang="en-US" altLang="ja-JP" sz="1400" dirty="0"/>
+              <a:rPr lang="en-US" altLang="ja-JP" sz="1400" dirty="0">
+                <a:latin typeface="Segoe UI" panose="020B0502040204020203" pitchFamily="34" charset="0"/>
+                <a:cs typeface="Segoe UI" panose="020B0502040204020203" pitchFamily="34" charset="0"/>
+              </a:rPr>
               <a:t>, meanwhile,</a:t>
             </a:r>
-            <a:endParaRPr kumimoji="1" lang="en-US" altLang="ja-JP" sz="2800" dirty="0"/>
+            <a:endParaRPr kumimoji="1" lang="en-US" altLang="ja-JP" sz="2800" dirty="0">
+              <a:latin typeface="Segoe UI" panose="020B0502040204020203" pitchFamily="34" charset="0"/>
+              <a:cs typeface="Segoe UI" panose="020B0502040204020203" pitchFamily="34" charset="0"/>
+            </a:endParaRPr>
           </a:p>
         </p:txBody>
       </p:sp>
@@ -21114,6 +22189,8 @@
                 <a:solidFill>
                   <a:srgbClr val="000000"/>
                 </a:solidFill>
+                <a:latin typeface="Segoe UI" panose="020B0502040204020203" pitchFamily="34" charset="0"/>
+                <a:cs typeface="Segoe UI" panose="020B0502040204020203" pitchFamily="34" charset="0"/>
               </a:rPr>
               <a:pPr/>
               <a:t>9</a:t>
@@ -21122,6 +22199,8 @@
               <a:solidFill>
                 <a:srgbClr val="000000"/>
               </a:solidFill>
+              <a:latin typeface="Segoe UI" panose="020B0502040204020203" pitchFamily="34" charset="0"/>
+              <a:cs typeface="Segoe UI" panose="020B0502040204020203" pitchFamily="34" charset="0"/>
             </a:endParaRPr>
           </a:p>
         </p:txBody>
@@ -21175,8 +22254,9 @@
                 <a:solidFill>
                   <a:schemeClr val="tx1"/>
                 </a:solidFill>
-                <a:latin typeface="メイリオ" panose="020B0604030504040204" pitchFamily="50" charset="-128"/>
+                <a:latin typeface="Segoe UI" panose="020B0502040204020203" pitchFamily="34" charset="0"/>
                 <a:ea typeface="メイリオ" panose="020B0604030504040204" pitchFamily="50" charset="-128"/>
+                <a:cs typeface="Segoe UI" panose="020B0502040204020203" pitchFamily="34" charset="0"/>
               </a:rPr>
               <a:t>The focus of product development is to meet the needs of the market, so the </a:t>
             </a:r>
@@ -21185,8 +22265,9 @@
                 <a:solidFill>
                   <a:srgbClr val="FF0000"/>
                 </a:solidFill>
-                <a:latin typeface="メイリオ" panose="020B0604030504040204" pitchFamily="50" charset="-128"/>
+                <a:latin typeface="Segoe UI" panose="020B0502040204020203" pitchFamily="34" charset="0"/>
                 <a:ea typeface="メイリオ" panose="020B0604030504040204" pitchFamily="50" charset="-128"/>
+                <a:cs typeface="Segoe UI" panose="020B0502040204020203" pitchFamily="34" charset="0"/>
               </a:rPr>
               <a:t>market</a:t>
             </a:r>
@@ -21195,8 +22276,9 @@
                 <a:solidFill>
                   <a:schemeClr val="tx1"/>
                 </a:solidFill>
-                <a:latin typeface="メイリオ" panose="020B0604030504040204" pitchFamily="50" charset="-128"/>
+                <a:latin typeface="Segoe UI" panose="020B0502040204020203" pitchFamily="34" charset="0"/>
                 <a:ea typeface="メイリオ" panose="020B0604030504040204" pitchFamily="50" charset="-128"/>
+                <a:cs typeface="Segoe UI" panose="020B0502040204020203" pitchFamily="34" charset="0"/>
               </a:rPr>
               <a:t> requires the most attention.</a:t>
             </a:r>
@@ -21204,8 +22286,9 @@
               <a:solidFill>
                 <a:srgbClr val="FF0000"/>
               </a:solidFill>
-              <a:latin typeface="メイリオ" panose="020B0604030504040204" pitchFamily="50" charset="-128"/>
+              <a:latin typeface="Segoe UI" panose="020B0502040204020203" pitchFamily="34" charset="0"/>
               <a:ea typeface="メイリオ" panose="020B0604030504040204" pitchFamily="50" charset="-128"/>
+              <a:cs typeface="Segoe UI" panose="020B0502040204020203" pitchFamily="34" charset="0"/>
             </a:endParaRPr>
           </a:p>
         </p:txBody>
@@ -21374,23 +22457,29 @@
             </a:pPr>
             <a:r>
               <a:rPr lang="en-US" altLang="ja-JP" sz="1400" dirty="0">
-                <a:latin typeface="メイリオ"/>
+                <a:latin typeface="Segoe UI" panose="020B0502040204020203" pitchFamily="34" charset="0"/>
+                <a:cs typeface="Segoe UI" panose="020B0502040204020203" pitchFamily="34" charset="0"/>
               </a:rPr>
               <a:t>For this reason, a </a:t>
             </a:r>
             <a:r>
               <a:rPr lang="en-US" altLang="ja-JP" sz="2800" b="1" dirty="0">
-                <a:latin typeface="メイリオ"/>
+                <a:latin typeface="Segoe UI" panose="020B0502040204020203" pitchFamily="34" charset="0"/>
+                <a:cs typeface="Segoe UI" panose="020B0502040204020203" pitchFamily="34" charset="0"/>
               </a:rPr>
               <a:t>product owner </a:t>
             </a:r>
             <a:r>
               <a:rPr lang="en-US" altLang="ja-JP" sz="1400" dirty="0">
-                <a:latin typeface="メイリオ"/>
+                <a:latin typeface="Segoe UI" panose="020B0502040204020203" pitchFamily="34" charset="0"/>
+                <a:cs typeface="Segoe UI" panose="020B0502040204020203" pitchFamily="34" charset="0"/>
               </a:rPr>
               <a:t>needs to be conscious of the following.</a:t>
             </a:r>
-            <a:endParaRPr lang="en-US" altLang="ja-JP" sz="2800" dirty="0"/>
+            <a:endParaRPr lang="en-US" altLang="ja-JP" sz="2800" dirty="0">
+              <a:latin typeface="Segoe UI" panose="020B0502040204020203" pitchFamily="34" charset="0"/>
+              <a:cs typeface="Segoe UI" panose="020B0502040204020203" pitchFamily="34" charset="0"/>
+            </a:endParaRPr>
           </a:p>
         </p:txBody>
       </p:sp>
